--- a/PowerPoint/00-01.pptx
+++ b/PowerPoint/00-01.pptx
@@ -8,16 +8,17 @@
     <p:sldId id="257" r:id="rId2"/>
     <p:sldId id="256" r:id="rId3"/>
     <p:sldId id="258" r:id="rId4"/>
-    <p:sldId id="259" r:id="rId5"/>
-    <p:sldId id="260" r:id="rId6"/>
-    <p:sldId id="261" r:id="rId7"/>
-    <p:sldId id="262" r:id="rId8"/>
-    <p:sldId id="263" r:id="rId9"/>
-    <p:sldId id="264" r:id="rId10"/>
-    <p:sldId id="265" r:id="rId11"/>
-    <p:sldId id="266" r:id="rId12"/>
-    <p:sldId id="267" r:id="rId13"/>
-    <p:sldId id="268" r:id="rId14"/>
+    <p:sldId id="269" r:id="rId5"/>
+    <p:sldId id="259" r:id="rId6"/>
+    <p:sldId id="260" r:id="rId7"/>
+    <p:sldId id="261" r:id="rId8"/>
+    <p:sldId id="262" r:id="rId9"/>
+    <p:sldId id="263" r:id="rId10"/>
+    <p:sldId id="264" r:id="rId11"/>
+    <p:sldId id="265" r:id="rId12"/>
+    <p:sldId id="266" r:id="rId13"/>
+    <p:sldId id="267" r:id="rId14"/>
+    <p:sldId id="268" r:id="rId15"/>
   </p:sldIdLst>
   <p:sldSz cx="17279938" cy="9720263"/>
   <p:notesSz cx="6858000" cy="9144000"/>
@@ -266,7 +267,7 @@
           <a:p>
             <a:fld id="{E1BEDBA0-2AE0-4D27-914B-E48EF4652695}" type="datetimeFigureOut">
               <a:rPr lang="zh-CN" altLang="en-US" smtClean="0"/>
-              <a:t>2018/4/9</a:t>
+              <a:t>2018/4/10</a:t>
             </a:fld>
             <a:endParaRPr lang="zh-CN" altLang="en-US"/>
           </a:p>
@@ -436,7 +437,7 @@
           <a:p>
             <a:fld id="{E1BEDBA0-2AE0-4D27-914B-E48EF4652695}" type="datetimeFigureOut">
               <a:rPr lang="zh-CN" altLang="en-US" smtClean="0"/>
-              <a:t>2018/4/9</a:t>
+              <a:t>2018/4/10</a:t>
             </a:fld>
             <a:endParaRPr lang="zh-CN" altLang="en-US"/>
           </a:p>
@@ -616,7 +617,7 @@
           <a:p>
             <a:fld id="{E1BEDBA0-2AE0-4D27-914B-E48EF4652695}" type="datetimeFigureOut">
               <a:rPr lang="zh-CN" altLang="en-US" smtClean="0"/>
-              <a:t>2018/4/9</a:t>
+              <a:t>2018/4/10</a:t>
             </a:fld>
             <a:endParaRPr lang="zh-CN" altLang="en-US"/>
           </a:p>
@@ -786,7 +787,7 @@
           <a:p>
             <a:fld id="{E1BEDBA0-2AE0-4D27-914B-E48EF4652695}" type="datetimeFigureOut">
               <a:rPr lang="zh-CN" altLang="en-US" smtClean="0"/>
-              <a:t>2018/4/9</a:t>
+              <a:t>2018/4/10</a:t>
             </a:fld>
             <a:endParaRPr lang="zh-CN" altLang="en-US"/>
           </a:p>
@@ -1032,7 +1033,7 @@
           <a:p>
             <a:fld id="{E1BEDBA0-2AE0-4D27-914B-E48EF4652695}" type="datetimeFigureOut">
               <a:rPr lang="zh-CN" altLang="en-US" smtClean="0"/>
-              <a:t>2018/4/9</a:t>
+              <a:t>2018/4/10</a:t>
             </a:fld>
             <a:endParaRPr lang="zh-CN" altLang="en-US"/>
           </a:p>
@@ -1264,7 +1265,7 @@
           <a:p>
             <a:fld id="{E1BEDBA0-2AE0-4D27-914B-E48EF4652695}" type="datetimeFigureOut">
               <a:rPr lang="zh-CN" altLang="en-US" smtClean="0"/>
-              <a:t>2018/4/9</a:t>
+              <a:t>2018/4/10</a:t>
             </a:fld>
             <a:endParaRPr lang="zh-CN" altLang="en-US"/>
           </a:p>
@@ -1631,7 +1632,7 @@
           <a:p>
             <a:fld id="{E1BEDBA0-2AE0-4D27-914B-E48EF4652695}" type="datetimeFigureOut">
               <a:rPr lang="zh-CN" altLang="en-US" smtClean="0"/>
-              <a:t>2018/4/9</a:t>
+              <a:t>2018/4/10</a:t>
             </a:fld>
             <a:endParaRPr lang="zh-CN" altLang="en-US"/>
           </a:p>
@@ -1749,7 +1750,7 @@
           <a:p>
             <a:fld id="{E1BEDBA0-2AE0-4D27-914B-E48EF4652695}" type="datetimeFigureOut">
               <a:rPr lang="zh-CN" altLang="en-US" smtClean="0"/>
-              <a:t>2018/4/9</a:t>
+              <a:t>2018/4/10</a:t>
             </a:fld>
             <a:endParaRPr lang="zh-CN" altLang="en-US"/>
           </a:p>
@@ -1844,7 +1845,7 @@
           <a:p>
             <a:fld id="{E1BEDBA0-2AE0-4D27-914B-E48EF4652695}" type="datetimeFigureOut">
               <a:rPr lang="zh-CN" altLang="en-US" smtClean="0"/>
-              <a:t>2018/4/9</a:t>
+              <a:t>2018/4/10</a:t>
             </a:fld>
             <a:endParaRPr lang="zh-CN" altLang="en-US"/>
           </a:p>
@@ -2121,7 +2122,7 @@
           <a:p>
             <a:fld id="{E1BEDBA0-2AE0-4D27-914B-E48EF4652695}" type="datetimeFigureOut">
               <a:rPr lang="zh-CN" altLang="en-US" smtClean="0"/>
-              <a:t>2018/4/9</a:t>
+              <a:t>2018/4/10</a:t>
             </a:fld>
             <a:endParaRPr lang="zh-CN" altLang="en-US"/>
           </a:p>
@@ -2378,7 +2379,7 @@
           <a:p>
             <a:fld id="{E1BEDBA0-2AE0-4D27-914B-E48EF4652695}" type="datetimeFigureOut">
               <a:rPr lang="zh-CN" altLang="en-US" smtClean="0"/>
-              <a:t>2018/4/9</a:t>
+              <a:t>2018/4/10</a:t>
             </a:fld>
             <a:endParaRPr lang="zh-CN" altLang="en-US"/>
           </a:p>
@@ -2591,7 +2592,7 @@
           <a:p>
             <a:fld id="{E1BEDBA0-2AE0-4D27-914B-E48EF4652695}" type="datetimeFigureOut">
               <a:rPr lang="zh-CN" altLang="en-US" smtClean="0"/>
-              <a:t>2018/4/9</a:t>
+              <a:t>2018/4/10</a:t>
             </a:fld>
             <a:endParaRPr lang="zh-CN" altLang="en-US"/>
           </a:p>
@@ -3858,6 +3859,1105 @@
         </p:nvSpPr>
         <p:spPr>
           <a:xfrm>
+            <a:off x="2822713" y="4008415"/>
+            <a:ext cx="3877985" cy="2308324"/>
+          </a:xfrm>
+          <a:prstGeom prst="rect">
+            <a:avLst/>
+          </a:prstGeom>
+          <a:noFill/>
+        </p:spPr>
+        <p:txBody>
+          <a:bodyPr wrap="none" rtlCol="0">
+            <a:spAutoFit/>
+          </a:bodyPr>
+          <a:lstStyle/>
+          <a:p>
+            <a:pPr algn="r"/>
+            <a:r>
+              <a:rPr lang="zh-CN" altLang="en-US" sz="4800" b="1" dirty="0">
+                <a:solidFill>
+                  <a:schemeClr val="tx1">
+                    <a:lumMod val="65000"/>
+                    <a:lumOff val="35000"/>
+                  </a:schemeClr>
+                </a:solidFill>
+                <a:latin typeface="苹方-简" panose="020B0400000000000000" pitchFamily="34" charset="-128"/>
+                <a:ea typeface="苹方-简" panose="020B0400000000000000" pitchFamily="34" charset="-128"/>
+              </a:rPr>
+              <a:t>我</a:t>
+            </a:r>
+            <a:endParaRPr lang="en-US" altLang="zh-CN" sz="4800" b="1" dirty="0">
+              <a:solidFill>
+                <a:schemeClr val="tx1">
+                  <a:lumMod val="65000"/>
+                  <a:lumOff val="35000"/>
+                </a:schemeClr>
+              </a:solidFill>
+              <a:latin typeface="苹方-简" panose="020B0400000000000000" pitchFamily="34" charset="-128"/>
+              <a:ea typeface="苹方-简" panose="020B0400000000000000" pitchFamily="34" charset="-128"/>
+            </a:endParaRPr>
+          </a:p>
+          <a:p>
+            <a:pPr algn="r"/>
+            <a:r>
+              <a:rPr lang="zh-CN" altLang="en-US" sz="4800" b="1" dirty="0">
+                <a:solidFill>
+                  <a:schemeClr val="tx1">
+                    <a:lumMod val="65000"/>
+                    <a:lumOff val="35000"/>
+                  </a:schemeClr>
+                </a:solidFill>
+                <a:latin typeface="苹方-简" panose="020B0400000000000000" pitchFamily="34" charset="-128"/>
+                <a:ea typeface="苹方-简" panose="020B0400000000000000" pitchFamily="34" charset="-128"/>
+              </a:rPr>
+              <a:t>希望录制</a:t>
+            </a:r>
+            <a:endParaRPr lang="en-US" altLang="zh-CN" sz="4800" b="1" dirty="0">
+              <a:solidFill>
+                <a:schemeClr val="tx1">
+                  <a:lumMod val="65000"/>
+                  <a:lumOff val="35000"/>
+                </a:schemeClr>
+              </a:solidFill>
+              <a:latin typeface="苹方-简" panose="020B0400000000000000" pitchFamily="34" charset="-128"/>
+              <a:ea typeface="苹方-简" panose="020B0400000000000000" pitchFamily="34" charset="-128"/>
+            </a:endParaRPr>
+          </a:p>
+          <a:p>
+            <a:pPr algn="r"/>
+            <a:r>
+              <a:rPr lang="zh-CN" altLang="en-US" sz="4800" b="1" dirty="0">
+                <a:solidFill>
+                  <a:schemeClr val="tx1">
+                    <a:lumMod val="65000"/>
+                    <a:lumOff val="35000"/>
+                  </a:schemeClr>
+                </a:solidFill>
+                <a:latin typeface="苹方-简" panose="020B0400000000000000" pitchFamily="34" charset="-128"/>
+                <a:ea typeface="苹方-简" panose="020B0400000000000000" pitchFamily="34" charset="-128"/>
+              </a:rPr>
+              <a:t>一门什么课程</a:t>
+            </a:r>
+          </a:p>
+        </p:txBody>
+      </p:sp>
+      <p:sp>
+        <p:nvSpPr>
+          <p:cNvPr id="4" name="文本框 3">
+            <a:extLst>
+              <a:ext uri="{FF2B5EF4-FFF2-40B4-BE49-F238E27FC236}">
+                <a16:creationId xmlns:a16="http://schemas.microsoft.com/office/drawing/2014/main" id="{FD4FEBCB-A276-432B-B79E-55B3CF233D35}"/>
+              </a:ext>
+            </a:extLst>
+          </p:cNvPr>
+          <p:cNvSpPr txBox="1"/>
+          <p:nvPr/>
+        </p:nvSpPr>
+        <p:spPr>
+          <a:xfrm>
+            <a:off x="9581322" y="2970886"/>
+            <a:ext cx="702436" cy="707886"/>
+          </a:xfrm>
+          <a:prstGeom prst="rect">
+            <a:avLst/>
+          </a:prstGeom>
+          <a:noFill/>
+        </p:spPr>
+        <p:txBody>
+          <a:bodyPr wrap="none" rtlCol="0">
+            <a:spAutoFit/>
+          </a:bodyPr>
+          <a:lstStyle/>
+          <a:p>
+            <a:r>
+              <a:rPr lang="en-US" altLang="zh-CN" sz="4000" b="1" dirty="0">
+                <a:solidFill>
+                  <a:srgbClr val="00B050"/>
+                </a:solidFill>
+                <a:latin typeface="苹方-简" panose="020B0400000000000000" pitchFamily="34" charset="-128"/>
+                <a:ea typeface="苹方-简" panose="020B0400000000000000" pitchFamily="34" charset="-128"/>
+              </a:rPr>
+              <a:t>01</a:t>
+            </a:r>
+            <a:endParaRPr lang="zh-CN" altLang="en-US" sz="4000" b="1" dirty="0">
+              <a:solidFill>
+                <a:srgbClr val="00B050"/>
+              </a:solidFill>
+              <a:latin typeface="苹方-简" panose="020B0400000000000000" pitchFamily="34" charset="-128"/>
+              <a:ea typeface="苹方-简" panose="020B0400000000000000" pitchFamily="34" charset="-128"/>
+            </a:endParaRPr>
+          </a:p>
+        </p:txBody>
+      </p:sp>
+      <p:sp>
+        <p:nvSpPr>
+          <p:cNvPr id="5" name="文本框 4">
+            <a:extLst>
+              <a:ext uri="{FF2B5EF4-FFF2-40B4-BE49-F238E27FC236}">
+                <a16:creationId xmlns:a16="http://schemas.microsoft.com/office/drawing/2014/main" id="{44445533-2C92-41C6-9AD7-3472E2180B39}"/>
+              </a:ext>
+            </a:extLst>
+          </p:cNvPr>
+          <p:cNvSpPr txBox="1"/>
+          <p:nvPr/>
+        </p:nvSpPr>
+        <p:spPr>
+          <a:xfrm>
+            <a:off x="10508974" y="3063219"/>
+            <a:ext cx="1620957" cy="523220"/>
+          </a:xfrm>
+          <a:prstGeom prst="rect">
+            <a:avLst/>
+          </a:prstGeom>
+          <a:noFill/>
+        </p:spPr>
+        <p:txBody>
+          <a:bodyPr wrap="none" rtlCol="0">
+            <a:spAutoFit/>
+          </a:bodyPr>
+          <a:lstStyle/>
+          <a:p>
+            <a:r>
+              <a:rPr lang="zh-CN" altLang="en-US" sz="2800" dirty="0">
+                <a:solidFill>
+                  <a:srgbClr val="00B050"/>
+                </a:solidFill>
+                <a:latin typeface="苹方-简" panose="020B0400000000000000" pitchFamily="34" charset="-128"/>
+                <a:ea typeface="苹方-简" panose="020B0400000000000000" pitchFamily="34" charset="-128"/>
+              </a:rPr>
+              <a:t>提出问题</a:t>
+            </a:r>
+          </a:p>
+        </p:txBody>
+      </p:sp>
+      <p:sp>
+        <p:nvSpPr>
+          <p:cNvPr id="6" name="文本框 5">
+            <a:extLst>
+              <a:ext uri="{FF2B5EF4-FFF2-40B4-BE49-F238E27FC236}">
+                <a16:creationId xmlns:a16="http://schemas.microsoft.com/office/drawing/2014/main" id="{F6AA9288-F264-4A1C-AC91-BF26FFFB579C}"/>
+              </a:ext>
+            </a:extLst>
+          </p:cNvPr>
+          <p:cNvSpPr txBox="1"/>
+          <p:nvPr/>
+        </p:nvSpPr>
+        <p:spPr>
+          <a:xfrm>
+            <a:off x="9581322" y="3803939"/>
+            <a:ext cx="800219" cy="707886"/>
+          </a:xfrm>
+          <a:prstGeom prst="rect">
+            <a:avLst/>
+          </a:prstGeom>
+          <a:noFill/>
+        </p:spPr>
+        <p:txBody>
+          <a:bodyPr wrap="none" rtlCol="0">
+            <a:spAutoFit/>
+          </a:bodyPr>
+          <a:lstStyle/>
+          <a:p>
+            <a:r>
+              <a:rPr lang="en-US" altLang="zh-CN" sz="4000" b="1" dirty="0">
+                <a:solidFill>
+                  <a:srgbClr val="00B050"/>
+                </a:solidFill>
+                <a:latin typeface="苹方-简" panose="020B0400000000000000" pitchFamily="34" charset="-128"/>
+                <a:ea typeface="苹方-简" panose="020B0400000000000000" pitchFamily="34" charset="-128"/>
+              </a:rPr>
+              <a:t>02</a:t>
+            </a:r>
+            <a:endParaRPr lang="zh-CN" altLang="en-US" sz="4000" b="1" dirty="0">
+              <a:solidFill>
+                <a:srgbClr val="00B050"/>
+              </a:solidFill>
+              <a:latin typeface="苹方-简" panose="020B0400000000000000" pitchFamily="34" charset="-128"/>
+              <a:ea typeface="苹方-简" panose="020B0400000000000000" pitchFamily="34" charset="-128"/>
+            </a:endParaRPr>
+          </a:p>
+        </p:txBody>
+      </p:sp>
+      <p:sp>
+        <p:nvSpPr>
+          <p:cNvPr id="7" name="文本框 6">
+            <a:extLst>
+              <a:ext uri="{FF2B5EF4-FFF2-40B4-BE49-F238E27FC236}">
+                <a16:creationId xmlns:a16="http://schemas.microsoft.com/office/drawing/2014/main" id="{35C8ECEE-B9AA-4D59-845A-774E14E9A9C2}"/>
+              </a:ext>
+            </a:extLst>
+          </p:cNvPr>
+          <p:cNvSpPr txBox="1"/>
+          <p:nvPr/>
+        </p:nvSpPr>
+        <p:spPr>
+          <a:xfrm>
+            <a:off x="10508974" y="3896272"/>
+            <a:ext cx="1620957" cy="523220"/>
+          </a:xfrm>
+          <a:prstGeom prst="rect">
+            <a:avLst/>
+          </a:prstGeom>
+          <a:noFill/>
+        </p:spPr>
+        <p:txBody>
+          <a:bodyPr wrap="none" rtlCol="0">
+            <a:spAutoFit/>
+          </a:bodyPr>
+          <a:lstStyle/>
+          <a:p>
+            <a:r>
+              <a:rPr lang="zh-CN" altLang="en-US" sz="2800" dirty="0">
+                <a:solidFill>
+                  <a:srgbClr val="00B050"/>
+                </a:solidFill>
+                <a:latin typeface="苹方-简" panose="020B0400000000000000" pitchFamily="34" charset="-128"/>
+                <a:ea typeface="苹方-简" panose="020B0400000000000000" pitchFamily="34" charset="-128"/>
+              </a:rPr>
+              <a:t>分析问题</a:t>
+            </a:r>
+          </a:p>
+        </p:txBody>
+      </p:sp>
+      <p:sp>
+        <p:nvSpPr>
+          <p:cNvPr id="8" name="文本框 7">
+            <a:extLst>
+              <a:ext uri="{FF2B5EF4-FFF2-40B4-BE49-F238E27FC236}">
+                <a16:creationId xmlns:a16="http://schemas.microsoft.com/office/drawing/2014/main" id="{A20FD4D8-EDB7-4E8F-B717-718C6B766894}"/>
+              </a:ext>
+            </a:extLst>
+          </p:cNvPr>
+          <p:cNvSpPr txBox="1"/>
+          <p:nvPr/>
+        </p:nvSpPr>
+        <p:spPr>
+          <a:xfrm>
+            <a:off x="9581322" y="4636992"/>
+            <a:ext cx="800219" cy="707886"/>
+          </a:xfrm>
+          <a:prstGeom prst="rect">
+            <a:avLst/>
+          </a:prstGeom>
+          <a:noFill/>
+        </p:spPr>
+        <p:txBody>
+          <a:bodyPr wrap="none" rtlCol="0">
+            <a:spAutoFit/>
+          </a:bodyPr>
+          <a:lstStyle/>
+          <a:p>
+            <a:r>
+              <a:rPr lang="en-US" altLang="zh-CN" sz="4000" b="1" dirty="0">
+                <a:solidFill>
+                  <a:srgbClr val="00B050"/>
+                </a:solidFill>
+                <a:latin typeface="苹方-简" panose="020B0400000000000000" pitchFamily="34" charset="-128"/>
+                <a:ea typeface="苹方-简" panose="020B0400000000000000" pitchFamily="34" charset="-128"/>
+              </a:rPr>
+              <a:t>03</a:t>
+            </a:r>
+            <a:endParaRPr lang="zh-CN" altLang="en-US" sz="4000" b="1" dirty="0">
+              <a:solidFill>
+                <a:srgbClr val="00B050"/>
+              </a:solidFill>
+              <a:latin typeface="苹方-简" panose="020B0400000000000000" pitchFamily="34" charset="-128"/>
+              <a:ea typeface="苹方-简" panose="020B0400000000000000" pitchFamily="34" charset="-128"/>
+            </a:endParaRPr>
+          </a:p>
+        </p:txBody>
+      </p:sp>
+      <p:sp>
+        <p:nvSpPr>
+          <p:cNvPr id="9" name="文本框 8">
+            <a:extLst>
+              <a:ext uri="{FF2B5EF4-FFF2-40B4-BE49-F238E27FC236}">
+                <a16:creationId xmlns:a16="http://schemas.microsoft.com/office/drawing/2014/main" id="{7FFFBF05-AA25-4098-953F-45BC9B2832AA}"/>
+              </a:ext>
+            </a:extLst>
+          </p:cNvPr>
+          <p:cNvSpPr txBox="1"/>
+          <p:nvPr/>
+        </p:nvSpPr>
+        <p:spPr>
+          <a:xfrm>
+            <a:off x="10508974" y="4729325"/>
+            <a:ext cx="1620957" cy="523220"/>
+          </a:xfrm>
+          <a:prstGeom prst="rect">
+            <a:avLst/>
+          </a:prstGeom>
+          <a:noFill/>
+        </p:spPr>
+        <p:txBody>
+          <a:bodyPr wrap="none" rtlCol="0">
+            <a:spAutoFit/>
+          </a:bodyPr>
+          <a:lstStyle/>
+          <a:p>
+            <a:r>
+              <a:rPr lang="zh-CN" altLang="en-US" sz="2800" dirty="0">
+                <a:solidFill>
+                  <a:srgbClr val="00B050"/>
+                </a:solidFill>
+                <a:latin typeface="苹方-简" panose="020B0400000000000000" pitchFamily="34" charset="-128"/>
+                <a:ea typeface="苹方-简" panose="020B0400000000000000" pitchFamily="34" charset="-128"/>
+              </a:rPr>
+              <a:t>解决问题</a:t>
+            </a:r>
+          </a:p>
+        </p:txBody>
+      </p:sp>
+      <p:sp>
+        <p:nvSpPr>
+          <p:cNvPr id="11" name="文本框 10">
+            <a:extLst>
+              <a:ext uri="{FF2B5EF4-FFF2-40B4-BE49-F238E27FC236}">
+                <a16:creationId xmlns:a16="http://schemas.microsoft.com/office/drawing/2014/main" id="{16749901-8A31-4BDE-8909-A3D8E9C15D3C}"/>
+              </a:ext>
+            </a:extLst>
+          </p:cNvPr>
+          <p:cNvSpPr txBox="1"/>
+          <p:nvPr/>
+        </p:nvSpPr>
+        <p:spPr>
+          <a:xfrm>
+            <a:off x="9581322" y="5470045"/>
+            <a:ext cx="800219" cy="707886"/>
+          </a:xfrm>
+          <a:prstGeom prst="rect">
+            <a:avLst/>
+          </a:prstGeom>
+          <a:noFill/>
+        </p:spPr>
+        <p:txBody>
+          <a:bodyPr wrap="none" rtlCol="0">
+            <a:spAutoFit/>
+          </a:bodyPr>
+          <a:lstStyle/>
+          <a:p>
+            <a:r>
+              <a:rPr lang="en-US" altLang="zh-CN" sz="4000" b="1" dirty="0">
+                <a:solidFill>
+                  <a:srgbClr val="00B050"/>
+                </a:solidFill>
+                <a:latin typeface="苹方-简" panose="020B0400000000000000" pitchFamily="34" charset="-128"/>
+                <a:ea typeface="苹方-简" panose="020B0400000000000000" pitchFamily="34" charset="-128"/>
+              </a:rPr>
+              <a:t>04</a:t>
+            </a:r>
+            <a:endParaRPr lang="zh-CN" altLang="en-US" sz="4000" b="1" dirty="0">
+              <a:solidFill>
+                <a:srgbClr val="00B050"/>
+              </a:solidFill>
+              <a:latin typeface="苹方-简" panose="020B0400000000000000" pitchFamily="34" charset="-128"/>
+              <a:ea typeface="苹方-简" panose="020B0400000000000000" pitchFamily="34" charset="-128"/>
+            </a:endParaRPr>
+          </a:p>
+        </p:txBody>
+      </p:sp>
+      <p:sp>
+        <p:nvSpPr>
+          <p:cNvPr id="12" name="文本框 11">
+            <a:extLst>
+              <a:ext uri="{FF2B5EF4-FFF2-40B4-BE49-F238E27FC236}">
+                <a16:creationId xmlns:a16="http://schemas.microsoft.com/office/drawing/2014/main" id="{34C98AC0-2630-455B-AC56-5A75A9D5D279}"/>
+              </a:ext>
+            </a:extLst>
+          </p:cNvPr>
+          <p:cNvSpPr txBox="1"/>
+          <p:nvPr/>
+        </p:nvSpPr>
+        <p:spPr>
+          <a:xfrm>
+            <a:off x="10508974" y="5562378"/>
+            <a:ext cx="2339102" cy="523220"/>
+          </a:xfrm>
+          <a:prstGeom prst="rect">
+            <a:avLst/>
+          </a:prstGeom>
+          <a:noFill/>
+        </p:spPr>
+        <p:txBody>
+          <a:bodyPr wrap="none" rtlCol="0">
+            <a:spAutoFit/>
+          </a:bodyPr>
+          <a:lstStyle/>
+          <a:p>
+            <a:r>
+              <a:rPr lang="zh-CN" altLang="en-US" sz="2800" dirty="0">
+                <a:solidFill>
+                  <a:srgbClr val="00B050"/>
+                </a:solidFill>
+                <a:latin typeface="苹方-简" panose="020B0400000000000000" pitchFamily="34" charset="-128"/>
+                <a:ea typeface="苹方-简" panose="020B0400000000000000" pitchFamily="34" charset="-128"/>
+              </a:rPr>
+              <a:t>实际代码阅读</a:t>
+            </a:r>
+          </a:p>
+        </p:txBody>
+      </p:sp>
+      <p:sp>
+        <p:nvSpPr>
+          <p:cNvPr id="13" name="文本框 12">
+            <a:extLst>
+              <a:ext uri="{FF2B5EF4-FFF2-40B4-BE49-F238E27FC236}">
+                <a16:creationId xmlns:a16="http://schemas.microsoft.com/office/drawing/2014/main" id="{0CD18CCD-D6AB-4752-872B-66391613F701}"/>
+              </a:ext>
+            </a:extLst>
+          </p:cNvPr>
+          <p:cNvSpPr txBox="1"/>
+          <p:nvPr/>
+        </p:nvSpPr>
+        <p:spPr>
+          <a:xfrm>
+            <a:off x="9581322" y="6303100"/>
+            <a:ext cx="800219" cy="707886"/>
+          </a:xfrm>
+          <a:prstGeom prst="rect">
+            <a:avLst/>
+          </a:prstGeom>
+          <a:noFill/>
+        </p:spPr>
+        <p:txBody>
+          <a:bodyPr wrap="none" rtlCol="0">
+            <a:spAutoFit/>
+          </a:bodyPr>
+          <a:lstStyle/>
+          <a:p>
+            <a:r>
+              <a:rPr lang="en-US" altLang="zh-CN" sz="4000" b="1" dirty="0">
+                <a:solidFill>
+                  <a:srgbClr val="00B050"/>
+                </a:solidFill>
+                <a:latin typeface="苹方-简" panose="020B0400000000000000" pitchFamily="34" charset="-128"/>
+                <a:ea typeface="苹方-简" panose="020B0400000000000000" pitchFamily="34" charset="-128"/>
+              </a:rPr>
+              <a:t>05</a:t>
+            </a:r>
+            <a:endParaRPr lang="zh-CN" altLang="en-US" sz="4000" b="1" dirty="0">
+              <a:solidFill>
+                <a:srgbClr val="00B050"/>
+              </a:solidFill>
+              <a:latin typeface="苹方-简" panose="020B0400000000000000" pitchFamily="34" charset="-128"/>
+              <a:ea typeface="苹方-简" panose="020B0400000000000000" pitchFamily="34" charset="-128"/>
+            </a:endParaRPr>
+          </a:p>
+        </p:txBody>
+      </p:sp>
+      <p:sp>
+        <p:nvSpPr>
+          <p:cNvPr id="14" name="文本框 13">
+            <a:extLst>
+              <a:ext uri="{FF2B5EF4-FFF2-40B4-BE49-F238E27FC236}">
+                <a16:creationId xmlns:a16="http://schemas.microsoft.com/office/drawing/2014/main" id="{721AFBE6-B270-445C-A44C-B9124991A7AF}"/>
+              </a:ext>
+            </a:extLst>
+          </p:cNvPr>
+          <p:cNvSpPr txBox="1"/>
+          <p:nvPr/>
+        </p:nvSpPr>
+        <p:spPr>
+          <a:xfrm>
+            <a:off x="10508974" y="6395433"/>
+            <a:ext cx="2339102" cy="523220"/>
+          </a:xfrm>
+          <a:prstGeom prst="rect">
+            <a:avLst/>
+          </a:prstGeom>
+          <a:noFill/>
+        </p:spPr>
+        <p:txBody>
+          <a:bodyPr wrap="none" rtlCol="0">
+            <a:spAutoFit/>
+          </a:bodyPr>
+          <a:lstStyle/>
+          <a:p>
+            <a:r>
+              <a:rPr lang="zh-CN" altLang="en-US" sz="2800" dirty="0">
+                <a:solidFill>
+                  <a:srgbClr val="00B050"/>
+                </a:solidFill>
+                <a:latin typeface="苹方-简" panose="020B0400000000000000" pitchFamily="34" charset="-128"/>
+                <a:ea typeface="苹方-简" panose="020B0400000000000000" pitchFamily="34" charset="-128"/>
+              </a:rPr>
+              <a:t>开源代码思路</a:t>
+            </a:r>
+          </a:p>
+        </p:txBody>
+      </p:sp>
+      <p:grpSp>
+        <p:nvGrpSpPr>
+          <p:cNvPr id="15" name="组合 14">
+            <a:extLst>
+              <a:ext uri="{FF2B5EF4-FFF2-40B4-BE49-F238E27FC236}">
+                <a16:creationId xmlns:a16="http://schemas.microsoft.com/office/drawing/2014/main" id="{0CEE1E1F-47CF-4490-A128-D89C8FE2E82C}"/>
+              </a:ext>
+            </a:extLst>
+          </p:cNvPr>
+          <p:cNvGrpSpPr/>
+          <p:nvPr/>
+        </p:nvGrpSpPr>
+        <p:grpSpPr>
+          <a:xfrm>
+            <a:off x="5567664" y="2624828"/>
+            <a:ext cx="1465399" cy="1400001"/>
+            <a:chOff x="2307000" y="6578633"/>
+            <a:chExt cx="1465399" cy="1400001"/>
+          </a:xfrm>
+        </p:grpSpPr>
+        <p:sp>
+          <p:nvSpPr>
+            <p:cNvPr id="16" name="椭圆 15">
+              <a:extLst>
+                <a:ext uri="{FF2B5EF4-FFF2-40B4-BE49-F238E27FC236}">
+                  <a16:creationId xmlns:a16="http://schemas.microsoft.com/office/drawing/2014/main" id="{24F4B89A-79A1-4F16-8909-B93CD6B18DC5}"/>
+                </a:ext>
+              </a:extLst>
+            </p:cNvPr>
+            <p:cNvSpPr/>
+            <p:nvPr/>
+          </p:nvSpPr>
+          <p:spPr>
+            <a:xfrm>
+              <a:off x="2667000" y="6906867"/>
+              <a:ext cx="720000" cy="720000"/>
+            </a:xfrm>
+            <a:prstGeom prst="ellipse">
+              <a:avLst/>
+            </a:prstGeom>
+            <a:solidFill>
+              <a:srgbClr val="00B050">
+                <a:alpha val="55000"/>
+              </a:srgbClr>
+            </a:solidFill>
+            <a:ln>
+              <a:noFill/>
+            </a:ln>
+          </p:spPr>
+          <p:style>
+            <a:lnRef idx="2">
+              <a:schemeClr val="accent1">
+                <a:shade val="50000"/>
+              </a:schemeClr>
+            </a:lnRef>
+            <a:fillRef idx="1">
+              <a:schemeClr val="accent1"/>
+            </a:fillRef>
+            <a:effectRef idx="0">
+              <a:schemeClr val="accent1"/>
+            </a:effectRef>
+            <a:fontRef idx="minor">
+              <a:schemeClr val="lt1"/>
+            </a:fontRef>
+          </p:style>
+          <p:txBody>
+            <a:bodyPr rtlCol="0" anchor="ctr"/>
+            <a:lstStyle/>
+            <a:p>
+              <a:pPr algn="ctr"/>
+              <a:endParaRPr lang="zh-CN" altLang="en-US"/>
+            </a:p>
+          </p:txBody>
+        </p:sp>
+        <p:sp>
+          <p:nvSpPr>
+            <p:cNvPr id="17" name="弧形 16">
+              <a:extLst>
+                <a:ext uri="{FF2B5EF4-FFF2-40B4-BE49-F238E27FC236}">
+                  <a16:creationId xmlns:a16="http://schemas.microsoft.com/office/drawing/2014/main" id="{8844145D-7156-4F40-9E57-427022DC084F}"/>
+                </a:ext>
+              </a:extLst>
+            </p:cNvPr>
+            <p:cNvSpPr/>
+            <p:nvPr/>
+          </p:nvSpPr>
+          <p:spPr>
+            <a:xfrm>
+              <a:off x="2307000" y="7258634"/>
+              <a:ext cx="720000" cy="720000"/>
+            </a:xfrm>
+            <a:prstGeom prst="arc">
+              <a:avLst/>
+            </a:prstGeom>
+            <a:ln>
+              <a:solidFill>
+                <a:schemeClr val="bg1"/>
+              </a:solidFill>
+            </a:ln>
+          </p:spPr>
+          <p:style>
+            <a:lnRef idx="1">
+              <a:schemeClr val="accent1"/>
+            </a:lnRef>
+            <a:fillRef idx="0">
+              <a:schemeClr val="accent1"/>
+            </a:fillRef>
+            <a:effectRef idx="0">
+              <a:schemeClr val="accent1"/>
+            </a:effectRef>
+            <a:fontRef idx="minor">
+              <a:schemeClr val="tx1"/>
+            </a:fontRef>
+          </p:style>
+          <p:txBody>
+            <a:bodyPr rtlCol="0" anchor="ctr"/>
+            <a:lstStyle/>
+            <a:p>
+              <a:pPr algn="ctr"/>
+              <a:endParaRPr lang="zh-CN" altLang="en-US"/>
+            </a:p>
+          </p:txBody>
+        </p:sp>
+        <p:sp>
+          <p:nvSpPr>
+            <p:cNvPr id="18" name="弧形 17">
+              <a:extLst>
+                <a:ext uri="{FF2B5EF4-FFF2-40B4-BE49-F238E27FC236}">
+                  <a16:creationId xmlns:a16="http://schemas.microsoft.com/office/drawing/2014/main" id="{8D3768B9-312C-4EB6-A930-5535C27F6D66}"/>
+                </a:ext>
+              </a:extLst>
+            </p:cNvPr>
+            <p:cNvSpPr/>
+            <p:nvPr/>
+          </p:nvSpPr>
+          <p:spPr>
+            <a:xfrm rot="11032779">
+              <a:off x="3052399" y="6578633"/>
+              <a:ext cx="720000" cy="720000"/>
+            </a:xfrm>
+            <a:prstGeom prst="arc">
+              <a:avLst/>
+            </a:prstGeom>
+            <a:ln>
+              <a:solidFill>
+                <a:schemeClr val="bg1"/>
+              </a:solidFill>
+            </a:ln>
+          </p:spPr>
+          <p:style>
+            <a:lnRef idx="1">
+              <a:schemeClr val="accent1"/>
+            </a:lnRef>
+            <a:fillRef idx="0">
+              <a:schemeClr val="accent1"/>
+            </a:fillRef>
+            <a:effectRef idx="0">
+              <a:schemeClr val="accent1"/>
+            </a:effectRef>
+            <a:fontRef idx="minor">
+              <a:schemeClr val="tx1"/>
+            </a:fontRef>
+          </p:style>
+          <p:txBody>
+            <a:bodyPr rtlCol="0" anchor="ctr"/>
+            <a:lstStyle/>
+            <a:p>
+              <a:pPr algn="ctr"/>
+              <a:endParaRPr lang="zh-CN" altLang="en-US"/>
+            </a:p>
+          </p:txBody>
+        </p:sp>
+      </p:grpSp>
+      <p:sp>
+        <p:nvSpPr>
+          <p:cNvPr id="19" name="矩形 18">
+            <a:extLst>
+              <a:ext uri="{FF2B5EF4-FFF2-40B4-BE49-F238E27FC236}">
+                <a16:creationId xmlns:a16="http://schemas.microsoft.com/office/drawing/2014/main" id="{A0971359-09AD-4545-883B-67EDA6130C97}"/>
+              </a:ext>
+            </a:extLst>
+          </p:cNvPr>
+          <p:cNvSpPr/>
+          <p:nvPr/>
+        </p:nvSpPr>
+        <p:spPr>
+          <a:xfrm>
+            <a:off x="-1" y="9000263"/>
+            <a:ext cx="17279938" cy="720000"/>
+          </a:xfrm>
+          <a:prstGeom prst="rect">
+            <a:avLst/>
+          </a:prstGeom>
+          <a:solidFill>
+            <a:srgbClr val="75CEDE">
+              <a:alpha val="50000"/>
+            </a:srgbClr>
+          </a:solidFill>
+          <a:ln>
+            <a:noFill/>
+          </a:ln>
+        </p:spPr>
+        <p:style>
+          <a:lnRef idx="2">
+            <a:schemeClr val="accent1">
+              <a:shade val="50000"/>
+            </a:schemeClr>
+          </a:lnRef>
+          <a:fillRef idx="1">
+            <a:schemeClr val="accent1"/>
+          </a:fillRef>
+          <a:effectRef idx="0">
+            <a:schemeClr val="accent1"/>
+          </a:effectRef>
+          <a:fontRef idx="minor">
+            <a:schemeClr val="lt1"/>
+          </a:fontRef>
+        </p:style>
+        <p:txBody>
+          <a:bodyPr rtlCol="0" anchor="ctr"/>
+          <a:lstStyle/>
+          <a:p>
+            <a:pPr algn="ctr"/>
+            <a:endParaRPr lang="zh-CN" altLang="en-US"/>
+          </a:p>
+        </p:txBody>
+      </p:sp>
+      <p:grpSp>
+        <p:nvGrpSpPr>
+          <p:cNvPr id="20" name="组合 19">
+            <a:extLst>
+              <a:ext uri="{FF2B5EF4-FFF2-40B4-BE49-F238E27FC236}">
+                <a16:creationId xmlns:a16="http://schemas.microsoft.com/office/drawing/2014/main" id="{FE4AD9D4-1066-4101-A67C-5F5E72824444}"/>
+              </a:ext>
+            </a:extLst>
+          </p:cNvPr>
+          <p:cNvGrpSpPr/>
+          <p:nvPr/>
+        </p:nvGrpSpPr>
+        <p:grpSpPr>
+          <a:xfrm>
+            <a:off x="195549" y="8862379"/>
+            <a:ext cx="1042283" cy="995768"/>
+            <a:chOff x="195549" y="8862379"/>
+            <a:chExt cx="1042283" cy="995768"/>
+          </a:xfrm>
+        </p:grpSpPr>
+        <p:sp>
+          <p:nvSpPr>
+            <p:cNvPr id="21" name="椭圆 20">
+              <a:extLst>
+                <a:ext uri="{FF2B5EF4-FFF2-40B4-BE49-F238E27FC236}">
+                  <a16:creationId xmlns:a16="http://schemas.microsoft.com/office/drawing/2014/main" id="{E9B5BAD0-A6FA-4F0B-B947-F05E4F201B53}"/>
+                </a:ext>
+              </a:extLst>
+            </p:cNvPr>
+            <p:cNvSpPr/>
+            <p:nvPr/>
+          </p:nvSpPr>
+          <p:spPr>
+            <a:xfrm>
+              <a:off x="451603" y="9095839"/>
+              <a:ext cx="512109" cy="512109"/>
+            </a:xfrm>
+            <a:prstGeom prst="ellipse">
+              <a:avLst/>
+            </a:prstGeom>
+            <a:solidFill>
+              <a:schemeClr val="bg1">
+                <a:alpha val="55000"/>
+              </a:schemeClr>
+            </a:solidFill>
+            <a:ln>
+              <a:noFill/>
+            </a:ln>
+          </p:spPr>
+          <p:style>
+            <a:lnRef idx="2">
+              <a:schemeClr val="accent1">
+                <a:shade val="50000"/>
+              </a:schemeClr>
+            </a:lnRef>
+            <a:fillRef idx="1">
+              <a:schemeClr val="accent1"/>
+            </a:fillRef>
+            <a:effectRef idx="0">
+              <a:schemeClr val="accent1"/>
+            </a:effectRef>
+            <a:fontRef idx="minor">
+              <a:schemeClr val="lt1"/>
+            </a:fontRef>
+          </p:style>
+          <p:txBody>
+            <a:bodyPr rtlCol="0" anchor="ctr"/>
+            <a:lstStyle/>
+            <a:p>
+              <a:pPr algn="ctr"/>
+              <a:endParaRPr lang="zh-CN" altLang="en-US"/>
+            </a:p>
+          </p:txBody>
+        </p:sp>
+        <p:sp>
+          <p:nvSpPr>
+            <p:cNvPr id="22" name="弧形 21">
+              <a:extLst>
+                <a:ext uri="{FF2B5EF4-FFF2-40B4-BE49-F238E27FC236}">
+                  <a16:creationId xmlns:a16="http://schemas.microsoft.com/office/drawing/2014/main" id="{5D5F7F73-6207-4637-A3F7-E068353D4E62}"/>
+                </a:ext>
+              </a:extLst>
+            </p:cNvPr>
+            <p:cNvSpPr/>
+            <p:nvPr/>
+          </p:nvSpPr>
+          <p:spPr>
+            <a:xfrm>
+              <a:off x="195549" y="9346038"/>
+              <a:ext cx="512109" cy="512109"/>
+            </a:xfrm>
+            <a:prstGeom prst="arc">
+              <a:avLst/>
+            </a:prstGeom>
+            <a:ln>
+              <a:solidFill>
+                <a:schemeClr val="bg1"/>
+              </a:solidFill>
+            </a:ln>
+          </p:spPr>
+          <p:style>
+            <a:lnRef idx="1">
+              <a:schemeClr val="accent1"/>
+            </a:lnRef>
+            <a:fillRef idx="0">
+              <a:schemeClr val="accent1"/>
+            </a:fillRef>
+            <a:effectRef idx="0">
+              <a:schemeClr val="accent1"/>
+            </a:effectRef>
+            <a:fontRef idx="minor">
+              <a:schemeClr val="tx1"/>
+            </a:fontRef>
+          </p:style>
+          <p:txBody>
+            <a:bodyPr rtlCol="0" anchor="ctr"/>
+            <a:lstStyle/>
+            <a:p>
+              <a:pPr algn="ctr"/>
+              <a:endParaRPr lang="zh-CN" altLang="en-US"/>
+            </a:p>
+          </p:txBody>
+        </p:sp>
+        <p:sp>
+          <p:nvSpPr>
+            <p:cNvPr id="23" name="弧形 22">
+              <a:extLst>
+                <a:ext uri="{FF2B5EF4-FFF2-40B4-BE49-F238E27FC236}">
+                  <a16:creationId xmlns:a16="http://schemas.microsoft.com/office/drawing/2014/main" id="{EF7503CE-EF5B-44C6-8057-F271FC6FE7DC}"/>
+                </a:ext>
+              </a:extLst>
+            </p:cNvPr>
+            <p:cNvSpPr/>
+            <p:nvPr/>
+          </p:nvSpPr>
+          <p:spPr>
+            <a:xfrm rot="11032779">
+              <a:off x="725723" y="8862379"/>
+              <a:ext cx="512109" cy="512109"/>
+            </a:xfrm>
+            <a:prstGeom prst="arc">
+              <a:avLst/>
+            </a:prstGeom>
+            <a:ln>
+              <a:solidFill>
+                <a:schemeClr val="bg1"/>
+              </a:solidFill>
+            </a:ln>
+          </p:spPr>
+          <p:style>
+            <a:lnRef idx="1">
+              <a:schemeClr val="accent1"/>
+            </a:lnRef>
+            <a:fillRef idx="0">
+              <a:schemeClr val="accent1"/>
+            </a:fillRef>
+            <a:effectRef idx="0">
+              <a:schemeClr val="accent1"/>
+            </a:effectRef>
+            <a:fontRef idx="minor">
+              <a:schemeClr val="tx1"/>
+            </a:fontRef>
+          </p:style>
+          <p:txBody>
+            <a:bodyPr rtlCol="0" anchor="ctr"/>
+            <a:lstStyle/>
+            <a:p>
+              <a:pPr algn="ctr"/>
+              <a:endParaRPr lang="zh-CN" altLang="en-US"/>
+            </a:p>
+          </p:txBody>
+        </p:sp>
+      </p:grpSp>
+      <p:sp>
+        <p:nvSpPr>
+          <p:cNvPr id="24" name="文本框 23">
+            <a:extLst>
+              <a:ext uri="{FF2B5EF4-FFF2-40B4-BE49-F238E27FC236}">
+                <a16:creationId xmlns:a16="http://schemas.microsoft.com/office/drawing/2014/main" id="{CB8DDEE7-4F82-4B74-883A-B445A83C3DF6}"/>
+              </a:ext>
+            </a:extLst>
+          </p:cNvPr>
+          <p:cNvSpPr txBox="1"/>
+          <p:nvPr/>
+        </p:nvSpPr>
+        <p:spPr>
+          <a:xfrm>
+            <a:off x="1088957" y="9217191"/>
+            <a:ext cx="1749197" cy="338554"/>
+          </a:xfrm>
+          <a:prstGeom prst="rect">
+            <a:avLst/>
+          </a:prstGeom>
+          <a:noFill/>
+        </p:spPr>
+        <p:txBody>
+          <a:bodyPr wrap="none" rtlCol="0">
+            <a:spAutoFit/>
+          </a:bodyPr>
+          <a:lstStyle/>
+          <a:p>
+            <a:r>
+              <a:rPr lang="en-US" altLang="zh-CN" sz="1600" dirty="0">
+                <a:solidFill>
+                  <a:schemeClr val="bg1"/>
+                </a:solidFill>
+                <a:latin typeface="苹方-简" panose="020B0400000000000000" pitchFamily="34" charset="-128"/>
+                <a:ea typeface="苹方-简" panose="020B0400000000000000" pitchFamily="34" charset="-128"/>
+              </a:rPr>
+              <a:t>Golang </a:t>
+            </a:r>
+            <a:r>
+              <a:rPr lang="zh-CN" altLang="en-US" sz="1600" dirty="0">
+                <a:solidFill>
+                  <a:schemeClr val="bg1"/>
+                </a:solidFill>
+                <a:latin typeface="苹方-简" panose="020B0400000000000000" pitchFamily="34" charset="-128"/>
+                <a:ea typeface="苹方-简" panose="020B0400000000000000" pitchFamily="34" charset="-128"/>
+              </a:rPr>
+              <a:t>学习专栏</a:t>
+            </a:r>
+          </a:p>
+        </p:txBody>
+      </p:sp>
+      <p:sp>
+        <p:nvSpPr>
+          <p:cNvPr id="25" name="椭圆 24">
+            <a:extLst>
+              <a:ext uri="{FF2B5EF4-FFF2-40B4-BE49-F238E27FC236}">
+                <a16:creationId xmlns:a16="http://schemas.microsoft.com/office/drawing/2014/main" id="{30FF372C-C598-4334-B7A3-652D435DADD5}"/>
+              </a:ext>
+            </a:extLst>
+          </p:cNvPr>
+          <p:cNvSpPr/>
+          <p:nvPr/>
+        </p:nvSpPr>
+        <p:spPr>
+          <a:xfrm>
+            <a:off x="16379124" y="9170092"/>
+            <a:ext cx="432000" cy="432000"/>
+          </a:xfrm>
+          <a:prstGeom prst="ellipse">
+            <a:avLst/>
+          </a:prstGeom>
+          <a:solidFill>
+            <a:schemeClr val="bg1"/>
+          </a:solidFill>
+          <a:ln>
+            <a:noFill/>
+          </a:ln>
+        </p:spPr>
+        <p:style>
+          <a:lnRef idx="2">
+            <a:schemeClr val="accent1">
+              <a:shade val="50000"/>
+            </a:schemeClr>
+          </a:lnRef>
+          <a:fillRef idx="1">
+            <a:schemeClr val="accent1"/>
+          </a:fillRef>
+          <a:effectRef idx="0">
+            <a:schemeClr val="accent1"/>
+          </a:effectRef>
+          <a:fontRef idx="minor">
+            <a:schemeClr val="lt1"/>
+          </a:fontRef>
+        </p:style>
+        <p:txBody>
+          <a:bodyPr rtlCol="0" anchor="ctr"/>
+          <a:lstStyle/>
+          <a:p>
+            <a:pPr algn="ctr"/>
+            <a:r>
+              <a:rPr lang="en-US" altLang="zh-CN" dirty="0">
+                <a:solidFill>
+                  <a:srgbClr val="75CEDE"/>
+                </a:solidFill>
+                <a:latin typeface="苹方-简" panose="020B0400000000000000" pitchFamily="34" charset="-128"/>
+                <a:ea typeface="苹方-简" panose="020B0400000000000000" pitchFamily="34" charset="-128"/>
+              </a:rPr>
+              <a:t>5</a:t>
+            </a:r>
+            <a:endParaRPr lang="zh-CN" altLang="en-US" dirty="0">
+              <a:solidFill>
+                <a:srgbClr val="75CEDE"/>
+              </a:solidFill>
+              <a:latin typeface="苹方-简" panose="020B0400000000000000" pitchFamily="34" charset="-128"/>
+              <a:ea typeface="苹方-简" panose="020B0400000000000000" pitchFamily="34" charset="-128"/>
+            </a:endParaRPr>
+          </a:p>
+        </p:txBody>
+      </p:sp>
+    </p:spTree>
+    <p:extLst>
+      <p:ext uri="{BB962C8B-B14F-4D97-AF65-F5344CB8AC3E}">
+        <p14:creationId xmlns:p14="http://schemas.microsoft.com/office/powerpoint/2010/main" val="2497090025"/>
+      </p:ext>
+    </p:extLst>
+  </p:cSld>
+  <p:clrMapOvr>
+    <a:masterClrMapping/>
+  </p:clrMapOvr>
+</p:sld>
+</file>
+
+<file path=ppt/slides/slide11.xml><?xml version="1.0" encoding="utf-8"?>
+<p:sld xmlns:a="http://schemas.openxmlformats.org/drawingml/2006/main" xmlns:r="http://schemas.openxmlformats.org/officeDocument/2006/relationships" xmlns:p="http://schemas.openxmlformats.org/presentationml/2006/main">
+  <p:cSld>
+    <p:bg>
+      <p:bgPr>
+        <a:solidFill>
+          <a:srgbClr val="E2E7EB"/>
+        </a:solidFill>
+        <a:effectLst/>
+      </p:bgPr>
+    </p:bg>
+    <p:spTree>
+      <p:nvGrpSpPr>
+        <p:cNvPr id="1" name=""/>
+        <p:cNvGrpSpPr/>
+        <p:nvPr/>
+      </p:nvGrpSpPr>
+      <p:grpSpPr>
+        <a:xfrm>
+          <a:off x="0" y="0"/>
+          <a:ext cx="0" cy="0"/>
+          <a:chOff x="0" y="0"/>
+          <a:chExt cx="0" cy="0"/>
+        </a:xfrm>
+      </p:grpSpPr>
+      <p:sp>
+        <p:nvSpPr>
+          <p:cNvPr id="2" name="文本框 1">
+            <a:extLst>
+              <a:ext uri="{FF2B5EF4-FFF2-40B4-BE49-F238E27FC236}">
+                <a16:creationId xmlns:a16="http://schemas.microsoft.com/office/drawing/2014/main" id="{DD950978-92A9-4E53-A9FF-93C83DD04515}"/>
+              </a:ext>
+            </a:extLst>
+          </p:cNvPr>
+          <p:cNvSpPr txBox="1"/>
+          <p:nvPr/>
+        </p:nvSpPr>
+        <p:spPr>
+          <a:xfrm>
             <a:off x="2822712" y="4078008"/>
             <a:ext cx="3877986" cy="2308324"/>
           </a:xfrm>
@@ -5106,7 +6206,7 @@
 </p:sld>
 </file>
 
-<file path=ppt/slides/slide11.xml><?xml version="1.0" encoding="utf-8"?>
+<file path=ppt/slides/slide12.xml><?xml version="1.0" encoding="utf-8"?>
 <p:sld xmlns:a="http://schemas.openxmlformats.org/drawingml/2006/main" xmlns:r="http://schemas.openxmlformats.org/officeDocument/2006/relationships" xmlns:p="http://schemas.openxmlformats.org/presentationml/2006/main">
   <p:cSld>
     <p:bg>
@@ -5992,7 +7092,7 @@
 </p:sld>
 </file>
 
-<file path=ppt/slides/slide12.xml><?xml version="1.0" encoding="utf-8"?>
+<file path=ppt/slides/slide13.xml><?xml version="1.0" encoding="utf-8"?>
 <p:sld xmlns:a="http://schemas.openxmlformats.org/drawingml/2006/main" xmlns:r="http://schemas.openxmlformats.org/officeDocument/2006/relationships" xmlns:p="http://schemas.openxmlformats.org/presentationml/2006/main">
   <p:cSld>
     <p:bg>
@@ -6119,7 +7219,7 @@
 </p:sld>
 </file>
 
-<file path=ppt/slides/slide13.xml><?xml version="1.0" encoding="utf-8"?>
+<file path=ppt/slides/slide14.xml><?xml version="1.0" encoding="utf-8"?>
 <p:sld xmlns:a="http://schemas.openxmlformats.org/drawingml/2006/main" xmlns:r="http://schemas.openxmlformats.org/officeDocument/2006/relationships" xmlns:p="http://schemas.openxmlformats.org/presentationml/2006/main">
   <p:cSld>
     <p:bg>
@@ -6914,7 +8014,7 @@
         </p:nvSpPr>
         <p:spPr>
           <a:xfrm>
-            <a:off x="5847077" y="1276323"/>
+            <a:off x="5719939" y="1276323"/>
             <a:ext cx="5840060" cy="1862048"/>
           </a:xfrm>
           <a:prstGeom prst="rect">
@@ -7171,6 +8271,60 @@
           <a:xfrm>
             <a:off x="14140071" y="7027722"/>
             <a:ext cx="2438400" cy="2438400"/>
+          </a:xfrm>
+          <a:prstGeom prst="ellipse">
+            <a:avLst/>
+          </a:prstGeom>
+          <a:solidFill>
+            <a:srgbClr val="75CEDE">
+              <a:alpha val="34000"/>
+            </a:srgbClr>
+          </a:solidFill>
+          <a:ln>
+            <a:noFill/>
+          </a:ln>
+        </p:spPr>
+        <p:style>
+          <a:lnRef idx="2">
+            <a:schemeClr val="accent1">
+              <a:shade val="50000"/>
+            </a:schemeClr>
+          </a:lnRef>
+          <a:fillRef idx="1">
+            <a:schemeClr val="accent1"/>
+          </a:fillRef>
+          <a:effectRef idx="0">
+            <a:schemeClr val="accent1"/>
+          </a:effectRef>
+          <a:fontRef idx="minor">
+            <a:schemeClr val="lt1"/>
+          </a:fontRef>
+        </p:style>
+        <p:txBody>
+          <a:bodyPr rtlCol="0" anchor="ctr"/>
+          <a:lstStyle/>
+          <a:p>
+            <a:pPr algn="ctr"/>
+            <a:endParaRPr lang="zh-CN" altLang="en-US"/>
+          </a:p>
+        </p:txBody>
+      </p:sp>
+      <p:sp>
+        <p:nvSpPr>
+          <p:cNvPr id="8" name="椭圆 7">
+            <a:extLst>
+              <a:ext uri="{FF2B5EF4-FFF2-40B4-BE49-F238E27FC236}">
+                <a16:creationId xmlns:a16="http://schemas.microsoft.com/office/drawing/2014/main" id="{616D9DD5-9814-4F11-8284-F7C7C0E781C1}"/>
+              </a:ext>
+            </a:extLst>
+          </p:cNvPr>
+          <p:cNvSpPr/>
+          <p:nvPr/>
+        </p:nvSpPr>
+        <p:spPr>
+          <a:xfrm>
+            <a:off x="2851464" y="5899496"/>
+            <a:ext cx="1903477" cy="1903477"/>
           </a:xfrm>
           <a:prstGeom prst="ellipse">
             <a:avLst/>
@@ -7241,102 +8395,10 @@
       </p:grpSpPr>
       <p:sp>
         <p:nvSpPr>
-          <p:cNvPr id="2" name="文本框 1">
+          <p:cNvPr id="2" name="椭圆 1">
             <a:extLst>
               <a:ext uri="{FF2B5EF4-FFF2-40B4-BE49-F238E27FC236}">
-                <a16:creationId xmlns:a16="http://schemas.microsoft.com/office/drawing/2014/main" id="{BB23F67A-E79D-4F6A-8BDD-0E733BF7C5A0}"/>
-              </a:ext>
-            </a:extLst>
-          </p:cNvPr>
-          <p:cNvSpPr txBox="1"/>
-          <p:nvPr/>
-        </p:nvSpPr>
-        <p:spPr>
-          <a:xfrm>
-            <a:off x="3855308" y="4276150"/>
-            <a:ext cx="1460656" cy="584775"/>
-          </a:xfrm>
-          <a:prstGeom prst="rect">
-            <a:avLst/>
-          </a:prstGeom>
-          <a:noFill/>
-        </p:spPr>
-        <p:txBody>
-          <a:bodyPr wrap="none" rtlCol="0">
-            <a:spAutoFit/>
-          </a:bodyPr>
-          <a:lstStyle/>
-          <a:p>
-            <a:r>
-              <a:rPr lang="en-US" altLang="zh-CN" sz="3200" dirty="0">
-                <a:solidFill>
-                  <a:srgbClr val="00B050"/>
-                </a:solidFill>
-                <a:latin typeface="!!Helvetica" pitchFamily="2" charset="0"/>
-              </a:rPr>
-              <a:t>Python</a:t>
-            </a:r>
-            <a:endParaRPr lang="zh-CN" altLang="en-US" sz="3200" dirty="0">
-              <a:solidFill>
-                <a:srgbClr val="00B050"/>
-              </a:solidFill>
-              <a:latin typeface="!!Helvetica" pitchFamily="2" charset="0"/>
-            </a:endParaRPr>
-          </a:p>
-        </p:txBody>
-      </p:sp>
-      <p:sp>
-        <p:nvSpPr>
-          <p:cNvPr id="3" name="文本框 2">
-            <a:extLst>
-              <a:ext uri="{FF2B5EF4-FFF2-40B4-BE49-F238E27FC236}">
-                <a16:creationId xmlns:a16="http://schemas.microsoft.com/office/drawing/2014/main" id="{84416230-7A3B-4E7D-94E5-EAE17661E5AE}"/>
-              </a:ext>
-            </a:extLst>
-          </p:cNvPr>
-          <p:cNvSpPr txBox="1"/>
-          <p:nvPr/>
-        </p:nvSpPr>
-        <p:spPr>
-          <a:xfrm>
-            <a:off x="11963976" y="4276150"/>
-            <a:ext cx="1505540" cy="584775"/>
-          </a:xfrm>
-          <a:prstGeom prst="rect">
-            <a:avLst/>
-          </a:prstGeom>
-          <a:noFill/>
-        </p:spPr>
-        <p:txBody>
-          <a:bodyPr wrap="none" rtlCol="0">
-            <a:spAutoFit/>
-          </a:bodyPr>
-          <a:lstStyle/>
-          <a:p>
-            <a:r>
-              <a:rPr lang="en-US" altLang="zh-CN" sz="3200" dirty="0">
-                <a:solidFill>
-                  <a:srgbClr val="00B050"/>
-                </a:solidFill>
-                <a:latin typeface="!!Helvetica" pitchFamily="2" charset="0"/>
-              </a:rPr>
-              <a:t>Golang</a:t>
-            </a:r>
-            <a:endParaRPr lang="zh-CN" altLang="en-US" sz="3200" dirty="0">
-              <a:solidFill>
-                <a:srgbClr val="00B050"/>
-              </a:solidFill>
-              <a:latin typeface="!!Helvetica" pitchFamily="2" charset="0"/>
-            </a:endParaRPr>
-          </a:p>
-        </p:txBody>
-      </p:sp>
-      <p:sp>
-        <p:nvSpPr>
-          <p:cNvPr id="4" name="箭头: V 形 3">
-            <a:extLst>
-              <a:ext uri="{FF2B5EF4-FFF2-40B4-BE49-F238E27FC236}">
-                <a16:creationId xmlns:a16="http://schemas.microsoft.com/office/drawing/2014/main" id="{495DBE02-1AFB-482D-B8C1-9217C6E7CD9A}"/>
+                <a16:creationId xmlns:a16="http://schemas.microsoft.com/office/drawing/2014/main" id="{1A255C62-F6D8-44C7-A125-18F9640D3493}"/>
               </a:ext>
             </a:extLst>
           </p:cNvPr>
@@ -7345,64 +8407,8 @@
         </p:nvSpPr>
         <p:spPr>
           <a:xfrm>
-            <a:off x="8393628" y="4321402"/>
-            <a:ext cx="494270" cy="494270"/>
-          </a:xfrm>
-          <a:prstGeom prst="chevron">
-            <a:avLst/>
-          </a:prstGeom>
-          <a:solidFill>
-            <a:srgbClr val="00B050"/>
-          </a:solidFill>
-          <a:ln>
-            <a:noFill/>
-          </a:ln>
-        </p:spPr>
-        <p:style>
-          <a:lnRef idx="2">
-            <a:schemeClr val="accent1">
-              <a:shade val="50000"/>
-            </a:schemeClr>
-          </a:lnRef>
-          <a:fillRef idx="1">
-            <a:schemeClr val="accent1"/>
-          </a:fillRef>
-          <a:effectRef idx="0">
-            <a:schemeClr val="accent1"/>
-          </a:effectRef>
-          <a:fontRef idx="minor">
-            <a:schemeClr val="lt1"/>
-          </a:fontRef>
-        </p:style>
-        <p:txBody>
-          <a:bodyPr rtlCol="0" anchor="ctr"/>
-          <a:lstStyle/>
-          <a:p>
-            <a:pPr algn="ctr"/>
-            <a:endParaRPr lang="zh-CN" altLang="en-US">
-              <a:solidFill>
-                <a:schemeClr val="tx1"/>
-              </a:solidFill>
-            </a:endParaRPr>
-          </a:p>
-        </p:txBody>
-      </p:sp>
-      <p:sp>
-        <p:nvSpPr>
-          <p:cNvPr id="5" name="椭圆 4">
-            <a:extLst>
-              <a:ext uri="{FF2B5EF4-FFF2-40B4-BE49-F238E27FC236}">
-                <a16:creationId xmlns:a16="http://schemas.microsoft.com/office/drawing/2014/main" id="{8BA08A34-F30D-472B-87AD-1BB16036260F}"/>
-              </a:ext>
-            </a:extLst>
-          </p:cNvPr>
-          <p:cNvSpPr/>
-          <p:nvPr/>
-        </p:nvSpPr>
-        <p:spPr>
-          <a:xfrm>
-            <a:off x="852975" y="671514"/>
-            <a:ext cx="1903477" cy="1903477"/>
+            <a:off x="-777042" y="-635683"/>
+            <a:ext cx="2879370" cy="2879370"/>
           </a:xfrm>
           <a:prstGeom prst="ellipse">
             <a:avLst/>
@@ -7443,10 +8449,10 @@
       </p:sp>
       <p:sp>
         <p:nvSpPr>
-          <p:cNvPr id="6" name="椭圆 5">
+          <p:cNvPr id="5" name="椭圆 4">
             <a:extLst>
               <a:ext uri="{FF2B5EF4-FFF2-40B4-BE49-F238E27FC236}">
-                <a16:creationId xmlns:a16="http://schemas.microsoft.com/office/drawing/2014/main" id="{63F744FF-A170-42EA-8021-BA5C6C52027E}"/>
+                <a16:creationId xmlns:a16="http://schemas.microsoft.com/office/drawing/2014/main" id="{4F3CEFCD-8495-4755-923D-323905E8855E}"/>
               </a:ext>
             </a:extLst>
           </p:cNvPr>
@@ -7455,7 +8461,7 @@
         </p:nvSpPr>
         <p:spPr>
           <a:xfrm>
-            <a:off x="6087584" y="6012139"/>
+            <a:off x="-777042" y="8119235"/>
             <a:ext cx="1903477" cy="1903477"/>
           </a:xfrm>
           <a:prstGeom prst="ellipse">
@@ -7497,10 +8503,10 @@
       </p:sp>
       <p:sp>
         <p:nvSpPr>
-          <p:cNvPr id="7" name="椭圆 6">
+          <p:cNvPr id="6" name="椭圆 5">
             <a:extLst>
               <a:ext uri="{FF2B5EF4-FFF2-40B4-BE49-F238E27FC236}">
-                <a16:creationId xmlns:a16="http://schemas.microsoft.com/office/drawing/2014/main" id="{DEBA6C59-90A7-43AB-B95C-E21B9CC3A1FF}"/>
+                <a16:creationId xmlns:a16="http://schemas.microsoft.com/office/drawing/2014/main" id="{D796E8E6-FA64-4FA4-A0A6-B5FF70E31F78}"/>
               </a:ext>
             </a:extLst>
           </p:cNvPr>
@@ -7509,7 +8515,7 @@
         </p:nvSpPr>
         <p:spPr>
           <a:xfrm>
-            <a:off x="11566039" y="5548313"/>
+            <a:off x="12944627" y="2634649"/>
             <a:ext cx="1903477" cy="1903477"/>
           </a:xfrm>
           <a:prstGeom prst="ellipse">
@@ -7551,10 +8557,10 @@
       </p:sp>
       <p:sp>
         <p:nvSpPr>
-          <p:cNvPr id="8" name="椭圆 7">
+          <p:cNvPr id="7" name="椭圆 6">
             <a:extLst>
               <a:ext uri="{FF2B5EF4-FFF2-40B4-BE49-F238E27FC236}">
-                <a16:creationId xmlns:a16="http://schemas.microsoft.com/office/drawing/2014/main" id="{680D0560-E3A1-4679-98B5-0055B8E950E0}"/>
+                <a16:creationId xmlns:a16="http://schemas.microsoft.com/office/drawing/2014/main" id="{EC495B5E-24C8-43F7-8891-80C4988D9857}"/>
               </a:ext>
             </a:extLst>
           </p:cNvPr>
@@ -7563,8 +8569,8 @@
         </p:nvSpPr>
         <p:spPr>
           <a:xfrm>
-            <a:off x="12917761" y="1188348"/>
-            <a:ext cx="1903477" cy="1903477"/>
+            <a:off x="14140071" y="7027722"/>
+            <a:ext cx="2438400" cy="2438400"/>
           </a:xfrm>
           <a:prstGeom prst="ellipse">
             <a:avLst/>
@@ -7605,10 +8611,10 @@
       </p:sp>
       <p:sp>
         <p:nvSpPr>
-          <p:cNvPr id="9" name="椭圆 8">
+          <p:cNvPr id="8" name="椭圆 7">
             <a:extLst>
               <a:ext uri="{FF2B5EF4-FFF2-40B4-BE49-F238E27FC236}">
-                <a16:creationId xmlns:a16="http://schemas.microsoft.com/office/drawing/2014/main" id="{E1C61C95-2E99-4ACB-B104-80ABBA7874EA}"/>
+                <a16:creationId xmlns:a16="http://schemas.microsoft.com/office/drawing/2014/main" id="{616D9DD5-9814-4F11-8284-F7C7C0E781C1}"/>
               </a:ext>
             </a:extLst>
           </p:cNvPr>
@@ -7617,7 +8623,7 @@
         </p:nvSpPr>
         <p:spPr>
           <a:xfrm>
-            <a:off x="1149830" y="6559546"/>
+            <a:off x="2819172" y="4439968"/>
             <a:ext cx="1903477" cy="1903477"/>
           </a:xfrm>
           <a:prstGeom prst="ellipse">
@@ -7659,10 +8665,10 @@
       </p:sp>
       <p:sp>
         <p:nvSpPr>
-          <p:cNvPr id="10" name="椭圆 9">
+          <p:cNvPr id="9" name="椭圆 8">
             <a:extLst>
               <a:ext uri="{FF2B5EF4-FFF2-40B4-BE49-F238E27FC236}">
-                <a16:creationId xmlns:a16="http://schemas.microsoft.com/office/drawing/2014/main" id="{2B47DFDB-2C9A-4F74-861E-79A881C97B8D}"/>
+                <a16:creationId xmlns:a16="http://schemas.microsoft.com/office/drawing/2014/main" id="{19D71398-731F-4C51-B924-EDCACCA09480}"/>
               </a:ext>
             </a:extLst>
           </p:cNvPr>
@@ -7671,7 +8677,7 @@
         </p:nvSpPr>
         <p:spPr>
           <a:xfrm>
-            <a:off x="7936159" y="1351442"/>
+            <a:off x="7052762" y="3376817"/>
             <a:ext cx="1903477" cy="1903477"/>
           </a:xfrm>
           <a:prstGeom prst="ellipse">
@@ -7713,10 +8719,10 @@
       </p:sp>
       <p:sp>
         <p:nvSpPr>
-          <p:cNvPr id="11" name="椭圆 10">
+          <p:cNvPr id="10" name="椭圆 9">
             <a:extLst>
               <a:ext uri="{FF2B5EF4-FFF2-40B4-BE49-F238E27FC236}">
-                <a16:creationId xmlns:a16="http://schemas.microsoft.com/office/drawing/2014/main" id="{1B30D7E6-DD9B-4527-A74F-FF9D2DE5E9FD}"/>
+                <a16:creationId xmlns:a16="http://schemas.microsoft.com/office/drawing/2014/main" id="{C264B204-42A7-4304-BE0A-886488F9EF19}"/>
               </a:ext>
             </a:extLst>
           </p:cNvPr>
@@ -7725,7 +8731,7 @@
         </p:nvSpPr>
         <p:spPr>
           <a:xfrm>
-            <a:off x="6616948" y="399703"/>
+            <a:off x="10227098" y="6681464"/>
             <a:ext cx="1903477" cy="1903477"/>
           </a:xfrm>
           <a:prstGeom prst="ellipse">
@@ -7767,10 +8773,10 @@
       </p:sp>
       <p:sp>
         <p:nvSpPr>
-          <p:cNvPr id="12" name="椭圆 11">
+          <p:cNvPr id="11" name="椭圆 10">
             <a:extLst>
               <a:ext uri="{FF2B5EF4-FFF2-40B4-BE49-F238E27FC236}">
-                <a16:creationId xmlns:a16="http://schemas.microsoft.com/office/drawing/2014/main" id="{F27A4997-722C-402F-B0C0-40A0B77BE14D}"/>
+                <a16:creationId xmlns:a16="http://schemas.microsoft.com/office/drawing/2014/main" id="{3C85EB06-6BB3-4A04-ACD0-E5FB1FFB33C4}"/>
               </a:ext>
             </a:extLst>
           </p:cNvPr>
@@ -7779,7 +8785,7 @@
         </p:nvSpPr>
         <p:spPr>
           <a:xfrm>
-            <a:off x="14926061" y="7580176"/>
+            <a:off x="6101023" y="7167496"/>
             <a:ext cx="1903477" cy="1903477"/>
           </a:xfrm>
           <a:prstGeom prst="ellipse">
@@ -7821,10 +8827,10 @@
       </p:sp>
       <p:sp>
         <p:nvSpPr>
-          <p:cNvPr id="13" name="椭圆 12">
+          <p:cNvPr id="12" name="椭圆 11">
             <a:extLst>
               <a:ext uri="{FF2B5EF4-FFF2-40B4-BE49-F238E27FC236}">
-                <a16:creationId xmlns:a16="http://schemas.microsoft.com/office/drawing/2014/main" id="{D95165AB-8244-480C-A205-84F9AB467356}"/>
+                <a16:creationId xmlns:a16="http://schemas.microsoft.com/office/drawing/2014/main" id="{6FDB8D22-EC4A-4F34-A1A8-244EF26396F5}"/>
               </a:ext>
             </a:extLst>
           </p:cNvPr>
@@ -7833,7 +8839,7 @@
         </p:nvSpPr>
         <p:spPr>
           <a:xfrm>
-            <a:off x="9288879" y="7604194"/>
+            <a:off x="9534931" y="1291948"/>
             <a:ext cx="1903477" cy="1903477"/>
           </a:xfrm>
           <a:prstGeom prst="ellipse">
@@ -7875,10 +8881,10 @@
       </p:sp>
       <p:sp>
         <p:nvSpPr>
-          <p:cNvPr id="14" name="椭圆 13">
+          <p:cNvPr id="13" name="椭圆 12">
             <a:extLst>
               <a:ext uri="{FF2B5EF4-FFF2-40B4-BE49-F238E27FC236}">
-                <a16:creationId xmlns:a16="http://schemas.microsoft.com/office/drawing/2014/main" id="{F5BA6BFB-8A02-40B8-BB85-024170E71B22}"/>
+                <a16:creationId xmlns:a16="http://schemas.microsoft.com/office/drawing/2014/main" id="{ED8B4AA1-1635-40FD-87A6-523ED6E88217}"/>
               </a:ext>
             </a:extLst>
           </p:cNvPr>
@@ -7887,7 +8893,7 @@
         </p:nvSpPr>
         <p:spPr>
           <a:xfrm>
-            <a:off x="11765007" y="6652455"/>
+            <a:off x="3643066" y="1053177"/>
             <a:ext cx="1903477" cy="1903477"/>
           </a:xfrm>
           <a:prstGeom prst="ellipse">
@@ -7929,10 +8935,473 @@
       </p:sp>
       <p:sp>
         <p:nvSpPr>
-          <p:cNvPr id="15" name="椭圆 14">
+          <p:cNvPr id="3" name="文本框 2">
             <a:extLst>
               <a:ext uri="{FF2B5EF4-FFF2-40B4-BE49-F238E27FC236}">
-                <a16:creationId xmlns:a16="http://schemas.microsoft.com/office/drawing/2014/main" id="{71032AC4-D970-4A56-8631-A4C0FF7E861D}"/>
+                <a16:creationId xmlns:a16="http://schemas.microsoft.com/office/drawing/2014/main" id="{EFBDF3AB-752C-4F8E-864A-09585A82A8A4}"/>
+              </a:ext>
+            </a:extLst>
+          </p:cNvPr>
+          <p:cNvSpPr txBox="1"/>
+          <p:nvPr/>
+        </p:nvSpPr>
+        <p:spPr>
+          <a:xfrm>
+            <a:off x="3989510" y="1804860"/>
+            <a:ext cx="1210588" cy="400110"/>
+          </a:xfrm>
+          <a:prstGeom prst="rect">
+            <a:avLst/>
+          </a:prstGeom>
+          <a:noFill/>
+        </p:spPr>
+        <p:txBody>
+          <a:bodyPr wrap="none" rtlCol="0">
+            <a:spAutoFit/>
+          </a:bodyPr>
+          <a:lstStyle/>
+          <a:p>
+            <a:r>
+              <a:rPr lang="zh-CN" altLang="en-US" sz="2000" dirty="0">
+                <a:solidFill>
+                  <a:schemeClr val="tx1">
+                    <a:lumMod val="65000"/>
+                    <a:lumOff val="35000"/>
+                  </a:schemeClr>
+                </a:solidFill>
+                <a:latin typeface="苹方-简" panose="020B0400000000000000" pitchFamily="34" charset="-128"/>
+                <a:ea typeface="苹方-简" panose="020B0400000000000000" pitchFamily="34" charset="-128"/>
+              </a:rPr>
+              <a:t>语法简单</a:t>
+            </a:r>
+          </a:p>
+        </p:txBody>
+      </p:sp>
+      <p:sp>
+        <p:nvSpPr>
+          <p:cNvPr id="17" name="文本框 16">
+            <a:extLst>
+              <a:ext uri="{FF2B5EF4-FFF2-40B4-BE49-F238E27FC236}">
+                <a16:creationId xmlns:a16="http://schemas.microsoft.com/office/drawing/2014/main" id="{BBECB5E1-97B6-466F-982E-0DA4102B4BFD}"/>
+              </a:ext>
+            </a:extLst>
+          </p:cNvPr>
+          <p:cNvSpPr txBox="1"/>
+          <p:nvPr/>
+        </p:nvSpPr>
+        <p:spPr>
+          <a:xfrm>
+            <a:off x="7429381" y="4128500"/>
+            <a:ext cx="1210588" cy="400110"/>
+          </a:xfrm>
+          <a:prstGeom prst="rect">
+            <a:avLst/>
+          </a:prstGeom>
+          <a:noFill/>
+        </p:spPr>
+        <p:txBody>
+          <a:bodyPr wrap="none" rtlCol="0">
+            <a:spAutoFit/>
+          </a:bodyPr>
+          <a:lstStyle/>
+          <a:p>
+            <a:r>
+              <a:rPr lang="zh-CN" altLang="en-US" sz="2000" dirty="0">
+                <a:solidFill>
+                  <a:schemeClr val="tx1">
+                    <a:lumMod val="65000"/>
+                    <a:lumOff val="35000"/>
+                  </a:schemeClr>
+                </a:solidFill>
+                <a:latin typeface="苹方-简" panose="020B0400000000000000" pitchFamily="34" charset="-128"/>
+                <a:ea typeface="苹方-简" panose="020B0400000000000000" pitchFamily="34" charset="-128"/>
+              </a:rPr>
+              <a:t>垃圾回收</a:t>
+            </a:r>
+          </a:p>
+        </p:txBody>
+      </p:sp>
+      <p:sp>
+        <p:nvSpPr>
+          <p:cNvPr id="18" name="文本框 17">
+            <a:extLst>
+              <a:ext uri="{FF2B5EF4-FFF2-40B4-BE49-F238E27FC236}">
+                <a16:creationId xmlns:a16="http://schemas.microsoft.com/office/drawing/2014/main" id="{3F0A1216-3A2B-4C90-A3CF-333575937643}"/>
+              </a:ext>
+            </a:extLst>
+          </p:cNvPr>
+          <p:cNvSpPr txBox="1"/>
+          <p:nvPr/>
+        </p:nvSpPr>
+        <p:spPr>
+          <a:xfrm>
+            <a:off x="3165616" y="5191651"/>
+            <a:ext cx="1210588" cy="400110"/>
+          </a:xfrm>
+          <a:prstGeom prst="rect">
+            <a:avLst/>
+          </a:prstGeom>
+          <a:noFill/>
+        </p:spPr>
+        <p:txBody>
+          <a:bodyPr wrap="none" rtlCol="0">
+            <a:spAutoFit/>
+          </a:bodyPr>
+          <a:lstStyle/>
+          <a:p>
+            <a:r>
+              <a:rPr lang="zh-CN" altLang="en-US" sz="2000" dirty="0">
+                <a:solidFill>
+                  <a:schemeClr val="tx1">
+                    <a:lumMod val="65000"/>
+                    <a:lumOff val="35000"/>
+                  </a:schemeClr>
+                </a:solidFill>
+                <a:latin typeface="苹方-简" panose="020B0400000000000000" pitchFamily="34" charset="-128"/>
+                <a:ea typeface="苹方-简" panose="020B0400000000000000" pitchFamily="34" charset="-128"/>
+              </a:rPr>
+              <a:t>支持并发</a:t>
+            </a:r>
+          </a:p>
+        </p:txBody>
+      </p:sp>
+      <p:sp>
+        <p:nvSpPr>
+          <p:cNvPr id="19" name="文本框 18">
+            <a:extLst>
+              <a:ext uri="{FF2B5EF4-FFF2-40B4-BE49-F238E27FC236}">
+                <a16:creationId xmlns:a16="http://schemas.microsoft.com/office/drawing/2014/main" id="{D2D85608-A602-44F6-848E-2757A2D7D7BF}"/>
+              </a:ext>
+            </a:extLst>
+          </p:cNvPr>
+          <p:cNvSpPr txBox="1"/>
+          <p:nvPr/>
+        </p:nvSpPr>
+        <p:spPr>
+          <a:xfrm>
+            <a:off x="10009615" y="1846696"/>
+            <a:ext cx="954107" cy="400110"/>
+          </a:xfrm>
+          <a:prstGeom prst="rect">
+            <a:avLst/>
+          </a:prstGeom>
+          <a:noFill/>
+        </p:spPr>
+        <p:txBody>
+          <a:bodyPr wrap="none" rtlCol="0">
+            <a:spAutoFit/>
+          </a:bodyPr>
+          <a:lstStyle/>
+          <a:p>
+            <a:r>
+              <a:rPr lang="zh-CN" altLang="en-US" sz="2000" dirty="0">
+                <a:solidFill>
+                  <a:schemeClr val="tx1">
+                    <a:lumMod val="65000"/>
+                    <a:lumOff val="35000"/>
+                  </a:schemeClr>
+                </a:solidFill>
+                <a:latin typeface="苹方-简" panose="020B0400000000000000" pitchFamily="34" charset="-128"/>
+                <a:ea typeface="苹方-简" panose="020B0400000000000000" pitchFamily="34" charset="-128"/>
+              </a:rPr>
+              <a:t>内置库</a:t>
+            </a:r>
+          </a:p>
+        </p:txBody>
+      </p:sp>
+      <p:sp>
+        <p:nvSpPr>
+          <p:cNvPr id="20" name="文本框 19">
+            <a:extLst>
+              <a:ext uri="{FF2B5EF4-FFF2-40B4-BE49-F238E27FC236}">
+                <a16:creationId xmlns:a16="http://schemas.microsoft.com/office/drawing/2014/main" id="{DECCC48F-58AF-48AD-8B43-BEA844F5FA77}"/>
+              </a:ext>
+            </a:extLst>
+          </p:cNvPr>
+          <p:cNvSpPr txBox="1"/>
+          <p:nvPr/>
+        </p:nvSpPr>
+        <p:spPr>
+          <a:xfrm>
+            <a:off x="13291071" y="3376817"/>
+            <a:ext cx="1210588" cy="400110"/>
+          </a:xfrm>
+          <a:prstGeom prst="rect">
+            <a:avLst/>
+          </a:prstGeom>
+          <a:noFill/>
+        </p:spPr>
+        <p:txBody>
+          <a:bodyPr wrap="none" rtlCol="0">
+            <a:spAutoFit/>
+          </a:bodyPr>
+          <a:lstStyle/>
+          <a:p>
+            <a:r>
+              <a:rPr lang="zh-CN" altLang="en-US" sz="2000" dirty="0">
+                <a:solidFill>
+                  <a:schemeClr val="tx1">
+                    <a:lumMod val="65000"/>
+                    <a:lumOff val="35000"/>
+                  </a:schemeClr>
+                </a:solidFill>
+                <a:latin typeface="苹方-简" panose="020B0400000000000000" pitchFamily="34" charset="-128"/>
+                <a:ea typeface="苹方-简" panose="020B0400000000000000" pitchFamily="34" charset="-128"/>
+              </a:rPr>
+              <a:t>内存分配</a:t>
+            </a:r>
+          </a:p>
+        </p:txBody>
+      </p:sp>
+      <p:sp>
+        <p:nvSpPr>
+          <p:cNvPr id="21" name="文本框 20">
+            <a:extLst>
+              <a:ext uri="{FF2B5EF4-FFF2-40B4-BE49-F238E27FC236}">
+                <a16:creationId xmlns:a16="http://schemas.microsoft.com/office/drawing/2014/main" id="{EC6B3BF5-F7EF-4E31-88D0-5858AD72500B}"/>
+              </a:ext>
+            </a:extLst>
+          </p:cNvPr>
+          <p:cNvSpPr txBox="1"/>
+          <p:nvPr/>
+        </p:nvSpPr>
+        <p:spPr>
+          <a:xfrm>
+            <a:off x="10573542" y="7433147"/>
+            <a:ext cx="1210588" cy="400110"/>
+          </a:xfrm>
+          <a:prstGeom prst="rect">
+            <a:avLst/>
+          </a:prstGeom>
+          <a:noFill/>
+        </p:spPr>
+        <p:txBody>
+          <a:bodyPr wrap="none" rtlCol="0">
+            <a:spAutoFit/>
+          </a:bodyPr>
+          <a:lstStyle/>
+          <a:p>
+            <a:r>
+              <a:rPr lang="zh-CN" altLang="en-US" sz="2000" dirty="0">
+                <a:solidFill>
+                  <a:schemeClr val="tx1">
+                    <a:lumMod val="65000"/>
+                    <a:lumOff val="35000"/>
+                  </a:schemeClr>
+                </a:solidFill>
+                <a:latin typeface="苹方-简" panose="020B0400000000000000" pitchFamily="34" charset="-128"/>
+                <a:ea typeface="苹方-简" panose="020B0400000000000000" pitchFamily="34" charset="-128"/>
+              </a:rPr>
+              <a:t>第三方库</a:t>
+            </a:r>
+          </a:p>
+        </p:txBody>
+      </p:sp>
+    </p:spTree>
+    <p:extLst>
+      <p:ext uri="{BB962C8B-B14F-4D97-AF65-F5344CB8AC3E}">
+        <p14:creationId xmlns:p14="http://schemas.microsoft.com/office/powerpoint/2010/main" val="2083927153"/>
+      </p:ext>
+    </p:extLst>
+  </p:cSld>
+  <p:clrMapOvr>
+    <a:masterClrMapping/>
+  </p:clrMapOvr>
+</p:sld>
+</file>
+
+<file path=ppt/slides/slide5.xml><?xml version="1.0" encoding="utf-8"?>
+<p:sld xmlns:a="http://schemas.openxmlformats.org/drawingml/2006/main" xmlns:r="http://schemas.openxmlformats.org/officeDocument/2006/relationships" xmlns:p="http://schemas.openxmlformats.org/presentationml/2006/main">
+  <p:cSld>
+    <p:spTree>
+      <p:nvGrpSpPr>
+        <p:cNvPr id="1" name=""/>
+        <p:cNvGrpSpPr/>
+        <p:nvPr/>
+      </p:nvGrpSpPr>
+      <p:grpSpPr>
+        <a:xfrm>
+          <a:off x="0" y="0"/>
+          <a:ext cx="0" cy="0"/>
+          <a:chOff x="0" y="0"/>
+          <a:chExt cx="0" cy="0"/>
+        </a:xfrm>
+      </p:grpSpPr>
+      <p:grpSp>
+        <p:nvGrpSpPr>
+          <p:cNvPr id="16" name="组合 15">
+            <a:extLst>
+              <a:ext uri="{FF2B5EF4-FFF2-40B4-BE49-F238E27FC236}">
+                <a16:creationId xmlns:a16="http://schemas.microsoft.com/office/drawing/2014/main" id="{D7143689-69C3-4029-8AFD-6B55E09FE07F}"/>
+              </a:ext>
+            </a:extLst>
+          </p:cNvPr>
+          <p:cNvGrpSpPr/>
+          <p:nvPr/>
+        </p:nvGrpSpPr>
+        <p:grpSpPr>
+          <a:xfrm>
+            <a:off x="3797146" y="4562760"/>
+            <a:ext cx="9614208" cy="584775"/>
+            <a:chOff x="3855308" y="4276150"/>
+            <a:chExt cx="9614208" cy="584775"/>
+          </a:xfrm>
+        </p:grpSpPr>
+        <p:sp>
+          <p:nvSpPr>
+            <p:cNvPr id="2" name="文本框 1">
+              <a:extLst>
+                <a:ext uri="{FF2B5EF4-FFF2-40B4-BE49-F238E27FC236}">
+                  <a16:creationId xmlns:a16="http://schemas.microsoft.com/office/drawing/2014/main" id="{BB23F67A-E79D-4F6A-8BDD-0E733BF7C5A0}"/>
+                </a:ext>
+              </a:extLst>
+            </p:cNvPr>
+            <p:cNvSpPr txBox="1"/>
+            <p:nvPr/>
+          </p:nvSpPr>
+          <p:spPr>
+            <a:xfrm>
+              <a:off x="3855308" y="4276150"/>
+              <a:ext cx="1460656" cy="584775"/>
+            </a:xfrm>
+            <a:prstGeom prst="rect">
+              <a:avLst/>
+            </a:prstGeom>
+            <a:noFill/>
+          </p:spPr>
+          <p:txBody>
+            <a:bodyPr wrap="none" rtlCol="0">
+              <a:spAutoFit/>
+            </a:bodyPr>
+            <a:lstStyle/>
+            <a:p>
+              <a:r>
+                <a:rPr lang="en-US" altLang="zh-CN" sz="3200" dirty="0">
+                  <a:solidFill>
+                    <a:srgbClr val="00B050"/>
+                  </a:solidFill>
+                  <a:latin typeface="!!Helvetica" pitchFamily="2" charset="0"/>
+                </a:rPr>
+                <a:t>Python</a:t>
+              </a:r>
+              <a:endParaRPr lang="zh-CN" altLang="en-US" sz="3200" dirty="0">
+                <a:solidFill>
+                  <a:srgbClr val="00B050"/>
+                </a:solidFill>
+                <a:latin typeface="!!Helvetica" pitchFamily="2" charset="0"/>
+              </a:endParaRPr>
+            </a:p>
+          </p:txBody>
+        </p:sp>
+        <p:sp>
+          <p:nvSpPr>
+            <p:cNvPr id="3" name="文本框 2">
+              <a:extLst>
+                <a:ext uri="{FF2B5EF4-FFF2-40B4-BE49-F238E27FC236}">
+                  <a16:creationId xmlns:a16="http://schemas.microsoft.com/office/drawing/2014/main" id="{84416230-7A3B-4E7D-94E5-EAE17661E5AE}"/>
+                </a:ext>
+              </a:extLst>
+            </p:cNvPr>
+            <p:cNvSpPr txBox="1"/>
+            <p:nvPr/>
+          </p:nvSpPr>
+          <p:spPr>
+            <a:xfrm>
+              <a:off x="11963976" y="4276150"/>
+              <a:ext cx="1505540" cy="584775"/>
+            </a:xfrm>
+            <a:prstGeom prst="rect">
+              <a:avLst/>
+            </a:prstGeom>
+            <a:noFill/>
+          </p:spPr>
+          <p:txBody>
+            <a:bodyPr wrap="none" rtlCol="0">
+              <a:spAutoFit/>
+            </a:bodyPr>
+            <a:lstStyle/>
+            <a:p>
+              <a:r>
+                <a:rPr lang="en-US" altLang="zh-CN" sz="3200" dirty="0">
+                  <a:solidFill>
+                    <a:srgbClr val="00B050"/>
+                  </a:solidFill>
+                  <a:latin typeface="!!Helvetica" pitchFamily="2" charset="0"/>
+                </a:rPr>
+                <a:t>Golang</a:t>
+              </a:r>
+              <a:endParaRPr lang="zh-CN" altLang="en-US" sz="3200" dirty="0">
+                <a:solidFill>
+                  <a:srgbClr val="00B050"/>
+                </a:solidFill>
+                <a:latin typeface="!!Helvetica" pitchFamily="2" charset="0"/>
+              </a:endParaRPr>
+            </a:p>
+          </p:txBody>
+        </p:sp>
+        <p:sp>
+          <p:nvSpPr>
+            <p:cNvPr id="4" name="箭头: V 形 3">
+              <a:extLst>
+                <a:ext uri="{FF2B5EF4-FFF2-40B4-BE49-F238E27FC236}">
+                  <a16:creationId xmlns:a16="http://schemas.microsoft.com/office/drawing/2014/main" id="{495DBE02-1AFB-482D-B8C1-9217C6E7CD9A}"/>
+                </a:ext>
+              </a:extLst>
+            </p:cNvPr>
+            <p:cNvSpPr/>
+            <p:nvPr/>
+          </p:nvSpPr>
+          <p:spPr>
+            <a:xfrm>
+              <a:off x="8392835" y="4321402"/>
+              <a:ext cx="494270" cy="494270"/>
+            </a:xfrm>
+            <a:prstGeom prst="chevron">
+              <a:avLst/>
+            </a:prstGeom>
+            <a:solidFill>
+              <a:srgbClr val="00B050"/>
+            </a:solidFill>
+            <a:ln>
+              <a:noFill/>
+            </a:ln>
+          </p:spPr>
+          <p:style>
+            <a:lnRef idx="2">
+              <a:schemeClr val="accent1">
+                <a:shade val="50000"/>
+              </a:schemeClr>
+            </a:lnRef>
+            <a:fillRef idx="1">
+              <a:schemeClr val="accent1"/>
+            </a:fillRef>
+            <a:effectRef idx="0">
+              <a:schemeClr val="accent1"/>
+            </a:effectRef>
+            <a:fontRef idx="minor">
+              <a:schemeClr val="lt1"/>
+            </a:fontRef>
+          </p:style>
+          <p:txBody>
+            <a:bodyPr rtlCol="0" anchor="ctr"/>
+            <a:lstStyle/>
+            <a:p>
+              <a:pPr algn="ctr"/>
+              <a:endParaRPr lang="zh-CN" altLang="en-US">
+                <a:solidFill>
+                  <a:schemeClr val="tx1"/>
+                </a:solidFill>
+              </a:endParaRPr>
+            </a:p>
+          </p:txBody>
+        </p:sp>
+      </p:grpSp>
+      <p:sp>
+        <p:nvSpPr>
+          <p:cNvPr id="5" name="椭圆 4">
+            <a:extLst>
+              <a:ext uri="{FF2B5EF4-FFF2-40B4-BE49-F238E27FC236}">
+                <a16:creationId xmlns:a16="http://schemas.microsoft.com/office/drawing/2014/main" id="{8BA08A34-F30D-472B-87AD-1BB16036260F}"/>
               </a:ext>
             </a:extLst>
           </p:cNvPr>
@@ -7941,7 +9410,7 @@
         </p:nvSpPr>
         <p:spPr>
           <a:xfrm>
-            <a:off x="3855308" y="1771445"/>
+            <a:off x="852975" y="671514"/>
             <a:ext cx="1903477" cy="1903477"/>
           </a:xfrm>
           <a:prstGeom prst="ellipse">
@@ -7981,6 +9450,546 @@
           </a:p>
         </p:txBody>
       </p:sp>
+      <p:sp>
+        <p:nvSpPr>
+          <p:cNvPr id="6" name="椭圆 5">
+            <a:extLst>
+              <a:ext uri="{FF2B5EF4-FFF2-40B4-BE49-F238E27FC236}">
+                <a16:creationId xmlns:a16="http://schemas.microsoft.com/office/drawing/2014/main" id="{63F744FF-A170-42EA-8021-BA5C6C52027E}"/>
+              </a:ext>
+            </a:extLst>
+          </p:cNvPr>
+          <p:cNvSpPr/>
+          <p:nvPr/>
+        </p:nvSpPr>
+        <p:spPr>
+          <a:xfrm>
+            <a:off x="6087584" y="6012139"/>
+            <a:ext cx="1903477" cy="1903477"/>
+          </a:xfrm>
+          <a:prstGeom prst="ellipse">
+            <a:avLst/>
+          </a:prstGeom>
+          <a:solidFill>
+            <a:srgbClr val="75CEDE">
+              <a:alpha val="34000"/>
+            </a:srgbClr>
+          </a:solidFill>
+          <a:ln>
+            <a:noFill/>
+          </a:ln>
+        </p:spPr>
+        <p:style>
+          <a:lnRef idx="2">
+            <a:schemeClr val="accent1">
+              <a:shade val="50000"/>
+            </a:schemeClr>
+          </a:lnRef>
+          <a:fillRef idx="1">
+            <a:schemeClr val="accent1"/>
+          </a:fillRef>
+          <a:effectRef idx="0">
+            <a:schemeClr val="accent1"/>
+          </a:effectRef>
+          <a:fontRef idx="minor">
+            <a:schemeClr val="lt1"/>
+          </a:fontRef>
+        </p:style>
+        <p:txBody>
+          <a:bodyPr rtlCol="0" anchor="ctr"/>
+          <a:lstStyle/>
+          <a:p>
+            <a:pPr algn="ctr"/>
+            <a:endParaRPr lang="zh-CN" altLang="en-US"/>
+          </a:p>
+        </p:txBody>
+      </p:sp>
+      <p:sp>
+        <p:nvSpPr>
+          <p:cNvPr id="7" name="椭圆 6">
+            <a:extLst>
+              <a:ext uri="{FF2B5EF4-FFF2-40B4-BE49-F238E27FC236}">
+                <a16:creationId xmlns:a16="http://schemas.microsoft.com/office/drawing/2014/main" id="{DEBA6C59-90A7-43AB-B95C-E21B9CC3A1FF}"/>
+              </a:ext>
+            </a:extLst>
+          </p:cNvPr>
+          <p:cNvSpPr/>
+          <p:nvPr/>
+        </p:nvSpPr>
+        <p:spPr>
+          <a:xfrm>
+            <a:off x="11566039" y="5548313"/>
+            <a:ext cx="1903477" cy="1903477"/>
+          </a:xfrm>
+          <a:prstGeom prst="ellipse">
+            <a:avLst/>
+          </a:prstGeom>
+          <a:solidFill>
+            <a:srgbClr val="75CEDE">
+              <a:alpha val="34000"/>
+            </a:srgbClr>
+          </a:solidFill>
+          <a:ln>
+            <a:noFill/>
+          </a:ln>
+        </p:spPr>
+        <p:style>
+          <a:lnRef idx="2">
+            <a:schemeClr val="accent1">
+              <a:shade val="50000"/>
+            </a:schemeClr>
+          </a:lnRef>
+          <a:fillRef idx="1">
+            <a:schemeClr val="accent1"/>
+          </a:fillRef>
+          <a:effectRef idx="0">
+            <a:schemeClr val="accent1"/>
+          </a:effectRef>
+          <a:fontRef idx="minor">
+            <a:schemeClr val="lt1"/>
+          </a:fontRef>
+        </p:style>
+        <p:txBody>
+          <a:bodyPr rtlCol="0" anchor="ctr"/>
+          <a:lstStyle/>
+          <a:p>
+            <a:pPr algn="ctr"/>
+            <a:endParaRPr lang="zh-CN" altLang="en-US"/>
+          </a:p>
+        </p:txBody>
+      </p:sp>
+      <p:sp>
+        <p:nvSpPr>
+          <p:cNvPr id="8" name="椭圆 7">
+            <a:extLst>
+              <a:ext uri="{FF2B5EF4-FFF2-40B4-BE49-F238E27FC236}">
+                <a16:creationId xmlns:a16="http://schemas.microsoft.com/office/drawing/2014/main" id="{680D0560-E3A1-4679-98B5-0055B8E950E0}"/>
+              </a:ext>
+            </a:extLst>
+          </p:cNvPr>
+          <p:cNvSpPr/>
+          <p:nvPr/>
+        </p:nvSpPr>
+        <p:spPr>
+          <a:xfrm>
+            <a:off x="12917761" y="1188348"/>
+            <a:ext cx="1903477" cy="1903477"/>
+          </a:xfrm>
+          <a:prstGeom prst="ellipse">
+            <a:avLst/>
+          </a:prstGeom>
+          <a:solidFill>
+            <a:srgbClr val="75CEDE">
+              <a:alpha val="34000"/>
+            </a:srgbClr>
+          </a:solidFill>
+          <a:ln>
+            <a:noFill/>
+          </a:ln>
+        </p:spPr>
+        <p:style>
+          <a:lnRef idx="2">
+            <a:schemeClr val="accent1">
+              <a:shade val="50000"/>
+            </a:schemeClr>
+          </a:lnRef>
+          <a:fillRef idx="1">
+            <a:schemeClr val="accent1"/>
+          </a:fillRef>
+          <a:effectRef idx="0">
+            <a:schemeClr val="accent1"/>
+          </a:effectRef>
+          <a:fontRef idx="minor">
+            <a:schemeClr val="lt1"/>
+          </a:fontRef>
+        </p:style>
+        <p:txBody>
+          <a:bodyPr rtlCol="0" anchor="ctr"/>
+          <a:lstStyle/>
+          <a:p>
+            <a:pPr algn="ctr"/>
+            <a:endParaRPr lang="zh-CN" altLang="en-US"/>
+          </a:p>
+        </p:txBody>
+      </p:sp>
+      <p:sp>
+        <p:nvSpPr>
+          <p:cNvPr id="9" name="椭圆 8">
+            <a:extLst>
+              <a:ext uri="{FF2B5EF4-FFF2-40B4-BE49-F238E27FC236}">
+                <a16:creationId xmlns:a16="http://schemas.microsoft.com/office/drawing/2014/main" id="{E1C61C95-2E99-4ACB-B104-80ABBA7874EA}"/>
+              </a:ext>
+            </a:extLst>
+          </p:cNvPr>
+          <p:cNvSpPr/>
+          <p:nvPr/>
+        </p:nvSpPr>
+        <p:spPr>
+          <a:xfrm>
+            <a:off x="1149830" y="6559546"/>
+            <a:ext cx="1903477" cy="1903477"/>
+          </a:xfrm>
+          <a:prstGeom prst="ellipse">
+            <a:avLst/>
+          </a:prstGeom>
+          <a:solidFill>
+            <a:srgbClr val="75CEDE">
+              <a:alpha val="34000"/>
+            </a:srgbClr>
+          </a:solidFill>
+          <a:ln>
+            <a:noFill/>
+          </a:ln>
+        </p:spPr>
+        <p:style>
+          <a:lnRef idx="2">
+            <a:schemeClr val="accent1">
+              <a:shade val="50000"/>
+            </a:schemeClr>
+          </a:lnRef>
+          <a:fillRef idx="1">
+            <a:schemeClr val="accent1"/>
+          </a:fillRef>
+          <a:effectRef idx="0">
+            <a:schemeClr val="accent1"/>
+          </a:effectRef>
+          <a:fontRef idx="minor">
+            <a:schemeClr val="lt1"/>
+          </a:fontRef>
+        </p:style>
+        <p:txBody>
+          <a:bodyPr rtlCol="0" anchor="ctr"/>
+          <a:lstStyle/>
+          <a:p>
+            <a:pPr algn="ctr"/>
+            <a:endParaRPr lang="zh-CN" altLang="en-US"/>
+          </a:p>
+        </p:txBody>
+      </p:sp>
+      <p:sp>
+        <p:nvSpPr>
+          <p:cNvPr id="10" name="椭圆 9">
+            <a:extLst>
+              <a:ext uri="{FF2B5EF4-FFF2-40B4-BE49-F238E27FC236}">
+                <a16:creationId xmlns:a16="http://schemas.microsoft.com/office/drawing/2014/main" id="{2B47DFDB-2C9A-4F74-861E-79A881C97B8D}"/>
+              </a:ext>
+            </a:extLst>
+          </p:cNvPr>
+          <p:cNvSpPr/>
+          <p:nvPr/>
+        </p:nvSpPr>
+        <p:spPr>
+          <a:xfrm>
+            <a:off x="7936159" y="1351442"/>
+            <a:ext cx="1903477" cy="1903477"/>
+          </a:xfrm>
+          <a:prstGeom prst="ellipse">
+            <a:avLst/>
+          </a:prstGeom>
+          <a:solidFill>
+            <a:srgbClr val="75CEDE">
+              <a:alpha val="34000"/>
+            </a:srgbClr>
+          </a:solidFill>
+          <a:ln>
+            <a:noFill/>
+          </a:ln>
+        </p:spPr>
+        <p:style>
+          <a:lnRef idx="2">
+            <a:schemeClr val="accent1">
+              <a:shade val="50000"/>
+            </a:schemeClr>
+          </a:lnRef>
+          <a:fillRef idx="1">
+            <a:schemeClr val="accent1"/>
+          </a:fillRef>
+          <a:effectRef idx="0">
+            <a:schemeClr val="accent1"/>
+          </a:effectRef>
+          <a:fontRef idx="minor">
+            <a:schemeClr val="lt1"/>
+          </a:fontRef>
+        </p:style>
+        <p:txBody>
+          <a:bodyPr rtlCol="0" anchor="ctr"/>
+          <a:lstStyle/>
+          <a:p>
+            <a:pPr algn="ctr"/>
+            <a:endParaRPr lang="zh-CN" altLang="en-US"/>
+          </a:p>
+        </p:txBody>
+      </p:sp>
+      <p:sp>
+        <p:nvSpPr>
+          <p:cNvPr id="11" name="椭圆 10">
+            <a:extLst>
+              <a:ext uri="{FF2B5EF4-FFF2-40B4-BE49-F238E27FC236}">
+                <a16:creationId xmlns:a16="http://schemas.microsoft.com/office/drawing/2014/main" id="{1B30D7E6-DD9B-4527-A74F-FF9D2DE5E9FD}"/>
+              </a:ext>
+            </a:extLst>
+          </p:cNvPr>
+          <p:cNvSpPr/>
+          <p:nvPr/>
+        </p:nvSpPr>
+        <p:spPr>
+          <a:xfrm>
+            <a:off x="6616948" y="399703"/>
+            <a:ext cx="1903477" cy="1903477"/>
+          </a:xfrm>
+          <a:prstGeom prst="ellipse">
+            <a:avLst/>
+          </a:prstGeom>
+          <a:solidFill>
+            <a:srgbClr val="75CEDE">
+              <a:alpha val="34000"/>
+            </a:srgbClr>
+          </a:solidFill>
+          <a:ln>
+            <a:noFill/>
+          </a:ln>
+        </p:spPr>
+        <p:style>
+          <a:lnRef idx="2">
+            <a:schemeClr val="accent1">
+              <a:shade val="50000"/>
+            </a:schemeClr>
+          </a:lnRef>
+          <a:fillRef idx="1">
+            <a:schemeClr val="accent1"/>
+          </a:fillRef>
+          <a:effectRef idx="0">
+            <a:schemeClr val="accent1"/>
+          </a:effectRef>
+          <a:fontRef idx="minor">
+            <a:schemeClr val="lt1"/>
+          </a:fontRef>
+        </p:style>
+        <p:txBody>
+          <a:bodyPr rtlCol="0" anchor="ctr"/>
+          <a:lstStyle/>
+          <a:p>
+            <a:pPr algn="ctr"/>
+            <a:endParaRPr lang="zh-CN" altLang="en-US"/>
+          </a:p>
+        </p:txBody>
+      </p:sp>
+      <p:sp>
+        <p:nvSpPr>
+          <p:cNvPr id="12" name="椭圆 11">
+            <a:extLst>
+              <a:ext uri="{FF2B5EF4-FFF2-40B4-BE49-F238E27FC236}">
+                <a16:creationId xmlns:a16="http://schemas.microsoft.com/office/drawing/2014/main" id="{F27A4997-722C-402F-B0C0-40A0B77BE14D}"/>
+              </a:ext>
+            </a:extLst>
+          </p:cNvPr>
+          <p:cNvSpPr/>
+          <p:nvPr/>
+        </p:nvSpPr>
+        <p:spPr>
+          <a:xfrm>
+            <a:off x="14926061" y="7580176"/>
+            <a:ext cx="1903477" cy="1903477"/>
+          </a:xfrm>
+          <a:prstGeom prst="ellipse">
+            <a:avLst/>
+          </a:prstGeom>
+          <a:solidFill>
+            <a:srgbClr val="75CEDE">
+              <a:alpha val="34000"/>
+            </a:srgbClr>
+          </a:solidFill>
+          <a:ln>
+            <a:noFill/>
+          </a:ln>
+        </p:spPr>
+        <p:style>
+          <a:lnRef idx="2">
+            <a:schemeClr val="accent1">
+              <a:shade val="50000"/>
+            </a:schemeClr>
+          </a:lnRef>
+          <a:fillRef idx="1">
+            <a:schemeClr val="accent1"/>
+          </a:fillRef>
+          <a:effectRef idx="0">
+            <a:schemeClr val="accent1"/>
+          </a:effectRef>
+          <a:fontRef idx="minor">
+            <a:schemeClr val="lt1"/>
+          </a:fontRef>
+        </p:style>
+        <p:txBody>
+          <a:bodyPr rtlCol="0" anchor="ctr"/>
+          <a:lstStyle/>
+          <a:p>
+            <a:pPr algn="ctr"/>
+            <a:endParaRPr lang="zh-CN" altLang="en-US"/>
+          </a:p>
+        </p:txBody>
+      </p:sp>
+      <p:sp>
+        <p:nvSpPr>
+          <p:cNvPr id="13" name="椭圆 12">
+            <a:extLst>
+              <a:ext uri="{FF2B5EF4-FFF2-40B4-BE49-F238E27FC236}">
+                <a16:creationId xmlns:a16="http://schemas.microsoft.com/office/drawing/2014/main" id="{D95165AB-8244-480C-A205-84F9AB467356}"/>
+              </a:ext>
+            </a:extLst>
+          </p:cNvPr>
+          <p:cNvSpPr/>
+          <p:nvPr/>
+        </p:nvSpPr>
+        <p:spPr>
+          <a:xfrm>
+            <a:off x="9288879" y="7604194"/>
+            <a:ext cx="1903477" cy="1903477"/>
+          </a:xfrm>
+          <a:prstGeom prst="ellipse">
+            <a:avLst/>
+          </a:prstGeom>
+          <a:solidFill>
+            <a:srgbClr val="75CEDE">
+              <a:alpha val="34000"/>
+            </a:srgbClr>
+          </a:solidFill>
+          <a:ln>
+            <a:noFill/>
+          </a:ln>
+        </p:spPr>
+        <p:style>
+          <a:lnRef idx="2">
+            <a:schemeClr val="accent1">
+              <a:shade val="50000"/>
+            </a:schemeClr>
+          </a:lnRef>
+          <a:fillRef idx="1">
+            <a:schemeClr val="accent1"/>
+          </a:fillRef>
+          <a:effectRef idx="0">
+            <a:schemeClr val="accent1"/>
+          </a:effectRef>
+          <a:fontRef idx="minor">
+            <a:schemeClr val="lt1"/>
+          </a:fontRef>
+        </p:style>
+        <p:txBody>
+          <a:bodyPr rtlCol="0" anchor="ctr"/>
+          <a:lstStyle/>
+          <a:p>
+            <a:pPr algn="ctr"/>
+            <a:endParaRPr lang="zh-CN" altLang="en-US"/>
+          </a:p>
+        </p:txBody>
+      </p:sp>
+      <p:sp>
+        <p:nvSpPr>
+          <p:cNvPr id="14" name="椭圆 13">
+            <a:extLst>
+              <a:ext uri="{FF2B5EF4-FFF2-40B4-BE49-F238E27FC236}">
+                <a16:creationId xmlns:a16="http://schemas.microsoft.com/office/drawing/2014/main" id="{F5BA6BFB-8A02-40B8-BB85-024170E71B22}"/>
+              </a:ext>
+            </a:extLst>
+          </p:cNvPr>
+          <p:cNvSpPr/>
+          <p:nvPr/>
+        </p:nvSpPr>
+        <p:spPr>
+          <a:xfrm>
+            <a:off x="11765007" y="6652455"/>
+            <a:ext cx="1903477" cy="1903477"/>
+          </a:xfrm>
+          <a:prstGeom prst="ellipse">
+            <a:avLst/>
+          </a:prstGeom>
+          <a:solidFill>
+            <a:srgbClr val="75CEDE">
+              <a:alpha val="34000"/>
+            </a:srgbClr>
+          </a:solidFill>
+          <a:ln>
+            <a:noFill/>
+          </a:ln>
+        </p:spPr>
+        <p:style>
+          <a:lnRef idx="2">
+            <a:schemeClr val="accent1">
+              <a:shade val="50000"/>
+            </a:schemeClr>
+          </a:lnRef>
+          <a:fillRef idx="1">
+            <a:schemeClr val="accent1"/>
+          </a:fillRef>
+          <a:effectRef idx="0">
+            <a:schemeClr val="accent1"/>
+          </a:effectRef>
+          <a:fontRef idx="minor">
+            <a:schemeClr val="lt1"/>
+          </a:fontRef>
+        </p:style>
+        <p:txBody>
+          <a:bodyPr rtlCol="0" anchor="ctr"/>
+          <a:lstStyle/>
+          <a:p>
+            <a:pPr algn="ctr"/>
+            <a:endParaRPr lang="zh-CN" altLang="en-US"/>
+          </a:p>
+        </p:txBody>
+      </p:sp>
+      <p:sp>
+        <p:nvSpPr>
+          <p:cNvPr id="15" name="椭圆 14">
+            <a:extLst>
+              <a:ext uri="{FF2B5EF4-FFF2-40B4-BE49-F238E27FC236}">
+                <a16:creationId xmlns:a16="http://schemas.microsoft.com/office/drawing/2014/main" id="{71032AC4-D970-4A56-8631-A4C0FF7E861D}"/>
+              </a:ext>
+            </a:extLst>
+          </p:cNvPr>
+          <p:cNvSpPr/>
+          <p:nvPr/>
+        </p:nvSpPr>
+        <p:spPr>
+          <a:xfrm>
+            <a:off x="3855308" y="1771445"/>
+            <a:ext cx="1903477" cy="1903477"/>
+          </a:xfrm>
+          <a:prstGeom prst="ellipse">
+            <a:avLst/>
+          </a:prstGeom>
+          <a:solidFill>
+            <a:srgbClr val="75CEDE">
+              <a:alpha val="34000"/>
+            </a:srgbClr>
+          </a:solidFill>
+          <a:ln>
+            <a:noFill/>
+          </a:ln>
+        </p:spPr>
+        <p:style>
+          <a:lnRef idx="2">
+            <a:schemeClr val="accent1">
+              <a:shade val="50000"/>
+            </a:schemeClr>
+          </a:lnRef>
+          <a:fillRef idx="1">
+            <a:schemeClr val="accent1"/>
+          </a:fillRef>
+          <a:effectRef idx="0">
+            <a:schemeClr val="accent1"/>
+          </a:effectRef>
+          <a:fontRef idx="minor">
+            <a:schemeClr val="lt1"/>
+          </a:fontRef>
+        </p:style>
+        <p:txBody>
+          <a:bodyPr rtlCol="0" anchor="ctr"/>
+          <a:lstStyle/>
+          <a:p>
+            <a:pPr algn="ctr"/>
+            <a:endParaRPr lang="zh-CN" altLang="en-US"/>
+          </a:p>
+        </p:txBody>
+      </p:sp>
     </p:spTree>
     <p:extLst>
       <p:ext uri="{BB962C8B-B14F-4D97-AF65-F5344CB8AC3E}">
@@ -7994,7 +10003,7 @@
 </p:sld>
 </file>
 
-<file path=ppt/slides/slide5.xml><?xml version="1.0" encoding="utf-8"?>
+<file path=ppt/slides/slide6.xml><?xml version="1.0" encoding="utf-8"?>
 <p:sld xmlns:a="http://schemas.openxmlformats.org/drawingml/2006/main" xmlns:r="http://schemas.openxmlformats.org/officeDocument/2006/relationships" xmlns:p="http://schemas.openxmlformats.org/presentationml/2006/main">
   <p:cSld>
     <p:bg>
@@ -8553,7 +10562,7 @@
 </p:sld>
 </file>
 
-<file path=ppt/slides/slide6.xml><?xml version="1.0" encoding="utf-8"?>
+<file path=ppt/slides/slide7.xml><?xml version="1.0" encoding="utf-8"?>
 <p:sld xmlns:a="http://schemas.openxmlformats.org/drawingml/2006/main" xmlns:r="http://schemas.openxmlformats.org/officeDocument/2006/relationships" xmlns:p="http://schemas.openxmlformats.org/presentationml/2006/main">
   <p:cSld>
     <p:bg>
@@ -9070,7 +11079,7 @@
 </p:sld>
 </file>
 
-<file path=ppt/slides/slide7.xml><?xml version="1.0" encoding="utf-8"?>
+<file path=ppt/slides/slide8.xml><?xml version="1.0" encoding="utf-8"?>
 <p:sld xmlns:a="http://schemas.openxmlformats.org/drawingml/2006/main" xmlns:r="http://schemas.openxmlformats.org/officeDocument/2006/relationships" xmlns:p="http://schemas.openxmlformats.org/presentationml/2006/main">
   <p:cSld>
     <p:bg>
@@ -9582,7 +11591,7 @@
 </p:sld>
 </file>
 
-<file path=ppt/slides/slide8.xml><?xml version="1.0" encoding="utf-8"?>
+<file path=ppt/slides/slide9.xml><?xml version="1.0" encoding="utf-8"?>
 <p:sld xmlns:a="http://schemas.openxmlformats.org/drawingml/2006/main" xmlns:r="http://schemas.openxmlformats.org/officeDocument/2006/relationships" xmlns:p="http://schemas.openxmlformats.org/presentationml/2006/main">
   <p:cSld>
     <p:bg>
@@ -9874,7 +11883,7 @@
         </p:nvSpPr>
         <p:spPr>
           <a:xfrm>
-            <a:off x="11230199" y="2986919"/>
+            <a:off x="11146791" y="2986919"/>
             <a:ext cx="1467068" cy="400110"/>
           </a:xfrm>
           <a:prstGeom prst="rect">
@@ -9956,7 +11965,7 @@
         </p:nvSpPr>
         <p:spPr>
           <a:xfrm>
-            <a:off x="11167142" y="5160021"/>
+            <a:off x="11146791" y="5160021"/>
             <a:ext cx="2749471" cy="400110"/>
           </a:xfrm>
           <a:prstGeom prst="rect">
@@ -9997,7 +12006,7 @@
         </p:nvSpPr>
         <p:spPr>
           <a:xfrm>
-            <a:off x="11167142" y="6225284"/>
+            <a:off x="11146791" y="6225284"/>
             <a:ext cx="4269117" cy="400110"/>
           </a:xfrm>
           <a:prstGeom prst="rect">
@@ -11622,1105 +13631,6 @@
     <p:extLst>
       <p:ext uri="{BB962C8B-B14F-4D97-AF65-F5344CB8AC3E}">
         <p14:creationId xmlns:p14="http://schemas.microsoft.com/office/powerpoint/2010/main" val="3842796499"/>
-      </p:ext>
-    </p:extLst>
-  </p:cSld>
-  <p:clrMapOvr>
-    <a:masterClrMapping/>
-  </p:clrMapOvr>
-</p:sld>
-</file>
-
-<file path=ppt/slides/slide9.xml><?xml version="1.0" encoding="utf-8"?>
-<p:sld xmlns:a="http://schemas.openxmlformats.org/drawingml/2006/main" xmlns:r="http://schemas.openxmlformats.org/officeDocument/2006/relationships" xmlns:p="http://schemas.openxmlformats.org/presentationml/2006/main">
-  <p:cSld>
-    <p:bg>
-      <p:bgPr>
-        <a:solidFill>
-          <a:srgbClr val="E2E7EB"/>
-        </a:solidFill>
-        <a:effectLst/>
-      </p:bgPr>
-    </p:bg>
-    <p:spTree>
-      <p:nvGrpSpPr>
-        <p:cNvPr id="1" name=""/>
-        <p:cNvGrpSpPr/>
-        <p:nvPr/>
-      </p:nvGrpSpPr>
-      <p:grpSpPr>
-        <a:xfrm>
-          <a:off x="0" y="0"/>
-          <a:ext cx="0" cy="0"/>
-          <a:chOff x="0" y="0"/>
-          <a:chExt cx="0" cy="0"/>
-        </a:xfrm>
-      </p:grpSpPr>
-      <p:sp>
-        <p:nvSpPr>
-          <p:cNvPr id="2" name="文本框 1">
-            <a:extLst>
-              <a:ext uri="{FF2B5EF4-FFF2-40B4-BE49-F238E27FC236}">
-                <a16:creationId xmlns:a16="http://schemas.microsoft.com/office/drawing/2014/main" id="{DD950978-92A9-4E53-A9FF-93C83DD04515}"/>
-              </a:ext>
-            </a:extLst>
-          </p:cNvPr>
-          <p:cNvSpPr txBox="1"/>
-          <p:nvPr/>
-        </p:nvSpPr>
-        <p:spPr>
-          <a:xfrm>
-            <a:off x="2822713" y="4008415"/>
-            <a:ext cx="3877985" cy="2308324"/>
-          </a:xfrm>
-          <a:prstGeom prst="rect">
-            <a:avLst/>
-          </a:prstGeom>
-          <a:noFill/>
-        </p:spPr>
-        <p:txBody>
-          <a:bodyPr wrap="none" rtlCol="0">
-            <a:spAutoFit/>
-          </a:bodyPr>
-          <a:lstStyle/>
-          <a:p>
-            <a:pPr algn="r"/>
-            <a:r>
-              <a:rPr lang="zh-CN" altLang="en-US" sz="4800" b="1" dirty="0">
-                <a:solidFill>
-                  <a:schemeClr val="tx1">
-                    <a:lumMod val="65000"/>
-                    <a:lumOff val="35000"/>
-                  </a:schemeClr>
-                </a:solidFill>
-                <a:latin typeface="苹方-简" panose="020B0400000000000000" pitchFamily="34" charset="-128"/>
-                <a:ea typeface="苹方-简" panose="020B0400000000000000" pitchFamily="34" charset="-128"/>
-              </a:rPr>
-              <a:t>我</a:t>
-            </a:r>
-            <a:endParaRPr lang="en-US" altLang="zh-CN" sz="4800" b="1" dirty="0">
-              <a:solidFill>
-                <a:schemeClr val="tx1">
-                  <a:lumMod val="65000"/>
-                  <a:lumOff val="35000"/>
-                </a:schemeClr>
-              </a:solidFill>
-              <a:latin typeface="苹方-简" panose="020B0400000000000000" pitchFamily="34" charset="-128"/>
-              <a:ea typeface="苹方-简" panose="020B0400000000000000" pitchFamily="34" charset="-128"/>
-            </a:endParaRPr>
-          </a:p>
-          <a:p>
-            <a:pPr algn="r"/>
-            <a:r>
-              <a:rPr lang="zh-CN" altLang="en-US" sz="4800" b="1" dirty="0">
-                <a:solidFill>
-                  <a:schemeClr val="tx1">
-                    <a:lumMod val="65000"/>
-                    <a:lumOff val="35000"/>
-                  </a:schemeClr>
-                </a:solidFill>
-                <a:latin typeface="苹方-简" panose="020B0400000000000000" pitchFamily="34" charset="-128"/>
-                <a:ea typeface="苹方-简" panose="020B0400000000000000" pitchFamily="34" charset="-128"/>
-              </a:rPr>
-              <a:t>希望录制</a:t>
-            </a:r>
-            <a:endParaRPr lang="en-US" altLang="zh-CN" sz="4800" b="1" dirty="0">
-              <a:solidFill>
-                <a:schemeClr val="tx1">
-                  <a:lumMod val="65000"/>
-                  <a:lumOff val="35000"/>
-                </a:schemeClr>
-              </a:solidFill>
-              <a:latin typeface="苹方-简" panose="020B0400000000000000" pitchFamily="34" charset="-128"/>
-              <a:ea typeface="苹方-简" panose="020B0400000000000000" pitchFamily="34" charset="-128"/>
-            </a:endParaRPr>
-          </a:p>
-          <a:p>
-            <a:pPr algn="r"/>
-            <a:r>
-              <a:rPr lang="zh-CN" altLang="en-US" sz="4800" b="1" dirty="0">
-                <a:solidFill>
-                  <a:schemeClr val="tx1">
-                    <a:lumMod val="65000"/>
-                    <a:lumOff val="35000"/>
-                  </a:schemeClr>
-                </a:solidFill>
-                <a:latin typeface="苹方-简" panose="020B0400000000000000" pitchFamily="34" charset="-128"/>
-                <a:ea typeface="苹方-简" panose="020B0400000000000000" pitchFamily="34" charset="-128"/>
-              </a:rPr>
-              <a:t>一门什么课程</a:t>
-            </a:r>
-          </a:p>
-        </p:txBody>
-      </p:sp>
-      <p:sp>
-        <p:nvSpPr>
-          <p:cNvPr id="4" name="文本框 3">
-            <a:extLst>
-              <a:ext uri="{FF2B5EF4-FFF2-40B4-BE49-F238E27FC236}">
-                <a16:creationId xmlns:a16="http://schemas.microsoft.com/office/drawing/2014/main" id="{FD4FEBCB-A276-432B-B79E-55B3CF233D35}"/>
-              </a:ext>
-            </a:extLst>
-          </p:cNvPr>
-          <p:cNvSpPr txBox="1"/>
-          <p:nvPr/>
-        </p:nvSpPr>
-        <p:spPr>
-          <a:xfrm>
-            <a:off x="9581322" y="2970886"/>
-            <a:ext cx="702436" cy="707886"/>
-          </a:xfrm>
-          <a:prstGeom prst="rect">
-            <a:avLst/>
-          </a:prstGeom>
-          <a:noFill/>
-        </p:spPr>
-        <p:txBody>
-          <a:bodyPr wrap="none" rtlCol="0">
-            <a:spAutoFit/>
-          </a:bodyPr>
-          <a:lstStyle/>
-          <a:p>
-            <a:r>
-              <a:rPr lang="en-US" altLang="zh-CN" sz="4000" b="1" dirty="0">
-                <a:solidFill>
-                  <a:srgbClr val="00B050"/>
-                </a:solidFill>
-                <a:latin typeface="苹方-简" panose="020B0400000000000000" pitchFamily="34" charset="-128"/>
-                <a:ea typeface="苹方-简" panose="020B0400000000000000" pitchFamily="34" charset="-128"/>
-              </a:rPr>
-              <a:t>01</a:t>
-            </a:r>
-            <a:endParaRPr lang="zh-CN" altLang="en-US" sz="4000" b="1" dirty="0">
-              <a:solidFill>
-                <a:srgbClr val="00B050"/>
-              </a:solidFill>
-              <a:latin typeface="苹方-简" panose="020B0400000000000000" pitchFamily="34" charset="-128"/>
-              <a:ea typeface="苹方-简" panose="020B0400000000000000" pitchFamily="34" charset="-128"/>
-            </a:endParaRPr>
-          </a:p>
-        </p:txBody>
-      </p:sp>
-      <p:sp>
-        <p:nvSpPr>
-          <p:cNvPr id="5" name="文本框 4">
-            <a:extLst>
-              <a:ext uri="{FF2B5EF4-FFF2-40B4-BE49-F238E27FC236}">
-                <a16:creationId xmlns:a16="http://schemas.microsoft.com/office/drawing/2014/main" id="{44445533-2C92-41C6-9AD7-3472E2180B39}"/>
-              </a:ext>
-            </a:extLst>
-          </p:cNvPr>
-          <p:cNvSpPr txBox="1"/>
-          <p:nvPr/>
-        </p:nvSpPr>
-        <p:spPr>
-          <a:xfrm>
-            <a:off x="10508974" y="3063219"/>
-            <a:ext cx="1620957" cy="523220"/>
-          </a:xfrm>
-          <a:prstGeom prst="rect">
-            <a:avLst/>
-          </a:prstGeom>
-          <a:noFill/>
-        </p:spPr>
-        <p:txBody>
-          <a:bodyPr wrap="none" rtlCol="0">
-            <a:spAutoFit/>
-          </a:bodyPr>
-          <a:lstStyle/>
-          <a:p>
-            <a:r>
-              <a:rPr lang="zh-CN" altLang="en-US" sz="2800" dirty="0">
-                <a:solidFill>
-                  <a:srgbClr val="00B050"/>
-                </a:solidFill>
-                <a:latin typeface="苹方-简" panose="020B0400000000000000" pitchFamily="34" charset="-128"/>
-                <a:ea typeface="苹方-简" panose="020B0400000000000000" pitchFamily="34" charset="-128"/>
-              </a:rPr>
-              <a:t>提出问题</a:t>
-            </a:r>
-          </a:p>
-        </p:txBody>
-      </p:sp>
-      <p:sp>
-        <p:nvSpPr>
-          <p:cNvPr id="6" name="文本框 5">
-            <a:extLst>
-              <a:ext uri="{FF2B5EF4-FFF2-40B4-BE49-F238E27FC236}">
-                <a16:creationId xmlns:a16="http://schemas.microsoft.com/office/drawing/2014/main" id="{F6AA9288-F264-4A1C-AC91-BF26FFFB579C}"/>
-              </a:ext>
-            </a:extLst>
-          </p:cNvPr>
-          <p:cNvSpPr txBox="1"/>
-          <p:nvPr/>
-        </p:nvSpPr>
-        <p:spPr>
-          <a:xfrm>
-            <a:off x="9581322" y="3803939"/>
-            <a:ext cx="800219" cy="707886"/>
-          </a:xfrm>
-          <a:prstGeom prst="rect">
-            <a:avLst/>
-          </a:prstGeom>
-          <a:noFill/>
-        </p:spPr>
-        <p:txBody>
-          <a:bodyPr wrap="none" rtlCol="0">
-            <a:spAutoFit/>
-          </a:bodyPr>
-          <a:lstStyle/>
-          <a:p>
-            <a:r>
-              <a:rPr lang="en-US" altLang="zh-CN" sz="4000" b="1" dirty="0">
-                <a:solidFill>
-                  <a:srgbClr val="00B050"/>
-                </a:solidFill>
-                <a:latin typeface="苹方-简" panose="020B0400000000000000" pitchFamily="34" charset="-128"/>
-                <a:ea typeface="苹方-简" panose="020B0400000000000000" pitchFamily="34" charset="-128"/>
-              </a:rPr>
-              <a:t>02</a:t>
-            </a:r>
-            <a:endParaRPr lang="zh-CN" altLang="en-US" sz="4000" b="1" dirty="0">
-              <a:solidFill>
-                <a:srgbClr val="00B050"/>
-              </a:solidFill>
-              <a:latin typeface="苹方-简" panose="020B0400000000000000" pitchFamily="34" charset="-128"/>
-              <a:ea typeface="苹方-简" panose="020B0400000000000000" pitchFamily="34" charset="-128"/>
-            </a:endParaRPr>
-          </a:p>
-        </p:txBody>
-      </p:sp>
-      <p:sp>
-        <p:nvSpPr>
-          <p:cNvPr id="7" name="文本框 6">
-            <a:extLst>
-              <a:ext uri="{FF2B5EF4-FFF2-40B4-BE49-F238E27FC236}">
-                <a16:creationId xmlns:a16="http://schemas.microsoft.com/office/drawing/2014/main" id="{35C8ECEE-B9AA-4D59-845A-774E14E9A9C2}"/>
-              </a:ext>
-            </a:extLst>
-          </p:cNvPr>
-          <p:cNvSpPr txBox="1"/>
-          <p:nvPr/>
-        </p:nvSpPr>
-        <p:spPr>
-          <a:xfrm>
-            <a:off x="10508974" y="3896272"/>
-            <a:ext cx="1620957" cy="523220"/>
-          </a:xfrm>
-          <a:prstGeom prst="rect">
-            <a:avLst/>
-          </a:prstGeom>
-          <a:noFill/>
-        </p:spPr>
-        <p:txBody>
-          <a:bodyPr wrap="none" rtlCol="0">
-            <a:spAutoFit/>
-          </a:bodyPr>
-          <a:lstStyle/>
-          <a:p>
-            <a:r>
-              <a:rPr lang="zh-CN" altLang="en-US" sz="2800" dirty="0">
-                <a:solidFill>
-                  <a:srgbClr val="00B050"/>
-                </a:solidFill>
-                <a:latin typeface="苹方-简" panose="020B0400000000000000" pitchFamily="34" charset="-128"/>
-                <a:ea typeface="苹方-简" panose="020B0400000000000000" pitchFamily="34" charset="-128"/>
-              </a:rPr>
-              <a:t>分析问题</a:t>
-            </a:r>
-          </a:p>
-        </p:txBody>
-      </p:sp>
-      <p:sp>
-        <p:nvSpPr>
-          <p:cNvPr id="8" name="文本框 7">
-            <a:extLst>
-              <a:ext uri="{FF2B5EF4-FFF2-40B4-BE49-F238E27FC236}">
-                <a16:creationId xmlns:a16="http://schemas.microsoft.com/office/drawing/2014/main" id="{A20FD4D8-EDB7-4E8F-B717-718C6B766894}"/>
-              </a:ext>
-            </a:extLst>
-          </p:cNvPr>
-          <p:cNvSpPr txBox="1"/>
-          <p:nvPr/>
-        </p:nvSpPr>
-        <p:spPr>
-          <a:xfrm>
-            <a:off x="9581322" y="4636992"/>
-            <a:ext cx="800219" cy="707886"/>
-          </a:xfrm>
-          <a:prstGeom prst="rect">
-            <a:avLst/>
-          </a:prstGeom>
-          <a:noFill/>
-        </p:spPr>
-        <p:txBody>
-          <a:bodyPr wrap="none" rtlCol="0">
-            <a:spAutoFit/>
-          </a:bodyPr>
-          <a:lstStyle/>
-          <a:p>
-            <a:r>
-              <a:rPr lang="en-US" altLang="zh-CN" sz="4000" b="1" dirty="0">
-                <a:solidFill>
-                  <a:srgbClr val="00B050"/>
-                </a:solidFill>
-                <a:latin typeface="苹方-简" panose="020B0400000000000000" pitchFamily="34" charset="-128"/>
-                <a:ea typeface="苹方-简" panose="020B0400000000000000" pitchFamily="34" charset="-128"/>
-              </a:rPr>
-              <a:t>03</a:t>
-            </a:r>
-            <a:endParaRPr lang="zh-CN" altLang="en-US" sz="4000" b="1" dirty="0">
-              <a:solidFill>
-                <a:srgbClr val="00B050"/>
-              </a:solidFill>
-              <a:latin typeface="苹方-简" panose="020B0400000000000000" pitchFamily="34" charset="-128"/>
-              <a:ea typeface="苹方-简" panose="020B0400000000000000" pitchFamily="34" charset="-128"/>
-            </a:endParaRPr>
-          </a:p>
-        </p:txBody>
-      </p:sp>
-      <p:sp>
-        <p:nvSpPr>
-          <p:cNvPr id="9" name="文本框 8">
-            <a:extLst>
-              <a:ext uri="{FF2B5EF4-FFF2-40B4-BE49-F238E27FC236}">
-                <a16:creationId xmlns:a16="http://schemas.microsoft.com/office/drawing/2014/main" id="{7FFFBF05-AA25-4098-953F-45BC9B2832AA}"/>
-              </a:ext>
-            </a:extLst>
-          </p:cNvPr>
-          <p:cNvSpPr txBox="1"/>
-          <p:nvPr/>
-        </p:nvSpPr>
-        <p:spPr>
-          <a:xfrm>
-            <a:off x="10508974" y="4729325"/>
-            <a:ext cx="1620957" cy="523220"/>
-          </a:xfrm>
-          <a:prstGeom prst="rect">
-            <a:avLst/>
-          </a:prstGeom>
-          <a:noFill/>
-        </p:spPr>
-        <p:txBody>
-          <a:bodyPr wrap="none" rtlCol="0">
-            <a:spAutoFit/>
-          </a:bodyPr>
-          <a:lstStyle/>
-          <a:p>
-            <a:r>
-              <a:rPr lang="zh-CN" altLang="en-US" sz="2800" dirty="0">
-                <a:solidFill>
-                  <a:srgbClr val="00B050"/>
-                </a:solidFill>
-                <a:latin typeface="苹方-简" panose="020B0400000000000000" pitchFamily="34" charset="-128"/>
-                <a:ea typeface="苹方-简" panose="020B0400000000000000" pitchFamily="34" charset="-128"/>
-              </a:rPr>
-              <a:t>解决问题</a:t>
-            </a:r>
-          </a:p>
-        </p:txBody>
-      </p:sp>
-      <p:sp>
-        <p:nvSpPr>
-          <p:cNvPr id="11" name="文本框 10">
-            <a:extLst>
-              <a:ext uri="{FF2B5EF4-FFF2-40B4-BE49-F238E27FC236}">
-                <a16:creationId xmlns:a16="http://schemas.microsoft.com/office/drawing/2014/main" id="{16749901-8A31-4BDE-8909-A3D8E9C15D3C}"/>
-              </a:ext>
-            </a:extLst>
-          </p:cNvPr>
-          <p:cNvSpPr txBox="1"/>
-          <p:nvPr/>
-        </p:nvSpPr>
-        <p:spPr>
-          <a:xfrm>
-            <a:off x="9581322" y="5470045"/>
-            <a:ext cx="800219" cy="707886"/>
-          </a:xfrm>
-          <a:prstGeom prst="rect">
-            <a:avLst/>
-          </a:prstGeom>
-          <a:noFill/>
-        </p:spPr>
-        <p:txBody>
-          <a:bodyPr wrap="none" rtlCol="0">
-            <a:spAutoFit/>
-          </a:bodyPr>
-          <a:lstStyle/>
-          <a:p>
-            <a:r>
-              <a:rPr lang="en-US" altLang="zh-CN" sz="4000" b="1" dirty="0">
-                <a:solidFill>
-                  <a:srgbClr val="00B050"/>
-                </a:solidFill>
-                <a:latin typeface="苹方-简" panose="020B0400000000000000" pitchFamily="34" charset="-128"/>
-                <a:ea typeface="苹方-简" panose="020B0400000000000000" pitchFamily="34" charset="-128"/>
-              </a:rPr>
-              <a:t>04</a:t>
-            </a:r>
-            <a:endParaRPr lang="zh-CN" altLang="en-US" sz="4000" b="1" dirty="0">
-              <a:solidFill>
-                <a:srgbClr val="00B050"/>
-              </a:solidFill>
-              <a:latin typeface="苹方-简" panose="020B0400000000000000" pitchFamily="34" charset="-128"/>
-              <a:ea typeface="苹方-简" panose="020B0400000000000000" pitchFamily="34" charset="-128"/>
-            </a:endParaRPr>
-          </a:p>
-        </p:txBody>
-      </p:sp>
-      <p:sp>
-        <p:nvSpPr>
-          <p:cNvPr id="12" name="文本框 11">
-            <a:extLst>
-              <a:ext uri="{FF2B5EF4-FFF2-40B4-BE49-F238E27FC236}">
-                <a16:creationId xmlns:a16="http://schemas.microsoft.com/office/drawing/2014/main" id="{34C98AC0-2630-455B-AC56-5A75A9D5D279}"/>
-              </a:ext>
-            </a:extLst>
-          </p:cNvPr>
-          <p:cNvSpPr txBox="1"/>
-          <p:nvPr/>
-        </p:nvSpPr>
-        <p:spPr>
-          <a:xfrm>
-            <a:off x="10508974" y="5562378"/>
-            <a:ext cx="2339102" cy="523220"/>
-          </a:xfrm>
-          <a:prstGeom prst="rect">
-            <a:avLst/>
-          </a:prstGeom>
-          <a:noFill/>
-        </p:spPr>
-        <p:txBody>
-          <a:bodyPr wrap="none" rtlCol="0">
-            <a:spAutoFit/>
-          </a:bodyPr>
-          <a:lstStyle/>
-          <a:p>
-            <a:r>
-              <a:rPr lang="zh-CN" altLang="en-US" sz="2800" dirty="0">
-                <a:solidFill>
-                  <a:srgbClr val="00B050"/>
-                </a:solidFill>
-                <a:latin typeface="苹方-简" panose="020B0400000000000000" pitchFamily="34" charset="-128"/>
-                <a:ea typeface="苹方-简" panose="020B0400000000000000" pitchFamily="34" charset="-128"/>
-              </a:rPr>
-              <a:t>实际代码阅读</a:t>
-            </a:r>
-          </a:p>
-        </p:txBody>
-      </p:sp>
-      <p:sp>
-        <p:nvSpPr>
-          <p:cNvPr id="13" name="文本框 12">
-            <a:extLst>
-              <a:ext uri="{FF2B5EF4-FFF2-40B4-BE49-F238E27FC236}">
-                <a16:creationId xmlns:a16="http://schemas.microsoft.com/office/drawing/2014/main" id="{0CD18CCD-D6AB-4752-872B-66391613F701}"/>
-              </a:ext>
-            </a:extLst>
-          </p:cNvPr>
-          <p:cNvSpPr txBox="1"/>
-          <p:nvPr/>
-        </p:nvSpPr>
-        <p:spPr>
-          <a:xfrm>
-            <a:off x="9581322" y="6303100"/>
-            <a:ext cx="800219" cy="707886"/>
-          </a:xfrm>
-          <a:prstGeom prst="rect">
-            <a:avLst/>
-          </a:prstGeom>
-          <a:noFill/>
-        </p:spPr>
-        <p:txBody>
-          <a:bodyPr wrap="none" rtlCol="0">
-            <a:spAutoFit/>
-          </a:bodyPr>
-          <a:lstStyle/>
-          <a:p>
-            <a:r>
-              <a:rPr lang="en-US" altLang="zh-CN" sz="4000" b="1" dirty="0">
-                <a:solidFill>
-                  <a:srgbClr val="00B050"/>
-                </a:solidFill>
-                <a:latin typeface="苹方-简" panose="020B0400000000000000" pitchFamily="34" charset="-128"/>
-                <a:ea typeface="苹方-简" panose="020B0400000000000000" pitchFamily="34" charset="-128"/>
-              </a:rPr>
-              <a:t>05</a:t>
-            </a:r>
-            <a:endParaRPr lang="zh-CN" altLang="en-US" sz="4000" b="1" dirty="0">
-              <a:solidFill>
-                <a:srgbClr val="00B050"/>
-              </a:solidFill>
-              <a:latin typeface="苹方-简" panose="020B0400000000000000" pitchFamily="34" charset="-128"/>
-              <a:ea typeface="苹方-简" panose="020B0400000000000000" pitchFamily="34" charset="-128"/>
-            </a:endParaRPr>
-          </a:p>
-        </p:txBody>
-      </p:sp>
-      <p:sp>
-        <p:nvSpPr>
-          <p:cNvPr id="14" name="文本框 13">
-            <a:extLst>
-              <a:ext uri="{FF2B5EF4-FFF2-40B4-BE49-F238E27FC236}">
-                <a16:creationId xmlns:a16="http://schemas.microsoft.com/office/drawing/2014/main" id="{721AFBE6-B270-445C-A44C-B9124991A7AF}"/>
-              </a:ext>
-            </a:extLst>
-          </p:cNvPr>
-          <p:cNvSpPr txBox="1"/>
-          <p:nvPr/>
-        </p:nvSpPr>
-        <p:spPr>
-          <a:xfrm>
-            <a:off x="10508974" y="6395433"/>
-            <a:ext cx="2339102" cy="523220"/>
-          </a:xfrm>
-          <a:prstGeom prst="rect">
-            <a:avLst/>
-          </a:prstGeom>
-          <a:noFill/>
-        </p:spPr>
-        <p:txBody>
-          <a:bodyPr wrap="none" rtlCol="0">
-            <a:spAutoFit/>
-          </a:bodyPr>
-          <a:lstStyle/>
-          <a:p>
-            <a:r>
-              <a:rPr lang="zh-CN" altLang="en-US" sz="2800" dirty="0">
-                <a:solidFill>
-                  <a:srgbClr val="00B050"/>
-                </a:solidFill>
-                <a:latin typeface="苹方-简" panose="020B0400000000000000" pitchFamily="34" charset="-128"/>
-                <a:ea typeface="苹方-简" panose="020B0400000000000000" pitchFamily="34" charset="-128"/>
-              </a:rPr>
-              <a:t>开源代码思路</a:t>
-            </a:r>
-          </a:p>
-        </p:txBody>
-      </p:sp>
-      <p:grpSp>
-        <p:nvGrpSpPr>
-          <p:cNvPr id="15" name="组合 14">
-            <a:extLst>
-              <a:ext uri="{FF2B5EF4-FFF2-40B4-BE49-F238E27FC236}">
-                <a16:creationId xmlns:a16="http://schemas.microsoft.com/office/drawing/2014/main" id="{0CEE1E1F-47CF-4490-A128-D89C8FE2E82C}"/>
-              </a:ext>
-            </a:extLst>
-          </p:cNvPr>
-          <p:cNvGrpSpPr/>
-          <p:nvPr/>
-        </p:nvGrpSpPr>
-        <p:grpSpPr>
-          <a:xfrm>
-            <a:off x="5567664" y="2624828"/>
-            <a:ext cx="1465399" cy="1400001"/>
-            <a:chOff x="2307000" y="6578633"/>
-            <a:chExt cx="1465399" cy="1400001"/>
-          </a:xfrm>
-        </p:grpSpPr>
-        <p:sp>
-          <p:nvSpPr>
-            <p:cNvPr id="16" name="椭圆 15">
-              <a:extLst>
-                <a:ext uri="{FF2B5EF4-FFF2-40B4-BE49-F238E27FC236}">
-                  <a16:creationId xmlns:a16="http://schemas.microsoft.com/office/drawing/2014/main" id="{24F4B89A-79A1-4F16-8909-B93CD6B18DC5}"/>
-                </a:ext>
-              </a:extLst>
-            </p:cNvPr>
-            <p:cNvSpPr/>
-            <p:nvPr/>
-          </p:nvSpPr>
-          <p:spPr>
-            <a:xfrm>
-              <a:off x="2667000" y="6906867"/>
-              <a:ext cx="720000" cy="720000"/>
-            </a:xfrm>
-            <a:prstGeom prst="ellipse">
-              <a:avLst/>
-            </a:prstGeom>
-            <a:solidFill>
-              <a:srgbClr val="00B050">
-                <a:alpha val="55000"/>
-              </a:srgbClr>
-            </a:solidFill>
-            <a:ln>
-              <a:noFill/>
-            </a:ln>
-          </p:spPr>
-          <p:style>
-            <a:lnRef idx="2">
-              <a:schemeClr val="accent1">
-                <a:shade val="50000"/>
-              </a:schemeClr>
-            </a:lnRef>
-            <a:fillRef idx="1">
-              <a:schemeClr val="accent1"/>
-            </a:fillRef>
-            <a:effectRef idx="0">
-              <a:schemeClr val="accent1"/>
-            </a:effectRef>
-            <a:fontRef idx="minor">
-              <a:schemeClr val="lt1"/>
-            </a:fontRef>
-          </p:style>
-          <p:txBody>
-            <a:bodyPr rtlCol="0" anchor="ctr"/>
-            <a:lstStyle/>
-            <a:p>
-              <a:pPr algn="ctr"/>
-              <a:endParaRPr lang="zh-CN" altLang="en-US"/>
-            </a:p>
-          </p:txBody>
-        </p:sp>
-        <p:sp>
-          <p:nvSpPr>
-            <p:cNvPr id="17" name="弧形 16">
-              <a:extLst>
-                <a:ext uri="{FF2B5EF4-FFF2-40B4-BE49-F238E27FC236}">
-                  <a16:creationId xmlns:a16="http://schemas.microsoft.com/office/drawing/2014/main" id="{8844145D-7156-4F40-9E57-427022DC084F}"/>
-                </a:ext>
-              </a:extLst>
-            </p:cNvPr>
-            <p:cNvSpPr/>
-            <p:nvPr/>
-          </p:nvSpPr>
-          <p:spPr>
-            <a:xfrm>
-              <a:off x="2307000" y="7258634"/>
-              <a:ext cx="720000" cy="720000"/>
-            </a:xfrm>
-            <a:prstGeom prst="arc">
-              <a:avLst/>
-            </a:prstGeom>
-            <a:ln>
-              <a:solidFill>
-                <a:schemeClr val="bg1"/>
-              </a:solidFill>
-            </a:ln>
-          </p:spPr>
-          <p:style>
-            <a:lnRef idx="1">
-              <a:schemeClr val="accent1"/>
-            </a:lnRef>
-            <a:fillRef idx="0">
-              <a:schemeClr val="accent1"/>
-            </a:fillRef>
-            <a:effectRef idx="0">
-              <a:schemeClr val="accent1"/>
-            </a:effectRef>
-            <a:fontRef idx="minor">
-              <a:schemeClr val="tx1"/>
-            </a:fontRef>
-          </p:style>
-          <p:txBody>
-            <a:bodyPr rtlCol="0" anchor="ctr"/>
-            <a:lstStyle/>
-            <a:p>
-              <a:pPr algn="ctr"/>
-              <a:endParaRPr lang="zh-CN" altLang="en-US"/>
-            </a:p>
-          </p:txBody>
-        </p:sp>
-        <p:sp>
-          <p:nvSpPr>
-            <p:cNvPr id="18" name="弧形 17">
-              <a:extLst>
-                <a:ext uri="{FF2B5EF4-FFF2-40B4-BE49-F238E27FC236}">
-                  <a16:creationId xmlns:a16="http://schemas.microsoft.com/office/drawing/2014/main" id="{8D3768B9-312C-4EB6-A930-5535C27F6D66}"/>
-                </a:ext>
-              </a:extLst>
-            </p:cNvPr>
-            <p:cNvSpPr/>
-            <p:nvPr/>
-          </p:nvSpPr>
-          <p:spPr>
-            <a:xfrm rot="11032779">
-              <a:off x="3052399" y="6578633"/>
-              <a:ext cx="720000" cy="720000"/>
-            </a:xfrm>
-            <a:prstGeom prst="arc">
-              <a:avLst/>
-            </a:prstGeom>
-            <a:ln>
-              <a:solidFill>
-                <a:schemeClr val="bg1"/>
-              </a:solidFill>
-            </a:ln>
-          </p:spPr>
-          <p:style>
-            <a:lnRef idx="1">
-              <a:schemeClr val="accent1"/>
-            </a:lnRef>
-            <a:fillRef idx="0">
-              <a:schemeClr val="accent1"/>
-            </a:fillRef>
-            <a:effectRef idx="0">
-              <a:schemeClr val="accent1"/>
-            </a:effectRef>
-            <a:fontRef idx="minor">
-              <a:schemeClr val="tx1"/>
-            </a:fontRef>
-          </p:style>
-          <p:txBody>
-            <a:bodyPr rtlCol="0" anchor="ctr"/>
-            <a:lstStyle/>
-            <a:p>
-              <a:pPr algn="ctr"/>
-              <a:endParaRPr lang="zh-CN" altLang="en-US"/>
-            </a:p>
-          </p:txBody>
-        </p:sp>
-      </p:grpSp>
-      <p:sp>
-        <p:nvSpPr>
-          <p:cNvPr id="19" name="矩形 18">
-            <a:extLst>
-              <a:ext uri="{FF2B5EF4-FFF2-40B4-BE49-F238E27FC236}">
-                <a16:creationId xmlns:a16="http://schemas.microsoft.com/office/drawing/2014/main" id="{A0971359-09AD-4545-883B-67EDA6130C97}"/>
-              </a:ext>
-            </a:extLst>
-          </p:cNvPr>
-          <p:cNvSpPr/>
-          <p:nvPr/>
-        </p:nvSpPr>
-        <p:spPr>
-          <a:xfrm>
-            <a:off x="-1" y="9000263"/>
-            <a:ext cx="17279938" cy="720000"/>
-          </a:xfrm>
-          <a:prstGeom prst="rect">
-            <a:avLst/>
-          </a:prstGeom>
-          <a:solidFill>
-            <a:srgbClr val="75CEDE">
-              <a:alpha val="50000"/>
-            </a:srgbClr>
-          </a:solidFill>
-          <a:ln>
-            <a:noFill/>
-          </a:ln>
-        </p:spPr>
-        <p:style>
-          <a:lnRef idx="2">
-            <a:schemeClr val="accent1">
-              <a:shade val="50000"/>
-            </a:schemeClr>
-          </a:lnRef>
-          <a:fillRef idx="1">
-            <a:schemeClr val="accent1"/>
-          </a:fillRef>
-          <a:effectRef idx="0">
-            <a:schemeClr val="accent1"/>
-          </a:effectRef>
-          <a:fontRef idx="minor">
-            <a:schemeClr val="lt1"/>
-          </a:fontRef>
-        </p:style>
-        <p:txBody>
-          <a:bodyPr rtlCol="0" anchor="ctr"/>
-          <a:lstStyle/>
-          <a:p>
-            <a:pPr algn="ctr"/>
-            <a:endParaRPr lang="zh-CN" altLang="en-US"/>
-          </a:p>
-        </p:txBody>
-      </p:sp>
-      <p:grpSp>
-        <p:nvGrpSpPr>
-          <p:cNvPr id="20" name="组合 19">
-            <a:extLst>
-              <a:ext uri="{FF2B5EF4-FFF2-40B4-BE49-F238E27FC236}">
-                <a16:creationId xmlns:a16="http://schemas.microsoft.com/office/drawing/2014/main" id="{FE4AD9D4-1066-4101-A67C-5F5E72824444}"/>
-              </a:ext>
-            </a:extLst>
-          </p:cNvPr>
-          <p:cNvGrpSpPr/>
-          <p:nvPr/>
-        </p:nvGrpSpPr>
-        <p:grpSpPr>
-          <a:xfrm>
-            <a:off x="195549" y="8862379"/>
-            <a:ext cx="1042283" cy="995768"/>
-            <a:chOff x="195549" y="8862379"/>
-            <a:chExt cx="1042283" cy="995768"/>
-          </a:xfrm>
-        </p:grpSpPr>
-        <p:sp>
-          <p:nvSpPr>
-            <p:cNvPr id="21" name="椭圆 20">
-              <a:extLst>
-                <a:ext uri="{FF2B5EF4-FFF2-40B4-BE49-F238E27FC236}">
-                  <a16:creationId xmlns:a16="http://schemas.microsoft.com/office/drawing/2014/main" id="{E9B5BAD0-A6FA-4F0B-B947-F05E4F201B53}"/>
-                </a:ext>
-              </a:extLst>
-            </p:cNvPr>
-            <p:cNvSpPr/>
-            <p:nvPr/>
-          </p:nvSpPr>
-          <p:spPr>
-            <a:xfrm>
-              <a:off x="451603" y="9095839"/>
-              <a:ext cx="512109" cy="512109"/>
-            </a:xfrm>
-            <a:prstGeom prst="ellipse">
-              <a:avLst/>
-            </a:prstGeom>
-            <a:solidFill>
-              <a:schemeClr val="bg1">
-                <a:alpha val="55000"/>
-              </a:schemeClr>
-            </a:solidFill>
-            <a:ln>
-              <a:noFill/>
-            </a:ln>
-          </p:spPr>
-          <p:style>
-            <a:lnRef idx="2">
-              <a:schemeClr val="accent1">
-                <a:shade val="50000"/>
-              </a:schemeClr>
-            </a:lnRef>
-            <a:fillRef idx="1">
-              <a:schemeClr val="accent1"/>
-            </a:fillRef>
-            <a:effectRef idx="0">
-              <a:schemeClr val="accent1"/>
-            </a:effectRef>
-            <a:fontRef idx="minor">
-              <a:schemeClr val="lt1"/>
-            </a:fontRef>
-          </p:style>
-          <p:txBody>
-            <a:bodyPr rtlCol="0" anchor="ctr"/>
-            <a:lstStyle/>
-            <a:p>
-              <a:pPr algn="ctr"/>
-              <a:endParaRPr lang="zh-CN" altLang="en-US"/>
-            </a:p>
-          </p:txBody>
-        </p:sp>
-        <p:sp>
-          <p:nvSpPr>
-            <p:cNvPr id="22" name="弧形 21">
-              <a:extLst>
-                <a:ext uri="{FF2B5EF4-FFF2-40B4-BE49-F238E27FC236}">
-                  <a16:creationId xmlns:a16="http://schemas.microsoft.com/office/drawing/2014/main" id="{5D5F7F73-6207-4637-A3F7-E068353D4E62}"/>
-                </a:ext>
-              </a:extLst>
-            </p:cNvPr>
-            <p:cNvSpPr/>
-            <p:nvPr/>
-          </p:nvSpPr>
-          <p:spPr>
-            <a:xfrm>
-              <a:off x="195549" y="9346038"/>
-              <a:ext cx="512109" cy="512109"/>
-            </a:xfrm>
-            <a:prstGeom prst="arc">
-              <a:avLst/>
-            </a:prstGeom>
-            <a:ln>
-              <a:solidFill>
-                <a:schemeClr val="bg1"/>
-              </a:solidFill>
-            </a:ln>
-          </p:spPr>
-          <p:style>
-            <a:lnRef idx="1">
-              <a:schemeClr val="accent1"/>
-            </a:lnRef>
-            <a:fillRef idx="0">
-              <a:schemeClr val="accent1"/>
-            </a:fillRef>
-            <a:effectRef idx="0">
-              <a:schemeClr val="accent1"/>
-            </a:effectRef>
-            <a:fontRef idx="minor">
-              <a:schemeClr val="tx1"/>
-            </a:fontRef>
-          </p:style>
-          <p:txBody>
-            <a:bodyPr rtlCol="0" anchor="ctr"/>
-            <a:lstStyle/>
-            <a:p>
-              <a:pPr algn="ctr"/>
-              <a:endParaRPr lang="zh-CN" altLang="en-US"/>
-            </a:p>
-          </p:txBody>
-        </p:sp>
-        <p:sp>
-          <p:nvSpPr>
-            <p:cNvPr id="23" name="弧形 22">
-              <a:extLst>
-                <a:ext uri="{FF2B5EF4-FFF2-40B4-BE49-F238E27FC236}">
-                  <a16:creationId xmlns:a16="http://schemas.microsoft.com/office/drawing/2014/main" id="{EF7503CE-EF5B-44C6-8057-F271FC6FE7DC}"/>
-                </a:ext>
-              </a:extLst>
-            </p:cNvPr>
-            <p:cNvSpPr/>
-            <p:nvPr/>
-          </p:nvSpPr>
-          <p:spPr>
-            <a:xfrm rot="11032779">
-              <a:off x="725723" y="8862379"/>
-              <a:ext cx="512109" cy="512109"/>
-            </a:xfrm>
-            <a:prstGeom prst="arc">
-              <a:avLst/>
-            </a:prstGeom>
-            <a:ln>
-              <a:solidFill>
-                <a:schemeClr val="bg1"/>
-              </a:solidFill>
-            </a:ln>
-          </p:spPr>
-          <p:style>
-            <a:lnRef idx="1">
-              <a:schemeClr val="accent1"/>
-            </a:lnRef>
-            <a:fillRef idx="0">
-              <a:schemeClr val="accent1"/>
-            </a:fillRef>
-            <a:effectRef idx="0">
-              <a:schemeClr val="accent1"/>
-            </a:effectRef>
-            <a:fontRef idx="minor">
-              <a:schemeClr val="tx1"/>
-            </a:fontRef>
-          </p:style>
-          <p:txBody>
-            <a:bodyPr rtlCol="0" anchor="ctr"/>
-            <a:lstStyle/>
-            <a:p>
-              <a:pPr algn="ctr"/>
-              <a:endParaRPr lang="zh-CN" altLang="en-US"/>
-            </a:p>
-          </p:txBody>
-        </p:sp>
-      </p:grpSp>
-      <p:sp>
-        <p:nvSpPr>
-          <p:cNvPr id="24" name="文本框 23">
-            <a:extLst>
-              <a:ext uri="{FF2B5EF4-FFF2-40B4-BE49-F238E27FC236}">
-                <a16:creationId xmlns:a16="http://schemas.microsoft.com/office/drawing/2014/main" id="{CB8DDEE7-4F82-4B74-883A-B445A83C3DF6}"/>
-              </a:ext>
-            </a:extLst>
-          </p:cNvPr>
-          <p:cNvSpPr txBox="1"/>
-          <p:nvPr/>
-        </p:nvSpPr>
-        <p:spPr>
-          <a:xfrm>
-            <a:off x="1088957" y="9217191"/>
-            <a:ext cx="1749197" cy="338554"/>
-          </a:xfrm>
-          <a:prstGeom prst="rect">
-            <a:avLst/>
-          </a:prstGeom>
-          <a:noFill/>
-        </p:spPr>
-        <p:txBody>
-          <a:bodyPr wrap="none" rtlCol="0">
-            <a:spAutoFit/>
-          </a:bodyPr>
-          <a:lstStyle/>
-          <a:p>
-            <a:r>
-              <a:rPr lang="en-US" altLang="zh-CN" sz="1600" dirty="0">
-                <a:solidFill>
-                  <a:schemeClr val="bg1"/>
-                </a:solidFill>
-                <a:latin typeface="苹方-简" panose="020B0400000000000000" pitchFamily="34" charset="-128"/>
-                <a:ea typeface="苹方-简" panose="020B0400000000000000" pitchFamily="34" charset="-128"/>
-              </a:rPr>
-              <a:t>Golang </a:t>
-            </a:r>
-            <a:r>
-              <a:rPr lang="zh-CN" altLang="en-US" sz="1600" dirty="0">
-                <a:solidFill>
-                  <a:schemeClr val="bg1"/>
-                </a:solidFill>
-                <a:latin typeface="苹方-简" panose="020B0400000000000000" pitchFamily="34" charset="-128"/>
-                <a:ea typeface="苹方-简" panose="020B0400000000000000" pitchFamily="34" charset="-128"/>
-              </a:rPr>
-              <a:t>学习专栏</a:t>
-            </a:r>
-          </a:p>
-        </p:txBody>
-      </p:sp>
-      <p:sp>
-        <p:nvSpPr>
-          <p:cNvPr id="25" name="椭圆 24">
-            <a:extLst>
-              <a:ext uri="{FF2B5EF4-FFF2-40B4-BE49-F238E27FC236}">
-                <a16:creationId xmlns:a16="http://schemas.microsoft.com/office/drawing/2014/main" id="{30FF372C-C598-4334-B7A3-652D435DADD5}"/>
-              </a:ext>
-            </a:extLst>
-          </p:cNvPr>
-          <p:cNvSpPr/>
-          <p:nvPr/>
-        </p:nvSpPr>
-        <p:spPr>
-          <a:xfrm>
-            <a:off x="16379124" y="9170092"/>
-            <a:ext cx="432000" cy="432000"/>
-          </a:xfrm>
-          <a:prstGeom prst="ellipse">
-            <a:avLst/>
-          </a:prstGeom>
-          <a:solidFill>
-            <a:schemeClr val="bg1"/>
-          </a:solidFill>
-          <a:ln>
-            <a:noFill/>
-          </a:ln>
-        </p:spPr>
-        <p:style>
-          <a:lnRef idx="2">
-            <a:schemeClr val="accent1">
-              <a:shade val="50000"/>
-            </a:schemeClr>
-          </a:lnRef>
-          <a:fillRef idx="1">
-            <a:schemeClr val="accent1"/>
-          </a:fillRef>
-          <a:effectRef idx="0">
-            <a:schemeClr val="accent1"/>
-          </a:effectRef>
-          <a:fontRef idx="minor">
-            <a:schemeClr val="lt1"/>
-          </a:fontRef>
-        </p:style>
-        <p:txBody>
-          <a:bodyPr rtlCol="0" anchor="ctr"/>
-          <a:lstStyle/>
-          <a:p>
-            <a:pPr algn="ctr"/>
-            <a:r>
-              <a:rPr lang="en-US" altLang="zh-CN" dirty="0">
-                <a:solidFill>
-                  <a:srgbClr val="75CEDE"/>
-                </a:solidFill>
-                <a:latin typeface="苹方-简" panose="020B0400000000000000" pitchFamily="34" charset="-128"/>
-                <a:ea typeface="苹方-简" panose="020B0400000000000000" pitchFamily="34" charset="-128"/>
-              </a:rPr>
-              <a:t>5</a:t>
-            </a:r>
-            <a:endParaRPr lang="zh-CN" altLang="en-US" dirty="0">
-              <a:solidFill>
-                <a:srgbClr val="75CEDE"/>
-              </a:solidFill>
-              <a:latin typeface="苹方-简" panose="020B0400000000000000" pitchFamily="34" charset="-128"/>
-              <a:ea typeface="苹方-简" panose="020B0400000000000000" pitchFamily="34" charset="-128"/>
-            </a:endParaRPr>
-          </a:p>
-        </p:txBody>
-      </p:sp>
-    </p:spTree>
-    <p:extLst>
-      <p:ext uri="{BB962C8B-B14F-4D97-AF65-F5344CB8AC3E}">
-        <p14:creationId xmlns:p14="http://schemas.microsoft.com/office/powerpoint/2010/main" val="2497090025"/>
       </p:ext>
     </p:extLst>
   </p:cSld>

--- a/PowerPoint/00-01.pptx
+++ b/PowerPoint/00-01.pptx
@@ -12,13 +12,14 @@
     <p:sldId id="259" r:id="rId6"/>
     <p:sldId id="260" r:id="rId7"/>
     <p:sldId id="261" r:id="rId8"/>
-    <p:sldId id="262" r:id="rId9"/>
-    <p:sldId id="263" r:id="rId10"/>
-    <p:sldId id="264" r:id="rId11"/>
-    <p:sldId id="265" r:id="rId12"/>
-    <p:sldId id="266" r:id="rId13"/>
-    <p:sldId id="267" r:id="rId14"/>
-    <p:sldId id="268" r:id="rId15"/>
+    <p:sldId id="270" r:id="rId9"/>
+    <p:sldId id="262" r:id="rId10"/>
+    <p:sldId id="263" r:id="rId11"/>
+    <p:sldId id="264" r:id="rId12"/>
+    <p:sldId id="265" r:id="rId13"/>
+    <p:sldId id="266" r:id="rId14"/>
+    <p:sldId id="267" r:id="rId15"/>
+    <p:sldId id="268" r:id="rId16"/>
   </p:sldIdLst>
   <p:sldSz cx="17279938" cy="9720263"/>
   <p:notesSz cx="6858000" cy="9144000"/>
@@ -267,7 +268,7 @@
           <a:p>
             <a:fld id="{E1BEDBA0-2AE0-4D27-914B-E48EF4652695}" type="datetimeFigureOut">
               <a:rPr lang="zh-CN" altLang="en-US" smtClean="0"/>
-              <a:t>2018/4/10</a:t>
+              <a:t>2018/6/25</a:t>
             </a:fld>
             <a:endParaRPr lang="zh-CN" altLang="en-US"/>
           </a:p>
@@ -437,7 +438,7 @@
           <a:p>
             <a:fld id="{E1BEDBA0-2AE0-4D27-914B-E48EF4652695}" type="datetimeFigureOut">
               <a:rPr lang="zh-CN" altLang="en-US" smtClean="0"/>
-              <a:t>2018/4/10</a:t>
+              <a:t>2018/6/25</a:t>
             </a:fld>
             <a:endParaRPr lang="zh-CN" altLang="en-US"/>
           </a:p>
@@ -617,7 +618,7 @@
           <a:p>
             <a:fld id="{E1BEDBA0-2AE0-4D27-914B-E48EF4652695}" type="datetimeFigureOut">
               <a:rPr lang="zh-CN" altLang="en-US" smtClean="0"/>
-              <a:t>2018/4/10</a:t>
+              <a:t>2018/6/25</a:t>
             </a:fld>
             <a:endParaRPr lang="zh-CN" altLang="en-US"/>
           </a:p>
@@ -787,7 +788,7 @@
           <a:p>
             <a:fld id="{E1BEDBA0-2AE0-4D27-914B-E48EF4652695}" type="datetimeFigureOut">
               <a:rPr lang="zh-CN" altLang="en-US" smtClean="0"/>
-              <a:t>2018/4/10</a:t>
+              <a:t>2018/6/25</a:t>
             </a:fld>
             <a:endParaRPr lang="zh-CN" altLang="en-US"/>
           </a:p>
@@ -1033,7 +1034,7 @@
           <a:p>
             <a:fld id="{E1BEDBA0-2AE0-4D27-914B-E48EF4652695}" type="datetimeFigureOut">
               <a:rPr lang="zh-CN" altLang="en-US" smtClean="0"/>
-              <a:t>2018/4/10</a:t>
+              <a:t>2018/6/25</a:t>
             </a:fld>
             <a:endParaRPr lang="zh-CN" altLang="en-US"/>
           </a:p>
@@ -1265,7 +1266,7 @@
           <a:p>
             <a:fld id="{E1BEDBA0-2AE0-4D27-914B-E48EF4652695}" type="datetimeFigureOut">
               <a:rPr lang="zh-CN" altLang="en-US" smtClean="0"/>
-              <a:t>2018/4/10</a:t>
+              <a:t>2018/6/25</a:t>
             </a:fld>
             <a:endParaRPr lang="zh-CN" altLang="en-US"/>
           </a:p>
@@ -1632,7 +1633,7 @@
           <a:p>
             <a:fld id="{E1BEDBA0-2AE0-4D27-914B-E48EF4652695}" type="datetimeFigureOut">
               <a:rPr lang="zh-CN" altLang="en-US" smtClean="0"/>
-              <a:t>2018/4/10</a:t>
+              <a:t>2018/6/25</a:t>
             </a:fld>
             <a:endParaRPr lang="zh-CN" altLang="en-US"/>
           </a:p>
@@ -1750,7 +1751,7 @@
           <a:p>
             <a:fld id="{E1BEDBA0-2AE0-4D27-914B-E48EF4652695}" type="datetimeFigureOut">
               <a:rPr lang="zh-CN" altLang="en-US" smtClean="0"/>
-              <a:t>2018/4/10</a:t>
+              <a:t>2018/6/25</a:t>
             </a:fld>
             <a:endParaRPr lang="zh-CN" altLang="en-US"/>
           </a:p>
@@ -1845,7 +1846,7 @@
           <a:p>
             <a:fld id="{E1BEDBA0-2AE0-4D27-914B-E48EF4652695}" type="datetimeFigureOut">
               <a:rPr lang="zh-CN" altLang="en-US" smtClean="0"/>
-              <a:t>2018/4/10</a:t>
+              <a:t>2018/6/25</a:t>
             </a:fld>
             <a:endParaRPr lang="zh-CN" altLang="en-US"/>
           </a:p>
@@ -2122,7 +2123,7 @@
           <a:p>
             <a:fld id="{E1BEDBA0-2AE0-4D27-914B-E48EF4652695}" type="datetimeFigureOut">
               <a:rPr lang="zh-CN" altLang="en-US" smtClean="0"/>
-              <a:t>2018/4/10</a:t>
+              <a:t>2018/6/25</a:t>
             </a:fld>
             <a:endParaRPr lang="zh-CN" altLang="en-US"/>
           </a:p>
@@ -2379,7 +2380,7 @@
           <a:p>
             <a:fld id="{E1BEDBA0-2AE0-4D27-914B-E48EF4652695}" type="datetimeFigureOut">
               <a:rPr lang="zh-CN" altLang="en-US" smtClean="0"/>
-              <a:t>2018/4/10</a:t>
+              <a:t>2018/6/25</a:t>
             </a:fld>
             <a:endParaRPr lang="zh-CN" altLang="en-US"/>
           </a:p>
@@ -2592,7 +2593,7 @@
           <a:p>
             <a:fld id="{E1BEDBA0-2AE0-4D27-914B-E48EF4652695}" type="datetimeFigureOut">
               <a:rPr lang="zh-CN" altLang="en-US" smtClean="0"/>
-              <a:t>2018/4/10</a:t>
+              <a:t>2018/6/25</a:t>
             </a:fld>
             <a:endParaRPr lang="zh-CN" altLang="en-US"/>
           </a:p>
@@ -3847,6 +3848,2055 @@
       </p:grpSpPr>
       <p:sp>
         <p:nvSpPr>
+          <p:cNvPr id="2" name="矩形 1">
+            <a:extLst>
+              <a:ext uri="{FF2B5EF4-FFF2-40B4-BE49-F238E27FC236}">
+                <a16:creationId xmlns:a16="http://schemas.microsoft.com/office/drawing/2014/main" id="{DE798F8E-5917-4F2B-97C1-1E7F145243B8}"/>
+              </a:ext>
+            </a:extLst>
+          </p:cNvPr>
+          <p:cNvSpPr/>
+          <p:nvPr/>
+        </p:nvSpPr>
+        <p:spPr>
+          <a:xfrm>
+            <a:off x="1199713" y="732873"/>
+            <a:ext cx="14880512" cy="8256104"/>
+          </a:xfrm>
+          <a:prstGeom prst="rect">
+            <a:avLst/>
+          </a:prstGeom>
+          <a:solidFill>
+            <a:schemeClr val="bg1"/>
+          </a:solidFill>
+          <a:ln>
+            <a:solidFill>
+              <a:schemeClr val="bg2">
+                <a:lumMod val="90000"/>
+              </a:schemeClr>
+            </a:solidFill>
+          </a:ln>
+        </p:spPr>
+        <p:style>
+          <a:lnRef idx="2">
+            <a:schemeClr val="accent1">
+              <a:shade val="50000"/>
+            </a:schemeClr>
+          </a:lnRef>
+          <a:fillRef idx="1">
+            <a:schemeClr val="accent1"/>
+          </a:fillRef>
+          <a:effectRef idx="0">
+            <a:schemeClr val="accent1"/>
+          </a:effectRef>
+          <a:fontRef idx="minor">
+            <a:schemeClr val="lt1"/>
+          </a:fontRef>
+        </p:style>
+        <p:txBody>
+          <a:bodyPr rtlCol="0" anchor="ctr"/>
+          <a:lstStyle/>
+          <a:p>
+            <a:pPr algn="ctr"/>
+            <a:endParaRPr lang="zh-CN" altLang="en-US"/>
+          </a:p>
+        </p:txBody>
+      </p:sp>
+      <p:sp>
+        <p:nvSpPr>
+          <p:cNvPr id="8" name="文本框 7">
+            <a:extLst>
+              <a:ext uri="{FF2B5EF4-FFF2-40B4-BE49-F238E27FC236}">
+                <a16:creationId xmlns:a16="http://schemas.microsoft.com/office/drawing/2014/main" id="{A49A2F36-33A9-4269-9FB4-A11F84E9DDD5}"/>
+              </a:ext>
+            </a:extLst>
+          </p:cNvPr>
+          <p:cNvSpPr txBox="1"/>
+          <p:nvPr/>
+        </p:nvSpPr>
+        <p:spPr>
+          <a:xfrm>
+            <a:off x="7393474" y="1129460"/>
+            <a:ext cx="2492990" cy="646331"/>
+          </a:xfrm>
+          <a:prstGeom prst="rect">
+            <a:avLst/>
+          </a:prstGeom>
+          <a:noFill/>
+        </p:spPr>
+        <p:txBody>
+          <a:bodyPr wrap="none" rtlCol="0">
+            <a:spAutoFit/>
+          </a:bodyPr>
+          <a:lstStyle/>
+          <a:p>
+            <a:r>
+              <a:rPr lang="zh-CN" altLang="en-US" sz="3600" dirty="0">
+                <a:solidFill>
+                  <a:schemeClr val="tx1">
+                    <a:lumMod val="65000"/>
+                    <a:lumOff val="35000"/>
+                  </a:schemeClr>
+                </a:solidFill>
+                <a:latin typeface="苹方-简" panose="020B0400000000000000" pitchFamily="34" charset="-128"/>
+                <a:ea typeface="苹方-简" panose="020B0400000000000000" pitchFamily="34" charset="-128"/>
+              </a:rPr>
+              <a:t>主要的形式</a:t>
+            </a:r>
+          </a:p>
+        </p:txBody>
+      </p:sp>
+      <p:sp>
+        <p:nvSpPr>
+          <p:cNvPr id="12" name="文本框 11">
+            <a:extLst>
+              <a:ext uri="{FF2B5EF4-FFF2-40B4-BE49-F238E27FC236}">
+                <a16:creationId xmlns:a16="http://schemas.microsoft.com/office/drawing/2014/main" id="{EBA3C56A-056C-40ED-965B-B5C5638073AE}"/>
+              </a:ext>
+            </a:extLst>
+          </p:cNvPr>
+          <p:cNvSpPr txBox="1"/>
+          <p:nvPr/>
+        </p:nvSpPr>
+        <p:spPr>
+          <a:xfrm>
+            <a:off x="4142272" y="2986919"/>
+            <a:ext cx="1903085" cy="400110"/>
+          </a:xfrm>
+          <a:prstGeom prst="rect">
+            <a:avLst/>
+          </a:prstGeom>
+          <a:noFill/>
+        </p:spPr>
+        <p:txBody>
+          <a:bodyPr wrap="none" rtlCol="0">
+            <a:spAutoFit/>
+          </a:bodyPr>
+          <a:lstStyle/>
+          <a:p>
+            <a:r>
+              <a:rPr lang="en-US" altLang="zh-CN" sz="2000" dirty="0">
+                <a:solidFill>
+                  <a:srgbClr val="00B050"/>
+                </a:solidFill>
+                <a:latin typeface="苹方-简" panose="020B0400000000000000" pitchFamily="34" charset="-128"/>
+                <a:ea typeface="苹方-简" panose="020B0400000000000000" pitchFamily="34" charset="-128"/>
+              </a:rPr>
+              <a:t>10~30</a:t>
+            </a:r>
+            <a:r>
+              <a:rPr lang="zh-CN" altLang="en-US" sz="2000" dirty="0">
+                <a:solidFill>
+                  <a:srgbClr val="00B050"/>
+                </a:solidFill>
+                <a:latin typeface="苹方-简" panose="020B0400000000000000" pitchFamily="34" charset="-128"/>
+                <a:ea typeface="苹方-简" panose="020B0400000000000000" pitchFamily="34" charset="-128"/>
+              </a:rPr>
+              <a:t>分钟一节</a:t>
+            </a:r>
+          </a:p>
+        </p:txBody>
+      </p:sp>
+      <p:sp>
+        <p:nvSpPr>
+          <p:cNvPr id="14" name="文本框 13">
+            <a:extLst>
+              <a:ext uri="{FF2B5EF4-FFF2-40B4-BE49-F238E27FC236}">
+                <a16:creationId xmlns:a16="http://schemas.microsoft.com/office/drawing/2014/main" id="{E8C08F38-E22A-4806-9E13-EC6554091897}"/>
+              </a:ext>
+            </a:extLst>
+          </p:cNvPr>
+          <p:cNvSpPr txBox="1"/>
+          <p:nvPr/>
+        </p:nvSpPr>
+        <p:spPr>
+          <a:xfrm>
+            <a:off x="4142272" y="4660870"/>
+            <a:ext cx="1980029" cy="400110"/>
+          </a:xfrm>
+          <a:prstGeom prst="rect">
+            <a:avLst/>
+          </a:prstGeom>
+          <a:noFill/>
+        </p:spPr>
+        <p:txBody>
+          <a:bodyPr wrap="none" rtlCol="0">
+            <a:spAutoFit/>
+          </a:bodyPr>
+          <a:lstStyle/>
+          <a:p>
+            <a:r>
+              <a:rPr lang="zh-CN" altLang="en-US" sz="2000" dirty="0">
+                <a:solidFill>
+                  <a:srgbClr val="00B050"/>
+                </a:solidFill>
+                <a:latin typeface="苹方-简" panose="020B0400000000000000" pitchFamily="34" charset="-128"/>
+                <a:ea typeface="苹方-简" panose="020B0400000000000000" pitchFamily="34" charset="-128"/>
+              </a:rPr>
+              <a:t>每周更新一两节</a:t>
+            </a:r>
+          </a:p>
+        </p:txBody>
+      </p:sp>
+      <p:sp>
+        <p:nvSpPr>
+          <p:cNvPr id="19" name="文本框 18">
+            <a:extLst>
+              <a:ext uri="{FF2B5EF4-FFF2-40B4-BE49-F238E27FC236}">
+                <a16:creationId xmlns:a16="http://schemas.microsoft.com/office/drawing/2014/main" id="{D0B881E6-FE4B-4224-A7E3-9D1AEC39DA5A}"/>
+              </a:ext>
+            </a:extLst>
+          </p:cNvPr>
+          <p:cNvSpPr txBox="1"/>
+          <p:nvPr/>
+        </p:nvSpPr>
+        <p:spPr>
+          <a:xfrm>
+            <a:off x="4142272" y="6260583"/>
+            <a:ext cx="1636987" cy="400110"/>
+          </a:xfrm>
+          <a:prstGeom prst="rect">
+            <a:avLst/>
+          </a:prstGeom>
+          <a:noFill/>
+        </p:spPr>
+        <p:txBody>
+          <a:bodyPr wrap="none" rtlCol="0">
+            <a:spAutoFit/>
+          </a:bodyPr>
+          <a:lstStyle/>
+          <a:p>
+            <a:r>
+              <a:rPr lang="zh-CN" altLang="en-US" sz="2000" dirty="0">
+                <a:solidFill>
+                  <a:srgbClr val="00B050"/>
+                </a:solidFill>
+                <a:latin typeface="苹方-简" panose="020B0400000000000000" pitchFamily="34" charset="-128"/>
+                <a:ea typeface="苹方-简" panose="020B0400000000000000" pitchFamily="34" charset="-128"/>
+              </a:rPr>
+              <a:t>第一季 </a:t>
+            </a:r>
+            <a:r>
+              <a:rPr lang="en-US" altLang="zh-CN" sz="2000" dirty="0">
+                <a:solidFill>
+                  <a:srgbClr val="00B050"/>
+                </a:solidFill>
+                <a:latin typeface="苹方-简" panose="020B0400000000000000" pitchFamily="34" charset="-128"/>
+                <a:ea typeface="苹方-简" panose="020B0400000000000000" pitchFamily="34" charset="-128"/>
+              </a:rPr>
+              <a:t>15 </a:t>
+            </a:r>
+            <a:r>
+              <a:rPr lang="zh-CN" altLang="en-US" sz="2000" dirty="0">
+                <a:solidFill>
+                  <a:srgbClr val="00B050"/>
+                </a:solidFill>
+                <a:latin typeface="苹方-简" panose="020B0400000000000000" pitchFamily="34" charset="-128"/>
+                <a:ea typeface="苹方-简" panose="020B0400000000000000" pitchFamily="34" charset="-128"/>
+              </a:rPr>
+              <a:t>集</a:t>
+            </a:r>
+          </a:p>
+        </p:txBody>
+      </p:sp>
+      <p:sp>
+        <p:nvSpPr>
+          <p:cNvPr id="21" name="文本框 20">
+            <a:extLst>
+              <a:ext uri="{FF2B5EF4-FFF2-40B4-BE49-F238E27FC236}">
+                <a16:creationId xmlns:a16="http://schemas.microsoft.com/office/drawing/2014/main" id="{4BAE0FEA-1DE8-400B-B14F-52B13A2415BD}"/>
+              </a:ext>
+            </a:extLst>
+          </p:cNvPr>
+          <p:cNvSpPr txBox="1"/>
+          <p:nvPr/>
+        </p:nvSpPr>
+        <p:spPr>
+          <a:xfrm>
+            <a:off x="11146791" y="2986919"/>
+            <a:ext cx="1467068" cy="400110"/>
+          </a:xfrm>
+          <a:prstGeom prst="rect">
+            <a:avLst/>
+          </a:prstGeom>
+          <a:noFill/>
+        </p:spPr>
+        <p:txBody>
+          <a:bodyPr wrap="none" rtlCol="0">
+            <a:spAutoFit/>
+          </a:bodyPr>
+          <a:lstStyle/>
+          <a:p>
+            <a:r>
+              <a:rPr lang="zh-CN" altLang="en-US" sz="2000" dirty="0">
+                <a:solidFill>
+                  <a:srgbClr val="00B050"/>
+                </a:solidFill>
+                <a:latin typeface="苹方-简" panose="020B0400000000000000" pitchFamily="34" charset="-128"/>
+                <a:ea typeface="苹方-简" panose="020B0400000000000000" pitchFamily="34" charset="-128"/>
+              </a:rPr>
+              <a:t>基本的语法</a:t>
+            </a:r>
+          </a:p>
+        </p:txBody>
+      </p:sp>
+      <p:sp>
+        <p:nvSpPr>
+          <p:cNvPr id="23" name="文本框 22">
+            <a:extLst>
+              <a:ext uri="{FF2B5EF4-FFF2-40B4-BE49-F238E27FC236}">
+                <a16:creationId xmlns:a16="http://schemas.microsoft.com/office/drawing/2014/main" id="{5C7A89A5-1153-4416-A6BA-9A0100D4FEA2}"/>
+              </a:ext>
+            </a:extLst>
+          </p:cNvPr>
+          <p:cNvSpPr txBox="1"/>
+          <p:nvPr/>
+        </p:nvSpPr>
+        <p:spPr>
+          <a:xfrm>
+            <a:off x="11146791" y="4065524"/>
+            <a:ext cx="2236510" cy="400110"/>
+          </a:xfrm>
+          <a:prstGeom prst="rect">
+            <a:avLst/>
+          </a:prstGeom>
+          <a:noFill/>
+        </p:spPr>
+        <p:txBody>
+          <a:bodyPr wrap="none" rtlCol="0">
+            <a:spAutoFit/>
+          </a:bodyPr>
+          <a:lstStyle/>
+          <a:p>
+            <a:r>
+              <a:rPr lang="zh-CN" altLang="en-US" sz="2000" dirty="0">
+                <a:solidFill>
+                  <a:srgbClr val="00B050"/>
+                </a:solidFill>
+                <a:latin typeface="苹方-简" panose="020B0400000000000000" pitchFamily="34" charset="-128"/>
+                <a:ea typeface="苹方-简" panose="020B0400000000000000" pitchFamily="34" charset="-128"/>
+              </a:rPr>
+              <a:t>内置库的讲解使用</a:t>
+            </a:r>
+          </a:p>
+        </p:txBody>
+      </p:sp>
+      <p:sp>
+        <p:nvSpPr>
+          <p:cNvPr id="25" name="文本框 24">
+            <a:extLst>
+              <a:ext uri="{FF2B5EF4-FFF2-40B4-BE49-F238E27FC236}">
+                <a16:creationId xmlns:a16="http://schemas.microsoft.com/office/drawing/2014/main" id="{EC6EE0AB-17CE-466B-80F8-B0D022489EEB}"/>
+              </a:ext>
+            </a:extLst>
+          </p:cNvPr>
+          <p:cNvSpPr txBox="1"/>
+          <p:nvPr/>
+        </p:nvSpPr>
+        <p:spPr>
+          <a:xfrm>
+            <a:off x="11146791" y="5160021"/>
+            <a:ext cx="2749471" cy="400110"/>
+          </a:xfrm>
+          <a:prstGeom prst="rect">
+            <a:avLst/>
+          </a:prstGeom>
+          <a:noFill/>
+        </p:spPr>
+        <p:txBody>
+          <a:bodyPr wrap="none" rtlCol="0">
+            <a:spAutoFit/>
+          </a:bodyPr>
+          <a:lstStyle/>
+          <a:p>
+            <a:r>
+              <a:rPr lang="zh-CN" altLang="en-US" sz="2000" dirty="0">
+                <a:solidFill>
+                  <a:srgbClr val="00B050"/>
+                </a:solidFill>
+                <a:latin typeface="苹方-简" panose="020B0400000000000000" pitchFamily="34" charset="-128"/>
+                <a:ea typeface="苹方-简" panose="020B0400000000000000" pitchFamily="34" charset="-128"/>
+              </a:rPr>
+              <a:t>名库的源码阅读和使用</a:t>
+            </a:r>
+          </a:p>
+        </p:txBody>
+      </p:sp>
+      <p:sp>
+        <p:nvSpPr>
+          <p:cNvPr id="27" name="文本框 26">
+            <a:extLst>
+              <a:ext uri="{FF2B5EF4-FFF2-40B4-BE49-F238E27FC236}">
+                <a16:creationId xmlns:a16="http://schemas.microsoft.com/office/drawing/2014/main" id="{2B58A9E8-5CF5-457D-9E43-6B992C0A59F4}"/>
+              </a:ext>
+            </a:extLst>
+          </p:cNvPr>
+          <p:cNvSpPr txBox="1"/>
+          <p:nvPr/>
+        </p:nvSpPr>
+        <p:spPr>
+          <a:xfrm>
+            <a:off x="11146791" y="6225284"/>
+            <a:ext cx="4269117" cy="400110"/>
+          </a:xfrm>
+          <a:prstGeom prst="rect">
+            <a:avLst/>
+          </a:prstGeom>
+          <a:noFill/>
+        </p:spPr>
+        <p:txBody>
+          <a:bodyPr wrap="none" rtlCol="0">
+            <a:spAutoFit/>
+          </a:bodyPr>
+          <a:lstStyle/>
+          <a:p>
+            <a:r>
+              <a:rPr lang="zh-CN" altLang="en-US" sz="2000" dirty="0">
+                <a:solidFill>
+                  <a:srgbClr val="00B050"/>
+                </a:solidFill>
+                <a:latin typeface="苹方-简" panose="020B0400000000000000" pitchFamily="34" charset="-128"/>
+                <a:ea typeface="苹方-简" panose="020B0400000000000000" pitchFamily="34" charset="-128"/>
+              </a:rPr>
+              <a:t>完整的示例：爬虫、</a:t>
+            </a:r>
+            <a:r>
+              <a:rPr lang="en-US" altLang="zh-CN" sz="2000" dirty="0">
+                <a:solidFill>
+                  <a:srgbClr val="00B050"/>
+                </a:solidFill>
+                <a:latin typeface="苹方-简" panose="020B0400000000000000" pitchFamily="34" charset="-128"/>
+                <a:ea typeface="苹方-简" panose="020B0400000000000000" pitchFamily="34" charset="-128"/>
+              </a:rPr>
+              <a:t>web</a:t>
+            </a:r>
+            <a:r>
+              <a:rPr lang="zh-CN" altLang="en-US" sz="2000" dirty="0">
+                <a:solidFill>
+                  <a:srgbClr val="00B050"/>
+                </a:solidFill>
+                <a:latin typeface="苹方-简" panose="020B0400000000000000" pitchFamily="34" charset="-128"/>
+                <a:ea typeface="苹方-简" panose="020B0400000000000000" pitchFamily="34" charset="-128"/>
+              </a:rPr>
+              <a:t>、命令行</a:t>
+            </a:r>
+            <a:r>
+              <a:rPr lang="en-US" altLang="zh-CN" sz="2000" dirty="0">
+                <a:solidFill>
+                  <a:srgbClr val="00B050"/>
+                </a:solidFill>
+                <a:latin typeface="苹方-简" panose="020B0400000000000000" pitchFamily="34" charset="-128"/>
+                <a:ea typeface="苹方-简" panose="020B0400000000000000" pitchFamily="34" charset="-128"/>
+              </a:rPr>
+              <a:t>…</a:t>
+            </a:r>
+            <a:endParaRPr lang="zh-CN" altLang="en-US" sz="2000" dirty="0">
+              <a:solidFill>
+                <a:srgbClr val="00B050"/>
+              </a:solidFill>
+              <a:latin typeface="苹方-简" panose="020B0400000000000000" pitchFamily="34" charset="-128"/>
+              <a:ea typeface="苹方-简" panose="020B0400000000000000" pitchFamily="34" charset="-128"/>
+            </a:endParaRPr>
+          </a:p>
+        </p:txBody>
+      </p:sp>
+      <p:grpSp>
+        <p:nvGrpSpPr>
+          <p:cNvPr id="29" name="组合 28">
+            <a:extLst>
+              <a:ext uri="{FF2B5EF4-FFF2-40B4-BE49-F238E27FC236}">
+                <a16:creationId xmlns:a16="http://schemas.microsoft.com/office/drawing/2014/main" id="{0F3A8EC3-1625-4446-B763-17152DF1969E}"/>
+              </a:ext>
+            </a:extLst>
+          </p:cNvPr>
+          <p:cNvGrpSpPr/>
+          <p:nvPr/>
+        </p:nvGrpSpPr>
+        <p:grpSpPr>
+          <a:xfrm>
+            <a:off x="2342801" y="2490609"/>
+            <a:ext cx="1465399" cy="1400001"/>
+            <a:chOff x="2307000" y="6578633"/>
+            <a:chExt cx="1465399" cy="1400001"/>
+          </a:xfrm>
+        </p:grpSpPr>
+        <p:sp>
+          <p:nvSpPr>
+            <p:cNvPr id="30" name="椭圆 29">
+              <a:extLst>
+                <a:ext uri="{FF2B5EF4-FFF2-40B4-BE49-F238E27FC236}">
+                  <a16:creationId xmlns:a16="http://schemas.microsoft.com/office/drawing/2014/main" id="{5A36FDEE-457C-4A30-8244-A1266E742F0C}"/>
+                </a:ext>
+              </a:extLst>
+            </p:cNvPr>
+            <p:cNvSpPr/>
+            <p:nvPr/>
+          </p:nvSpPr>
+          <p:spPr>
+            <a:xfrm>
+              <a:off x="2667000" y="6906867"/>
+              <a:ext cx="720000" cy="720000"/>
+            </a:xfrm>
+            <a:prstGeom prst="ellipse">
+              <a:avLst/>
+            </a:prstGeom>
+            <a:solidFill>
+              <a:srgbClr val="00B050">
+                <a:alpha val="55000"/>
+              </a:srgbClr>
+            </a:solidFill>
+            <a:ln>
+              <a:noFill/>
+            </a:ln>
+          </p:spPr>
+          <p:style>
+            <a:lnRef idx="2">
+              <a:schemeClr val="accent1">
+                <a:shade val="50000"/>
+              </a:schemeClr>
+            </a:lnRef>
+            <a:fillRef idx="1">
+              <a:schemeClr val="accent1"/>
+            </a:fillRef>
+            <a:effectRef idx="0">
+              <a:schemeClr val="accent1"/>
+            </a:effectRef>
+            <a:fontRef idx="minor">
+              <a:schemeClr val="lt1"/>
+            </a:fontRef>
+          </p:style>
+          <p:txBody>
+            <a:bodyPr rtlCol="0" anchor="ctr"/>
+            <a:lstStyle/>
+            <a:p>
+              <a:pPr algn="ctr"/>
+              <a:endParaRPr lang="zh-CN" altLang="en-US"/>
+            </a:p>
+          </p:txBody>
+        </p:sp>
+        <p:sp>
+          <p:nvSpPr>
+            <p:cNvPr id="31" name="弧形 30">
+              <a:extLst>
+                <a:ext uri="{FF2B5EF4-FFF2-40B4-BE49-F238E27FC236}">
+                  <a16:creationId xmlns:a16="http://schemas.microsoft.com/office/drawing/2014/main" id="{9ECE7474-6B32-4E2A-BDF1-B17EE994CBBC}"/>
+                </a:ext>
+              </a:extLst>
+            </p:cNvPr>
+            <p:cNvSpPr/>
+            <p:nvPr/>
+          </p:nvSpPr>
+          <p:spPr>
+            <a:xfrm>
+              <a:off x="2307000" y="7258634"/>
+              <a:ext cx="720000" cy="720000"/>
+            </a:xfrm>
+            <a:prstGeom prst="arc">
+              <a:avLst/>
+            </a:prstGeom>
+            <a:ln>
+              <a:solidFill>
+                <a:schemeClr val="bg1"/>
+              </a:solidFill>
+            </a:ln>
+          </p:spPr>
+          <p:style>
+            <a:lnRef idx="1">
+              <a:schemeClr val="accent1"/>
+            </a:lnRef>
+            <a:fillRef idx="0">
+              <a:schemeClr val="accent1"/>
+            </a:fillRef>
+            <a:effectRef idx="0">
+              <a:schemeClr val="accent1"/>
+            </a:effectRef>
+            <a:fontRef idx="minor">
+              <a:schemeClr val="tx1"/>
+            </a:fontRef>
+          </p:style>
+          <p:txBody>
+            <a:bodyPr rtlCol="0" anchor="ctr"/>
+            <a:lstStyle/>
+            <a:p>
+              <a:pPr algn="ctr"/>
+              <a:endParaRPr lang="zh-CN" altLang="en-US"/>
+            </a:p>
+          </p:txBody>
+        </p:sp>
+        <p:sp>
+          <p:nvSpPr>
+            <p:cNvPr id="32" name="弧形 31">
+              <a:extLst>
+                <a:ext uri="{FF2B5EF4-FFF2-40B4-BE49-F238E27FC236}">
+                  <a16:creationId xmlns:a16="http://schemas.microsoft.com/office/drawing/2014/main" id="{B8092113-CA0A-47D5-98A2-D3075086994D}"/>
+                </a:ext>
+              </a:extLst>
+            </p:cNvPr>
+            <p:cNvSpPr/>
+            <p:nvPr/>
+          </p:nvSpPr>
+          <p:spPr>
+            <a:xfrm rot="11032779">
+              <a:off x="3052399" y="6578633"/>
+              <a:ext cx="720000" cy="720000"/>
+            </a:xfrm>
+            <a:prstGeom prst="arc">
+              <a:avLst/>
+            </a:prstGeom>
+            <a:ln>
+              <a:solidFill>
+                <a:schemeClr val="bg1"/>
+              </a:solidFill>
+            </a:ln>
+          </p:spPr>
+          <p:style>
+            <a:lnRef idx="1">
+              <a:schemeClr val="accent1"/>
+            </a:lnRef>
+            <a:fillRef idx="0">
+              <a:schemeClr val="accent1"/>
+            </a:fillRef>
+            <a:effectRef idx="0">
+              <a:schemeClr val="accent1"/>
+            </a:effectRef>
+            <a:fontRef idx="minor">
+              <a:schemeClr val="tx1"/>
+            </a:fontRef>
+          </p:style>
+          <p:txBody>
+            <a:bodyPr rtlCol="0" anchor="ctr"/>
+            <a:lstStyle/>
+            <a:p>
+              <a:pPr algn="ctr"/>
+              <a:endParaRPr lang="zh-CN" altLang="en-US"/>
+            </a:p>
+          </p:txBody>
+        </p:sp>
+      </p:grpSp>
+      <p:grpSp>
+        <p:nvGrpSpPr>
+          <p:cNvPr id="33" name="组合 32">
+            <a:extLst>
+              <a:ext uri="{FF2B5EF4-FFF2-40B4-BE49-F238E27FC236}">
+                <a16:creationId xmlns:a16="http://schemas.microsoft.com/office/drawing/2014/main" id="{5FF46860-44CC-4843-83E0-F51B28619553}"/>
+              </a:ext>
+            </a:extLst>
+          </p:cNvPr>
+          <p:cNvGrpSpPr/>
+          <p:nvPr/>
+        </p:nvGrpSpPr>
+        <p:grpSpPr>
+          <a:xfrm>
+            <a:off x="2361379" y="4160130"/>
+            <a:ext cx="1465399" cy="1400001"/>
+            <a:chOff x="2307000" y="6578633"/>
+            <a:chExt cx="1465399" cy="1400001"/>
+          </a:xfrm>
+        </p:grpSpPr>
+        <p:sp>
+          <p:nvSpPr>
+            <p:cNvPr id="34" name="椭圆 33">
+              <a:extLst>
+                <a:ext uri="{FF2B5EF4-FFF2-40B4-BE49-F238E27FC236}">
+                  <a16:creationId xmlns:a16="http://schemas.microsoft.com/office/drawing/2014/main" id="{F29CBE3C-0162-4E5D-866E-162010A54396}"/>
+                </a:ext>
+              </a:extLst>
+            </p:cNvPr>
+            <p:cNvSpPr/>
+            <p:nvPr/>
+          </p:nvSpPr>
+          <p:spPr>
+            <a:xfrm>
+              <a:off x="2667000" y="6906867"/>
+              <a:ext cx="720000" cy="720000"/>
+            </a:xfrm>
+            <a:prstGeom prst="ellipse">
+              <a:avLst/>
+            </a:prstGeom>
+            <a:solidFill>
+              <a:srgbClr val="00B050">
+                <a:alpha val="55000"/>
+              </a:srgbClr>
+            </a:solidFill>
+            <a:ln>
+              <a:noFill/>
+            </a:ln>
+          </p:spPr>
+          <p:style>
+            <a:lnRef idx="2">
+              <a:schemeClr val="accent1">
+                <a:shade val="50000"/>
+              </a:schemeClr>
+            </a:lnRef>
+            <a:fillRef idx="1">
+              <a:schemeClr val="accent1"/>
+            </a:fillRef>
+            <a:effectRef idx="0">
+              <a:schemeClr val="accent1"/>
+            </a:effectRef>
+            <a:fontRef idx="minor">
+              <a:schemeClr val="lt1"/>
+            </a:fontRef>
+          </p:style>
+          <p:txBody>
+            <a:bodyPr rtlCol="0" anchor="ctr"/>
+            <a:lstStyle/>
+            <a:p>
+              <a:pPr algn="ctr"/>
+              <a:endParaRPr lang="zh-CN" altLang="en-US"/>
+            </a:p>
+          </p:txBody>
+        </p:sp>
+        <p:sp>
+          <p:nvSpPr>
+            <p:cNvPr id="35" name="弧形 34">
+              <a:extLst>
+                <a:ext uri="{FF2B5EF4-FFF2-40B4-BE49-F238E27FC236}">
+                  <a16:creationId xmlns:a16="http://schemas.microsoft.com/office/drawing/2014/main" id="{BCA5273A-A9A6-49CA-AAD0-57CDECD175B6}"/>
+                </a:ext>
+              </a:extLst>
+            </p:cNvPr>
+            <p:cNvSpPr/>
+            <p:nvPr/>
+          </p:nvSpPr>
+          <p:spPr>
+            <a:xfrm>
+              <a:off x="2307000" y="7258634"/>
+              <a:ext cx="720000" cy="720000"/>
+            </a:xfrm>
+            <a:prstGeom prst="arc">
+              <a:avLst/>
+            </a:prstGeom>
+            <a:ln>
+              <a:solidFill>
+                <a:schemeClr val="bg1"/>
+              </a:solidFill>
+            </a:ln>
+          </p:spPr>
+          <p:style>
+            <a:lnRef idx="1">
+              <a:schemeClr val="accent1"/>
+            </a:lnRef>
+            <a:fillRef idx="0">
+              <a:schemeClr val="accent1"/>
+            </a:fillRef>
+            <a:effectRef idx="0">
+              <a:schemeClr val="accent1"/>
+            </a:effectRef>
+            <a:fontRef idx="minor">
+              <a:schemeClr val="tx1"/>
+            </a:fontRef>
+          </p:style>
+          <p:txBody>
+            <a:bodyPr rtlCol="0" anchor="ctr"/>
+            <a:lstStyle/>
+            <a:p>
+              <a:pPr algn="ctr"/>
+              <a:endParaRPr lang="zh-CN" altLang="en-US"/>
+            </a:p>
+          </p:txBody>
+        </p:sp>
+        <p:sp>
+          <p:nvSpPr>
+            <p:cNvPr id="36" name="弧形 35">
+              <a:extLst>
+                <a:ext uri="{FF2B5EF4-FFF2-40B4-BE49-F238E27FC236}">
+                  <a16:creationId xmlns:a16="http://schemas.microsoft.com/office/drawing/2014/main" id="{99134360-3DA0-484E-8169-CF59DF66C1FC}"/>
+                </a:ext>
+              </a:extLst>
+            </p:cNvPr>
+            <p:cNvSpPr/>
+            <p:nvPr/>
+          </p:nvSpPr>
+          <p:spPr>
+            <a:xfrm rot="11032779">
+              <a:off x="3052399" y="6578633"/>
+              <a:ext cx="720000" cy="720000"/>
+            </a:xfrm>
+            <a:prstGeom prst="arc">
+              <a:avLst/>
+            </a:prstGeom>
+            <a:ln>
+              <a:solidFill>
+                <a:schemeClr val="bg1"/>
+              </a:solidFill>
+            </a:ln>
+          </p:spPr>
+          <p:style>
+            <a:lnRef idx="1">
+              <a:schemeClr val="accent1"/>
+            </a:lnRef>
+            <a:fillRef idx="0">
+              <a:schemeClr val="accent1"/>
+            </a:fillRef>
+            <a:effectRef idx="0">
+              <a:schemeClr val="accent1"/>
+            </a:effectRef>
+            <a:fontRef idx="minor">
+              <a:schemeClr val="tx1"/>
+            </a:fontRef>
+          </p:style>
+          <p:txBody>
+            <a:bodyPr rtlCol="0" anchor="ctr"/>
+            <a:lstStyle/>
+            <a:p>
+              <a:pPr algn="ctr"/>
+              <a:endParaRPr lang="zh-CN" altLang="en-US"/>
+            </a:p>
+          </p:txBody>
+        </p:sp>
+      </p:grpSp>
+      <p:grpSp>
+        <p:nvGrpSpPr>
+          <p:cNvPr id="37" name="组合 36">
+            <a:extLst>
+              <a:ext uri="{FF2B5EF4-FFF2-40B4-BE49-F238E27FC236}">
+                <a16:creationId xmlns:a16="http://schemas.microsoft.com/office/drawing/2014/main" id="{E6862533-B4FA-4657-ABB5-230CBCC2EA79}"/>
+              </a:ext>
+            </a:extLst>
+          </p:cNvPr>
+          <p:cNvGrpSpPr/>
+          <p:nvPr/>
+        </p:nvGrpSpPr>
+        <p:grpSpPr>
+          <a:xfrm>
+            <a:off x="2388815" y="5780637"/>
+            <a:ext cx="1465399" cy="1400001"/>
+            <a:chOff x="2307000" y="6578633"/>
+            <a:chExt cx="1465399" cy="1400001"/>
+          </a:xfrm>
+        </p:grpSpPr>
+        <p:sp>
+          <p:nvSpPr>
+            <p:cNvPr id="38" name="椭圆 37">
+              <a:extLst>
+                <a:ext uri="{FF2B5EF4-FFF2-40B4-BE49-F238E27FC236}">
+                  <a16:creationId xmlns:a16="http://schemas.microsoft.com/office/drawing/2014/main" id="{6F29B822-0468-4F98-8EC1-CC164699FAE1}"/>
+                </a:ext>
+              </a:extLst>
+            </p:cNvPr>
+            <p:cNvSpPr/>
+            <p:nvPr/>
+          </p:nvSpPr>
+          <p:spPr>
+            <a:xfrm>
+              <a:off x="2667000" y="6906867"/>
+              <a:ext cx="720000" cy="720000"/>
+            </a:xfrm>
+            <a:prstGeom prst="ellipse">
+              <a:avLst/>
+            </a:prstGeom>
+            <a:solidFill>
+              <a:srgbClr val="00B050">
+                <a:alpha val="55000"/>
+              </a:srgbClr>
+            </a:solidFill>
+            <a:ln>
+              <a:noFill/>
+            </a:ln>
+          </p:spPr>
+          <p:style>
+            <a:lnRef idx="2">
+              <a:schemeClr val="accent1">
+                <a:shade val="50000"/>
+              </a:schemeClr>
+            </a:lnRef>
+            <a:fillRef idx="1">
+              <a:schemeClr val="accent1"/>
+            </a:fillRef>
+            <a:effectRef idx="0">
+              <a:schemeClr val="accent1"/>
+            </a:effectRef>
+            <a:fontRef idx="minor">
+              <a:schemeClr val="lt1"/>
+            </a:fontRef>
+          </p:style>
+          <p:txBody>
+            <a:bodyPr rtlCol="0" anchor="ctr"/>
+            <a:lstStyle/>
+            <a:p>
+              <a:pPr algn="ctr"/>
+              <a:endParaRPr lang="zh-CN" altLang="en-US"/>
+            </a:p>
+          </p:txBody>
+        </p:sp>
+        <p:sp>
+          <p:nvSpPr>
+            <p:cNvPr id="39" name="弧形 38">
+              <a:extLst>
+                <a:ext uri="{FF2B5EF4-FFF2-40B4-BE49-F238E27FC236}">
+                  <a16:creationId xmlns:a16="http://schemas.microsoft.com/office/drawing/2014/main" id="{D0D5FD0C-D66C-45AA-AB9B-0610D7BE5FC1}"/>
+                </a:ext>
+              </a:extLst>
+            </p:cNvPr>
+            <p:cNvSpPr/>
+            <p:nvPr/>
+          </p:nvSpPr>
+          <p:spPr>
+            <a:xfrm>
+              <a:off x="2307000" y="7258634"/>
+              <a:ext cx="720000" cy="720000"/>
+            </a:xfrm>
+            <a:prstGeom prst="arc">
+              <a:avLst/>
+            </a:prstGeom>
+            <a:ln>
+              <a:solidFill>
+                <a:schemeClr val="bg1"/>
+              </a:solidFill>
+            </a:ln>
+          </p:spPr>
+          <p:style>
+            <a:lnRef idx="1">
+              <a:schemeClr val="accent1"/>
+            </a:lnRef>
+            <a:fillRef idx="0">
+              <a:schemeClr val="accent1"/>
+            </a:fillRef>
+            <a:effectRef idx="0">
+              <a:schemeClr val="accent1"/>
+            </a:effectRef>
+            <a:fontRef idx="minor">
+              <a:schemeClr val="tx1"/>
+            </a:fontRef>
+          </p:style>
+          <p:txBody>
+            <a:bodyPr rtlCol="0" anchor="ctr"/>
+            <a:lstStyle/>
+            <a:p>
+              <a:pPr algn="ctr"/>
+              <a:endParaRPr lang="zh-CN" altLang="en-US"/>
+            </a:p>
+          </p:txBody>
+        </p:sp>
+        <p:sp>
+          <p:nvSpPr>
+            <p:cNvPr id="40" name="弧形 39">
+              <a:extLst>
+                <a:ext uri="{FF2B5EF4-FFF2-40B4-BE49-F238E27FC236}">
+                  <a16:creationId xmlns:a16="http://schemas.microsoft.com/office/drawing/2014/main" id="{E4BBE871-B8F8-4D1C-BCBE-CAE839F289FD}"/>
+                </a:ext>
+              </a:extLst>
+            </p:cNvPr>
+            <p:cNvSpPr/>
+            <p:nvPr/>
+          </p:nvSpPr>
+          <p:spPr>
+            <a:xfrm rot="11032779">
+              <a:off x="3052399" y="6578633"/>
+              <a:ext cx="720000" cy="720000"/>
+            </a:xfrm>
+            <a:prstGeom prst="arc">
+              <a:avLst/>
+            </a:prstGeom>
+            <a:ln>
+              <a:solidFill>
+                <a:schemeClr val="bg1"/>
+              </a:solidFill>
+            </a:ln>
+          </p:spPr>
+          <p:style>
+            <a:lnRef idx="1">
+              <a:schemeClr val="accent1"/>
+            </a:lnRef>
+            <a:fillRef idx="0">
+              <a:schemeClr val="accent1"/>
+            </a:fillRef>
+            <a:effectRef idx="0">
+              <a:schemeClr val="accent1"/>
+            </a:effectRef>
+            <a:fontRef idx="minor">
+              <a:schemeClr val="tx1"/>
+            </a:fontRef>
+          </p:style>
+          <p:txBody>
+            <a:bodyPr rtlCol="0" anchor="ctr"/>
+            <a:lstStyle/>
+            <a:p>
+              <a:pPr algn="ctr"/>
+              <a:endParaRPr lang="zh-CN" altLang="en-US"/>
+            </a:p>
+          </p:txBody>
+        </p:sp>
+      </p:grpSp>
+      <p:grpSp>
+        <p:nvGrpSpPr>
+          <p:cNvPr id="41" name="组合 40">
+            <a:extLst>
+              <a:ext uri="{FF2B5EF4-FFF2-40B4-BE49-F238E27FC236}">
+                <a16:creationId xmlns:a16="http://schemas.microsoft.com/office/drawing/2014/main" id="{43F4BE89-BA63-4A68-AD64-0668FECED367}"/>
+              </a:ext>
+            </a:extLst>
+          </p:cNvPr>
+          <p:cNvGrpSpPr/>
+          <p:nvPr/>
+        </p:nvGrpSpPr>
+        <p:grpSpPr>
+          <a:xfrm>
+            <a:off x="9443177" y="2514142"/>
+            <a:ext cx="1465399" cy="1400001"/>
+            <a:chOff x="2307000" y="6578633"/>
+            <a:chExt cx="1465399" cy="1400001"/>
+          </a:xfrm>
+        </p:grpSpPr>
+        <p:sp>
+          <p:nvSpPr>
+            <p:cNvPr id="42" name="椭圆 41">
+              <a:extLst>
+                <a:ext uri="{FF2B5EF4-FFF2-40B4-BE49-F238E27FC236}">
+                  <a16:creationId xmlns:a16="http://schemas.microsoft.com/office/drawing/2014/main" id="{F5EE3D9C-60AC-416D-A6BF-9F1CB92E1333}"/>
+                </a:ext>
+              </a:extLst>
+            </p:cNvPr>
+            <p:cNvSpPr/>
+            <p:nvPr/>
+          </p:nvSpPr>
+          <p:spPr>
+            <a:xfrm>
+              <a:off x="2667000" y="6906867"/>
+              <a:ext cx="720000" cy="720000"/>
+            </a:xfrm>
+            <a:prstGeom prst="ellipse">
+              <a:avLst/>
+            </a:prstGeom>
+            <a:solidFill>
+              <a:srgbClr val="00B050">
+                <a:alpha val="55000"/>
+              </a:srgbClr>
+            </a:solidFill>
+            <a:ln>
+              <a:noFill/>
+            </a:ln>
+          </p:spPr>
+          <p:style>
+            <a:lnRef idx="2">
+              <a:schemeClr val="accent1">
+                <a:shade val="50000"/>
+              </a:schemeClr>
+            </a:lnRef>
+            <a:fillRef idx="1">
+              <a:schemeClr val="accent1"/>
+            </a:fillRef>
+            <a:effectRef idx="0">
+              <a:schemeClr val="accent1"/>
+            </a:effectRef>
+            <a:fontRef idx="minor">
+              <a:schemeClr val="lt1"/>
+            </a:fontRef>
+          </p:style>
+          <p:txBody>
+            <a:bodyPr rtlCol="0" anchor="ctr"/>
+            <a:lstStyle/>
+            <a:p>
+              <a:pPr algn="ctr"/>
+              <a:endParaRPr lang="zh-CN" altLang="en-US"/>
+            </a:p>
+          </p:txBody>
+        </p:sp>
+        <p:sp>
+          <p:nvSpPr>
+            <p:cNvPr id="43" name="弧形 42">
+              <a:extLst>
+                <a:ext uri="{FF2B5EF4-FFF2-40B4-BE49-F238E27FC236}">
+                  <a16:creationId xmlns:a16="http://schemas.microsoft.com/office/drawing/2014/main" id="{B383B52A-3E4F-4EBC-917B-066ADFF516B2}"/>
+                </a:ext>
+              </a:extLst>
+            </p:cNvPr>
+            <p:cNvSpPr/>
+            <p:nvPr/>
+          </p:nvSpPr>
+          <p:spPr>
+            <a:xfrm>
+              <a:off x="2307000" y="7258634"/>
+              <a:ext cx="720000" cy="720000"/>
+            </a:xfrm>
+            <a:prstGeom prst="arc">
+              <a:avLst/>
+            </a:prstGeom>
+            <a:ln>
+              <a:solidFill>
+                <a:schemeClr val="bg1"/>
+              </a:solidFill>
+            </a:ln>
+          </p:spPr>
+          <p:style>
+            <a:lnRef idx="1">
+              <a:schemeClr val="accent1"/>
+            </a:lnRef>
+            <a:fillRef idx="0">
+              <a:schemeClr val="accent1"/>
+            </a:fillRef>
+            <a:effectRef idx="0">
+              <a:schemeClr val="accent1"/>
+            </a:effectRef>
+            <a:fontRef idx="minor">
+              <a:schemeClr val="tx1"/>
+            </a:fontRef>
+          </p:style>
+          <p:txBody>
+            <a:bodyPr rtlCol="0" anchor="ctr"/>
+            <a:lstStyle/>
+            <a:p>
+              <a:pPr algn="ctr"/>
+              <a:endParaRPr lang="zh-CN" altLang="en-US"/>
+            </a:p>
+          </p:txBody>
+        </p:sp>
+        <p:sp>
+          <p:nvSpPr>
+            <p:cNvPr id="44" name="弧形 43">
+              <a:extLst>
+                <a:ext uri="{FF2B5EF4-FFF2-40B4-BE49-F238E27FC236}">
+                  <a16:creationId xmlns:a16="http://schemas.microsoft.com/office/drawing/2014/main" id="{EDAD02FB-F917-4456-9C4B-121B4370D073}"/>
+                </a:ext>
+              </a:extLst>
+            </p:cNvPr>
+            <p:cNvSpPr/>
+            <p:nvPr/>
+          </p:nvSpPr>
+          <p:spPr>
+            <a:xfrm rot="11032779">
+              <a:off x="3052399" y="6578633"/>
+              <a:ext cx="720000" cy="720000"/>
+            </a:xfrm>
+            <a:prstGeom prst="arc">
+              <a:avLst/>
+            </a:prstGeom>
+            <a:ln>
+              <a:solidFill>
+                <a:schemeClr val="bg1"/>
+              </a:solidFill>
+            </a:ln>
+          </p:spPr>
+          <p:style>
+            <a:lnRef idx="1">
+              <a:schemeClr val="accent1"/>
+            </a:lnRef>
+            <a:fillRef idx="0">
+              <a:schemeClr val="accent1"/>
+            </a:fillRef>
+            <a:effectRef idx="0">
+              <a:schemeClr val="accent1"/>
+            </a:effectRef>
+            <a:fontRef idx="minor">
+              <a:schemeClr val="tx1"/>
+            </a:fontRef>
+          </p:style>
+          <p:txBody>
+            <a:bodyPr rtlCol="0" anchor="ctr"/>
+            <a:lstStyle/>
+            <a:p>
+              <a:pPr algn="ctr"/>
+              <a:endParaRPr lang="zh-CN" altLang="en-US"/>
+            </a:p>
+          </p:txBody>
+        </p:sp>
+      </p:grpSp>
+      <p:grpSp>
+        <p:nvGrpSpPr>
+          <p:cNvPr id="45" name="组合 44">
+            <a:extLst>
+              <a:ext uri="{FF2B5EF4-FFF2-40B4-BE49-F238E27FC236}">
+                <a16:creationId xmlns:a16="http://schemas.microsoft.com/office/drawing/2014/main" id="{2E9DD270-685D-4565-8707-BBACDB745745}"/>
+              </a:ext>
+            </a:extLst>
+          </p:cNvPr>
+          <p:cNvGrpSpPr/>
+          <p:nvPr/>
+        </p:nvGrpSpPr>
+        <p:grpSpPr>
+          <a:xfrm>
+            <a:off x="9443177" y="3588463"/>
+            <a:ext cx="1465399" cy="1400001"/>
+            <a:chOff x="2307000" y="6578633"/>
+            <a:chExt cx="1465399" cy="1400001"/>
+          </a:xfrm>
+        </p:grpSpPr>
+        <p:sp>
+          <p:nvSpPr>
+            <p:cNvPr id="46" name="椭圆 45">
+              <a:extLst>
+                <a:ext uri="{FF2B5EF4-FFF2-40B4-BE49-F238E27FC236}">
+                  <a16:creationId xmlns:a16="http://schemas.microsoft.com/office/drawing/2014/main" id="{9203FE0F-773D-4028-AC5F-0E621EC1E6C1}"/>
+                </a:ext>
+              </a:extLst>
+            </p:cNvPr>
+            <p:cNvSpPr/>
+            <p:nvPr/>
+          </p:nvSpPr>
+          <p:spPr>
+            <a:xfrm>
+              <a:off x="2667000" y="6906867"/>
+              <a:ext cx="720000" cy="720000"/>
+            </a:xfrm>
+            <a:prstGeom prst="ellipse">
+              <a:avLst/>
+            </a:prstGeom>
+            <a:solidFill>
+              <a:srgbClr val="00B050">
+                <a:alpha val="55000"/>
+              </a:srgbClr>
+            </a:solidFill>
+            <a:ln>
+              <a:noFill/>
+            </a:ln>
+          </p:spPr>
+          <p:style>
+            <a:lnRef idx="2">
+              <a:schemeClr val="accent1">
+                <a:shade val="50000"/>
+              </a:schemeClr>
+            </a:lnRef>
+            <a:fillRef idx="1">
+              <a:schemeClr val="accent1"/>
+            </a:fillRef>
+            <a:effectRef idx="0">
+              <a:schemeClr val="accent1"/>
+            </a:effectRef>
+            <a:fontRef idx="minor">
+              <a:schemeClr val="lt1"/>
+            </a:fontRef>
+          </p:style>
+          <p:txBody>
+            <a:bodyPr rtlCol="0" anchor="ctr"/>
+            <a:lstStyle/>
+            <a:p>
+              <a:pPr algn="ctr"/>
+              <a:endParaRPr lang="zh-CN" altLang="en-US"/>
+            </a:p>
+          </p:txBody>
+        </p:sp>
+        <p:sp>
+          <p:nvSpPr>
+            <p:cNvPr id="47" name="弧形 46">
+              <a:extLst>
+                <a:ext uri="{FF2B5EF4-FFF2-40B4-BE49-F238E27FC236}">
+                  <a16:creationId xmlns:a16="http://schemas.microsoft.com/office/drawing/2014/main" id="{58B1852A-4603-4087-8C05-9D40CE2D2F20}"/>
+                </a:ext>
+              </a:extLst>
+            </p:cNvPr>
+            <p:cNvSpPr/>
+            <p:nvPr/>
+          </p:nvSpPr>
+          <p:spPr>
+            <a:xfrm>
+              <a:off x="2307000" y="7258634"/>
+              <a:ext cx="720000" cy="720000"/>
+            </a:xfrm>
+            <a:prstGeom prst="arc">
+              <a:avLst/>
+            </a:prstGeom>
+            <a:ln>
+              <a:solidFill>
+                <a:schemeClr val="bg1"/>
+              </a:solidFill>
+            </a:ln>
+          </p:spPr>
+          <p:style>
+            <a:lnRef idx="1">
+              <a:schemeClr val="accent1"/>
+            </a:lnRef>
+            <a:fillRef idx="0">
+              <a:schemeClr val="accent1"/>
+            </a:fillRef>
+            <a:effectRef idx="0">
+              <a:schemeClr val="accent1"/>
+            </a:effectRef>
+            <a:fontRef idx="minor">
+              <a:schemeClr val="tx1"/>
+            </a:fontRef>
+          </p:style>
+          <p:txBody>
+            <a:bodyPr rtlCol="0" anchor="ctr"/>
+            <a:lstStyle/>
+            <a:p>
+              <a:pPr algn="ctr"/>
+              <a:endParaRPr lang="zh-CN" altLang="en-US"/>
+            </a:p>
+          </p:txBody>
+        </p:sp>
+        <p:sp>
+          <p:nvSpPr>
+            <p:cNvPr id="48" name="弧形 47">
+              <a:extLst>
+                <a:ext uri="{FF2B5EF4-FFF2-40B4-BE49-F238E27FC236}">
+                  <a16:creationId xmlns:a16="http://schemas.microsoft.com/office/drawing/2014/main" id="{339C5412-3C1F-42F3-B645-EC209B3AFEF4}"/>
+                </a:ext>
+              </a:extLst>
+            </p:cNvPr>
+            <p:cNvSpPr/>
+            <p:nvPr/>
+          </p:nvSpPr>
+          <p:spPr>
+            <a:xfrm rot="11032779">
+              <a:off x="3052399" y="6578633"/>
+              <a:ext cx="720000" cy="720000"/>
+            </a:xfrm>
+            <a:prstGeom prst="arc">
+              <a:avLst/>
+            </a:prstGeom>
+            <a:ln>
+              <a:solidFill>
+                <a:schemeClr val="bg1"/>
+              </a:solidFill>
+            </a:ln>
+          </p:spPr>
+          <p:style>
+            <a:lnRef idx="1">
+              <a:schemeClr val="accent1"/>
+            </a:lnRef>
+            <a:fillRef idx="0">
+              <a:schemeClr val="accent1"/>
+            </a:fillRef>
+            <a:effectRef idx="0">
+              <a:schemeClr val="accent1"/>
+            </a:effectRef>
+            <a:fontRef idx="minor">
+              <a:schemeClr val="tx1"/>
+            </a:fontRef>
+          </p:style>
+          <p:txBody>
+            <a:bodyPr rtlCol="0" anchor="ctr"/>
+            <a:lstStyle/>
+            <a:p>
+              <a:pPr algn="ctr"/>
+              <a:endParaRPr lang="zh-CN" altLang="en-US"/>
+            </a:p>
+          </p:txBody>
+        </p:sp>
+      </p:grpSp>
+      <p:grpSp>
+        <p:nvGrpSpPr>
+          <p:cNvPr id="49" name="组合 48">
+            <a:extLst>
+              <a:ext uri="{FF2B5EF4-FFF2-40B4-BE49-F238E27FC236}">
+                <a16:creationId xmlns:a16="http://schemas.microsoft.com/office/drawing/2014/main" id="{F757F0CD-B944-41B7-9223-F09EC55D53E5}"/>
+              </a:ext>
+            </a:extLst>
+          </p:cNvPr>
+          <p:cNvGrpSpPr/>
+          <p:nvPr/>
+        </p:nvGrpSpPr>
+        <p:grpSpPr>
+          <a:xfrm>
+            <a:off x="9443177" y="4662784"/>
+            <a:ext cx="1465399" cy="1400001"/>
+            <a:chOff x="2307000" y="6578633"/>
+            <a:chExt cx="1465399" cy="1400001"/>
+          </a:xfrm>
+        </p:grpSpPr>
+        <p:sp>
+          <p:nvSpPr>
+            <p:cNvPr id="50" name="椭圆 49">
+              <a:extLst>
+                <a:ext uri="{FF2B5EF4-FFF2-40B4-BE49-F238E27FC236}">
+                  <a16:creationId xmlns:a16="http://schemas.microsoft.com/office/drawing/2014/main" id="{4348E099-037F-4A42-9E63-F1A860B96B21}"/>
+                </a:ext>
+              </a:extLst>
+            </p:cNvPr>
+            <p:cNvSpPr/>
+            <p:nvPr/>
+          </p:nvSpPr>
+          <p:spPr>
+            <a:xfrm>
+              <a:off x="2667000" y="6906867"/>
+              <a:ext cx="720000" cy="720000"/>
+            </a:xfrm>
+            <a:prstGeom prst="ellipse">
+              <a:avLst/>
+            </a:prstGeom>
+            <a:solidFill>
+              <a:srgbClr val="00B050">
+                <a:alpha val="55000"/>
+              </a:srgbClr>
+            </a:solidFill>
+            <a:ln>
+              <a:noFill/>
+            </a:ln>
+          </p:spPr>
+          <p:style>
+            <a:lnRef idx="2">
+              <a:schemeClr val="accent1">
+                <a:shade val="50000"/>
+              </a:schemeClr>
+            </a:lnRef>
+            <a:fillRef idx="1">
+              <a:schemeClr val="accent1"/>
+            </a:fillRef>
+            <a:effectRef idx="0">
+              <a:schemeClr val="accent1"/>
+            </a:effectRef>
+            <a:fontRef idx="minor">
+              <a:schemeClr val="lt1"/>
+            </a:fontRef>
+          </p:style>
+          <p:txBody>
+            <a:bodyPr rtlCol="0" anchor="ctr"/>
+            <a:lstStyle/>
+            <a:p>
+              <a:pPr algn="ctr"/>
+              <a:endParaRPr lang="zh-CN" altLang="en-US"/>
+            </a:p>
+          </p:txBody>
+        </p:sp>
+        <p:sp>
+          <p:nvSpPr>
+            <p:cNvPr id="51" name="弧形 50">
+              <a:extLst>
+                <a:ext uri="{FF2B5EF4-FFF2-40B4-BE49-F238E27FC236}">
+                  <a16:creationId xmlns:a16="http://schemas.microsoft.com/office/drawing/2014/main" id="{09160FE7-ED80-4A8C-97C4-BAD0DA294DBA}"/>
+                </a:ext>
+              </a:extLst>
+            </p:cNvPr>
+            <p:cNvSpPr/>
+            <p:nvPr/>
+          </p:nvSpPr>
+          <p:spPr>
+            <a:xfrm>
+              <a:off x="2307000" y="7258634"/>
+              <a:ext cx="720000" cy="720000"/>
+            </a:xfrm>
+            <a:prstGeom prst="arc">
+              <a:avLst/>
+            </a:prstGeom>
+            <a:ln>
+              <a:solidFill>
+                <a:schemeClr val="bg1"/>
+              </a:solidFill>
+            </a:ln>
+          </p:spPr>
+          <p:style>
+            <a:lnRef idx="1">
+              <a:schemeClr val="accent1"/>
+            </a:lnRef>
+            <a:fillRef idx="0">
+              <a:schemeClr val="accent1"/>
+            </a:fillRef>
+            <a:effectRef idx="0">
+              <a:schemeClr val="accent1"/>
+            </a:effectRef>
+            <a:fontRef idx="minor">
+              <a:schemeClr val="tx1"/>
+            </a:fontRef>
+          </p:style>
+          <p:txBody>
+            <a:bodyPr rtlCol="0" anchor="ctr"/>
+            <a:lstStyle/>
+            <a:p>
+              <a:pPr algn="ctr"/>
+              <a:endParaRPr lang="zh-CN" altLang="en-US"/>
+            </a:p>
+          </p:txBody>
+        </p:sp>
+        <p:sp>
+          <p:nvSpPr>
+            <p:cNvPr id="52" name="弧形 51">
+              <a:extLst>
+                <a:ext uri="{FF2B5EF4-FFF2-40B4-BE49-F238E27FC236}">
+                  <a16:creationId xmlns:a16="http://schemas.microsoft.com/office/drawing/2014/main" id="{79C5BFF4-3B78-47AD-9B9F-D5BD81F6E353}"/>
+                </a:ext>
+              </a:extLst>
+            </p:cNvPr>
+            <p:cNvSpPr/>
+            <p:nvPr/>
+          </p:nvSpPr>
+          <p:spPr>
+            <a:xfrm rot="11032779">
+              <a:off x="3052399" y="6578633"/>
+              <a:ext cx="720000" cy="720000"/>
+            </a:xfrm>
+            <a:prstGeom prst="arc">
+              <a:avLst/>
+            </a:prstGeom>
+            <a:ln>
+              <a:solidFill>
+                <a:schemeClr val="bg1"/>
+              </a:solidFill>
+            </a:ln>
+          </p:spPr>
+          <p:style>
+            <a:lnRef idx="1">
+              <a:schemeClr val="accent1"/>
+            </a:lnRef>
+            <a:fillRef idx="0">
+              <a:schemeClr val="accent1"/>
+            </a:fillRef>
+            <a:effectRef idx="0">
+              <a:schemeClr val="accent1"/>
+            </a:effectRef>
+            <a:fontRef idx="minor">
+              <a:schemeClr val="tx1"/>
+            </a:fontRef>
+          </p:style>
+          <p:txBody>
+            <a:bodyPr rtlCol="0" anchor="ctr"/>
+            <a:lstStyle/>
+            <a:p>
+              <a:pPr algn="ctr"/>
+              <a:endParaRPr lang="zh-CN" altLang="en-US"/>
+            </a:p>
+          </p:txBody>
+        </p:sp>
+      </p:grpSp>
+      <p:grpSp>
+        <p:nvGrpSpPr>
+          <p:cNvPr id="53" name="组合 52">
+            <a:extLst>
+              <a:ext uri="{FF2B5EF4-FFF2-40B4-BE49-F238E27FC236}">
+                <a16:creationId xmlns:a16="http://schemas.microsoft.com/office/drawing/2014/main" id="{82371EAB-A29A-49A9-8F34-AE406EBE0ED2}"/>
+              </a:ext>
+            </a:extLst>
+          </p:cNvPr>
+          <p:cNvGrpSpPr/>
+          <p:nvPr/>
+        </p:nvGrpSpPr>
+        <p:grpSpPr>
+          <a:xfrm>
+            <a:off x="9443177" y="5737105"/>
+            <a:ext cx="1465399" cy="1400001"/>
+            <a:chOff x="2307000" y="6578633"/>
+            <a:chExt cx="1465399" cy="1400001"/>
+          </a:xfrm>
+        </p:grpSpPr>
+        <p:sp>
+          <p:nvSpPr>
+            <p:cNvPr id="54" name="椭圆 53">
+              <a:extLst>
+                <a:ext uri="{FF2B5EF4-FFF2-40B4-BE49-F238E27FC236}">
+                  <a16:creationId xmlns:a16="http://schemas.microsoft.com/office/drawing/2014/main" id="{F4827DA5-C1F9-4FD8-839C-F70A0D8AA5B6}"/>
+                </a:ext>
+              </a:extLst>
+            </p:cNvPr>
+            <p:cNvSpPr/>
+            <p:nvPr/>
+          </p:nvSpPr>
+          <p:spPr>
+            <a:xfrm>
+              <a:off x="2667000" y="6906867"/>
+              <a:ext cx="720000" cy="720000"/>
+            </a:xfrm>
+            <a:prstGeom prst="ellipse">
+              <a:avLst/>
+            </a:prstGeom>
+            <a:solidFill>
+              <a:srgbClr val="00B050">
+                <a:alpha val="55000"/>
+              </a:srgbClr>
+            </a:solidFill>
+            <a:ln>
+              <a:noFill/>
+            </a:ln>
+          </p:spPr>
+          <p:style>
+            <a:lnRef idx="2">
+              <a:schemeClr val="accent1">
+                <a:shade val="50000"/>
+              </a:schemeClr>
+            </a:lnRef>
+            <a:fillRef idx="1">
+              <a:schemeClr val="accent1"/>
+            </a:fillRef>
+            <a:effectRef idx="0">
+              <a:schemeClr val="accent1"/>
+            </a:effectRef>
+            <a:fontRef idx="minor">
+              <a:schemeClr val="lt1"/>
+            </a:fontRef>
+          </p:style>
+          <p:txBody>
+            <a:bodyPr rtlCol="0" anchor="ctr"/>
+            <a:lstStyle/>
+            <a:p>
+              <a:pPr algn="ctr"/>
+              <a:endParaRPr lang="zh-CN" altLang="en-US"/>
+            </a:p>
+          </p:txBody>
+        </p:sp>
+        <p:sp>
+          <p:nvSpPr>
+            <p:cNvPr id="55" name="弧形 54">
+              <a:extLst>
+                <a:ext uri="{FF2B5EF4-FFF2-40B4-BE49-F238E27FC236}">
+                  <a16:creationId xmlns:a16="http://schemas.microsoft.com/office/drawing/2014/main" id="{0F08E35A-BB1D-4625-BEF3-6132068101C7}"/>
+                </a:ext>
+              </a:extLst>
+            </p:cNvPr>
+            <p:cNvSpPr/>
+            <p:nvPr/>
+          </p:nvSpPr>
+          <p:spPr>
+            <a:xfrm>
+              <a:off x="2307000" y="7258634"/>
+              <a:ext cx="720000" cy="720000"/>
+            </a:xfrm>
+            <a:prstGeom prst="arc">
+              <a:avLst/>
+            </a:prstGeom>
+            <a:ln>
+              <a:solidFill>
+                <a:schemeClr val="bg1"/>
+              </a:solidFill>
+            </a:ln>
+          </p:spPr>
+          <p:style>
+            <a:lnRef idx="1">
+              <a:schemeClr val="accent1"/>
+            </a:lnRef>
+            <a:fillRef idx="0">
+              <a:schemeClr val="accent1"/>
+            </a:fillRef>
+            <a:effectRef idx="0">
+              <a:schemeClr val="accent1"/>
+            </a:effectRef>
+            <a:fontRef idx="minor">
+              <a:schemeClr val="tx1"/>
+            </a:fontRef>
+          </p:style>
+          <p:txBody>
+            <a:bodyPr rtlCol="0" anchor="ctr"/>
+            <a:lstStyle/>
+            <a:p>
+              <a:pPr algn="ctr"/>
+              <a:endParaRPr lang="zh-CN" altLang="en-US"/>
+            </a:p>
+          </p:txBody>
+        </p:sp>
+        <p:sp>
+          <p:nvSpPr>
+            <p:cNvPr id="56" name="弧形 55">
+              <a:extLst>
+                <a:ext uri="{FF2B5EF4-FFF2-40B4-BE49-F238E27FC236}">
+                  <a16:creationId xmlns:a16="http://schemas.microsoft.com/office/drawing/2014/main" id="{B338A189-EA28-4C9E-B2FE-22D5B18EF305}"/>
+                </a:ext>
+              </a:extLst>
+            </p:cNvPr>
+            <p:cNvSpPr/>
+            <p:nvPr/>
+          </p:nvSpPr>
+          <p:spPr>
+            <a:xfrm rot="11032779">
+              <a:off x="3052399" y="6578633"/>
+              <a:ext cx="720000" cy="720000"/>
+            </a:xfrm>
+            <a:prstGeom prst="arc">
+              <a:avLst/>
+            </a:prstGeom>
+            <a:ln>
+              <a:solidFill>
+                <a:schemeClr val="bg1"/>
+              </a:solidFill>
+            </a:ln>
+          </p:spPr>
+          <p:style>
+            <a:lnRef idx="1">
+              <a:schemeClr val="accent1"/>
+            </a:lnRef>
+            <a:fillRef idx="0">
+              <a:schemeClr val="accent1"/>
+            </a:fillRef>
+            <a:effectRef idx="0">
+              <a:schemeClr val="accent1"/>
+            </a:effectRef>
+            <a:fontRef idx="minor">
+              <a:schemeClr val="tx1"/>
+            </a:fontRef>
+          </p:style>
+          <p:txBody>
+            <a:bodyPr rtlCol="0" anchor="ctr"/>
+            <a:lstStyle/>
+            <a:p>
+              <a:pPr algn="ctr"/>
+              <a:endParaRPr lang="zh-CN" altLang="en-US"/>
+            </a:p>
+          </p:txBody>
+        </p:sp>
+      </p:grpSp>
+      <p:sp>
+        <p:nvSpPr>
+          <p:cNvPr id="61" name="矩形 60">
+            <a:extLst>
+              <a:ext uri="{FF2B5EF4-FFF2-40B4-BE49-F238E27FC236}">
+                <a16:creationId xmlns:a16="http://schemas.microsoft.com/office/drawing/2014/main" id="{91EB34E5-C8AE-493C-AF9D-657DC7A9A14E}"/>
+              </a:ext>
+            </a:extLst>
+          </p:cNvPr>
+          <p:cNvSpPr/>
+          <p:nvPr/>
+        </p:nvSpPr>
+        <p:spPr>
+          <a:xfrm>
+            <a:off x="-1" y="9000263"/>
+            <a:ext cx="17279938" cy="720000"/>
+          </a:xfrm>
+          <a:prstGeom prst="rect">
+            <a:avLst/>
+          </a:prstGeom>
+          <a:solidFill>
+            <a:srgbClr val="75CEDE">
+              <a:alpha val="50000"/>
+            </a:srgbClr>
+          </a:solidFill>
+          <a:ln>
+            <a:noFill/>
+          </a:ln>
+        </p:spPr>
+        <p:style>
+          <a:lnRef idx="2">
+            <a:schemeClr val="accent1">
+              <a:shade val="50000"/>
+            </a:schemeClr>
+          </a:lnRef>
+          <a:fillRef idx="1">
+            <a:schemeClr val="accent1"/>
+          </a:fillRef>
+          <a:effectRef idx="0">
+            <a:schemeClr val="accent1"/>
+          </a:effectRef>
+          <a:fontRef idx="minor">
+            <a:schemeClr val="lt1"/>
+          </a:fontRef>
+        </p:style>
+        <p:txBody>
+          <a:bodyPr rtlCol="0" anchor="ctr"/>
+          <a:lstStyle/>
+          <a:p>
+            <a:pPr algn="ctr"/>
+            <a:endParaRPr lang="zh-CN" altLang="en-US"/>
+          </a:p>
+        </p:txBody>
+      </p:sp>
+      <p:grpSp>
+        <p:nvGrpSpPr>
+          <p:cNvPr id="62" name="组合 61">
+            <a:extLst>
+              <a:ext uri="{FF2B5EF4-FFF2-40B4-BE49-F238E27FC236}">
+                <a16:creationId xmlns:a16="http://schemas.microsoft.com/office/drawing/2014/main" id="{00873227-C6F8-4361-8279-8F6095908A80}"/>
+              </a:ext>
+            </a:extLst>
+          </p:cNvPr>
+          <p:cNvGrpSpPr/>
+          <p:nvPr/>
+        </p:nvGrpSpPr>
+        <p:grpSpPr>
+          <a:xfrm>
+            <a:off x="195549" y="8862379"/>
+            <a:ext cx="1042283" cy="995768"/>
+            <a:chOff x="195549" y="8862379"/>
+            <a:chExt cx="1042283" cy="995768"/>
+          </a:xfrm>
+        </p:grpSpPr>
+        <p:sp>
+          <p:nvSpPr>
+            <p:cNvPr id="63" name="椭圆 62">
+              <a:extLst>
+                <a:ext uri="{FF2B5EF4-FFF2-40B4-BE49-F238E27FC236}">
+                  <a16:creationId xmlns:a16="http://schemas.microsoft.com/office/drawing/2014/main" id="{40EEDF65-DEE8-4ECE-B45F-1BA3630147AC}"/>
+                </a:ext>
+              </a:extLst>
+            </p:cNvPr>
+            <p:cNvSpPr/>
+            <p:nvPr/>
+          </p:nvSpPr>
+          <p:spPr>
+            <a:xfrm>
+              <a:off x="451603" y="9095839"/>
+              <a:ext cx="512109" cy="512109"/>
+            </a:xfrm>
+            <a:prstGeom prst="ellipse">
+              <a:avLst/>
+            </a:prstGeom>
+            <a:solidFill>
+              <a:schemeClr val="bg1">
+                <a:alpha val="55000"/>
+              </a:schemeClr>
+            </a:solidFill>
+            <a:ln>
+              <a:noFill/>
+            </a:ln>
+          </p:spPr>
+          <p:style>
+            <a:lnRef idx="2">
+              <a:schemeClr val="accent1">
+                <a:shade val="50000"/>
+              </a:schemeClr>
+            </a:lnRef>
+            <a:fillRef idx="1">
+              <a:schemeClr val="accent1"/>
+            </a:fillRef>
+            <a:effectRef idx="0">
+              <a:schemeClr val="accent1"/>
+            </a:effectRef>
+            <a:fontRef idx="minor">
+              <a:schemeClr val="lt1"/>
+            </a:fontRef>
+          </p:style>
+          <p:txBody>
+            <a:bodyPr rtlCol="0" anchor="ctr"/>
+            <a:lstStyle/>
+            <a:p>
+              <a:pPr algn="ctr"/>
+              <a:endParaRPr lang="zh-CN" altLang="en-US"/>
+            </a:p>
+          </p:txBody>
+        </p:sp>
+        <p:sp>
+          <p:nvSpPr>
+            <p:cNvPr id="64" name="弧形 63">
+              <a:extLst>
+                <a:ext uri="{FF2B5EF4-FFF2-40B4-BE49-F238E27FC236}">
+                  <a16:creationId xmlns:a16="http://schemas.microsoft.com/office/drawing/2014/main" id="{1C554878-974D-4894-AF05-00B60A7125F1}"/>
+                </a:ext>
+              </a:extLst>
+            </p:cNvPr>
+            <p:cNvSpPr/>
+            <p:nvPr/>
+          </p:nvSpPr>
+          <p:spPr>
+            <a:xfrm>
+              <a:off x="195549" y="9346038"/>
+              <a:ext cx="512109" cy="512109"/>
+            </a:xfrm>
+            <a:prstGeom prst="arc">
+              <a:avLst/>
+            </a:prstGeom>
+            <a:ln>
+              <a:solidFill>
+                <a:schemeClr val="bg1"/>
+              </a:solidFill>
+            </a:ln>
+          </p:spPr>
+          <p:style>
+            <a:lnRef idx="1">
+              <a:schemeClr val="accent1"/>
+            </a:lnRef>
+            <a:fillRef idx="0">
+              <a:schemeClr val="accent1"/>
+            </a:fillRef>
+            <a:effectRef idx="0">
+              <a:schemeClr val="accent1"/>
+            </a:effectRef>
+            <a:fontRef idx="minor">
+              <a:schemeClr val="tx1"/>
+            </a:fontRef>
+          </p:style>
+          <p:txBody>
+            <a:bodyPr rtlCol="0" anchor="ctr"/>
+            <a:lstStyle/>
+            <a:p>
+              <a:pPr algn="ctr"/>
+              <a:endParaRPr lang="zh-CN" altLang="en-US"/>
+            </a:p>
+          </p:txBody>
+        </p:sp>
+        <p:sp>
+          <p:nvSpPr>
+            <p:cNvPr id="65" name="弧形 64">
+              <a:extLst>
+                <a:ext uri="{FF2B5EF4-FFF2-40B4-BE49-F238E27FC236}">
+                  <a16:creationId xmlns:a16="http://schemas.microsoft.com/office/drawing/2014/main" id="{E4672F39-FEEE-434A-8864-FC17A5EB9D87}"/>
+                </a:ext>
+              </a:extLst>
+            </p:cNvPr>
+            <p:cNvSpPr/>
+            <p:nvPr/>
+          </p:nvSpPr>
+          <p:spPr>
+            <a:xfrm rot="11032779">
+              <a:off x="725723" y="8862379"/>
+              <a:ext cx="512109" cy="512109"/>
+            </a:xfrm>
+            <a:prstGeom prst="arc">
+              <a:avLst/>
+            </a:prstGeom>
+            <a:ln>
+              <a:solidFill>
+                <a:schemeClr val="bg1"/>
+              </a:solidFill>
+            </a:ln>
+          </p:spPr>
+          <p:style>
+            <a:lnRef idx="1">
+              <a:schemeClr val="accent1"/>
+            </a:lnRef>
+            <a:fillRef idx="0">
+              <a:schemeClr val="accent1"/>
+            </a:fillRef>
+            <a:effectRef idx="0">
+              <a:schemeClr val="accent1"/>
+            </a:effectRef>
+            <a:fontRef idx="minor">
+              <a:schemeClr val="tx1"/>
+            </a:fontRef>
+          </p:style>
+          <p:txBody>
+            <a:bodyPr rtlCol="0" anchor="ctr"/>
+            <a:lstStyle/>
+            <a:p>
+              <a:pPr algn="ctr"/>
+              <a:endParaRPr lang="zh-CN" altLang="en-US"/>
+            </a:p>
+          </p:txBody>
+        </p:sp>
+      </p:grpSp>
+      <p:sp>
+        <p:nvSpPr>
+          <p:cNvPr id="66" name="文本框 65">
+            <a:extLst>
+              <a:ext uri="{FF2B5EF4-FFF2-40B4-BE49-F238E27FC236}">
+                <a16:creationId xmlns:a16="http://schemas.microsoft.com/office/drawing/2014/main" id="{E8F5543E-65ED-4C13-A93C-7D2C03D6F624}"/>
+              </a:ext>
+            </a:extLst>
+          </p:cNvPr>
+          <p:cNvSpPr txBox="1"/>
+          <p:nvPr/>
+        </p:nvSpPr>
+        <p:spPr>
+          <a:xfrm>
+            <a:off x="1088957" y="9217191"/>
+            <a:ext cx="1749197" cy="338554"/>
+          </a:xfrm>
+          <a:prstGeom prst="rect">
+            <a:avLst/>
+          </a:prstGeom>
+          <a:noFill/>
+        </p:spPr>
+        <p:txBody>
+          <a:bodyPr wrap="none" rtlCol="0">
+            <a:spAutoFit/>
+          </a:bodyPr>
+          <a:lstStyle/>
+          <a:p>
+            <a:r>
+              <a:rPr lang="en-US" altLang="zh-CN" sz="1600" dirty="0">
+                <a:solidFill>
+                  <a:schemeClr val="bg1"/>
+                </a:solidFill>
+                <a:latin typeface="苹方-简" panose="020B0400000000000000" pitchFamily="34" charset="-128"/>
+                <a:ea typeface="苹方-简" panose="020B0400000000000000" pitchFamily="34" charset="-128"/>
+              </a:rPr>
+              <a:t>Golang </a:t>
+            </a:r>
+            <a:r>
+              <a:rPr lang="zh-CN" altLang="en-US" sz="1600" dirty="0">
+                <a:solidFill>
+                  <a:schemeClr val="bg1"/>
+                </a:solidFill>
+                <a:latin typeface="苹方-简" panose="020B0400000000000000" pitchFamily="34" charset="-128"/>
+                <a:ea typeface="苹方-简" panose="020B0400000000000000" pitchFamily="34" charset="-128"/>
+              </a:rPr>
+              <a:t>学习专栏</a:t>
+            </a:r>
+          </a:p>
+        </p:txBody>
+      </p:sp>
+      <p:sp>
+        <p:nvSpPr>
+          <p:cNvPr id="67" name="椭圆 66">
+            <a:extLst>
+              <a:ext uri="{FF2B5EF4-FFF2-40B4-BE49-F238E27FC236}">
+                <a16:creationId xmlns:a16="http://schemas.microsoft.com/office/drawing/2014/main" id="{1D2ED1A7-FD5B-4627-91CF-77F0BAA7761C}"/>
+              </a:ext>
+            </a:extLst>
+          </p:cNvPr>
+          <p:cNvSpPr/>
+          <p:nvPr/>
+        </p:nvSpPr>
+        <p:spPr>
+          <a:xfrm>
+            <a:off x="16379124" y="9170092"/>
+            <a:ext cx="432000" cy="432000"/>
+          </a:xfrm>
+          <a:prstGeom prst="ellipse">
+            <a:avLst/>
+          </a:prstGeom>
+          <a:solidFill>
+            <a:schemeClr val="bg1"/>
+          </a:solidFill>
+          <a:ln>
+            <a:noFill/>
+          </a:ln>
+        </p:spPr>
+        <p:style>
+          <a:lnRef idx="2">
+            <a:schemeClr val="accent1">
+              <a:shade val="50000"/>
+            </a:schemeClr>
+          </a:lnRef>
+          <a:fillRef idx="1">
+            <a:schemeClr val="accent1"/>
+          </a:fillRef>
+          <a:effectRef idx="0">
+            <a:schemeClr val="accent1"/>
+          </a:effectRef>
+          <a:fontRef idx="minor">
+            <a:schemeClr val="lt1"/>
+          </a:fontRef>
+        </p:style>
+        <p:txBody>
+          <a:bodyPr rtlCol="0" anchor="ctr"/>
+          <a:lstStyle/>
+          <a:p>
+            <a:pPr algn="ctr"/>
+            <a:r>
+              <a:rPr lang="en-US" altLang="zh-CN" dirty="0">
+                <a:solidFill>
+                  <a:srgbClr val="75CEDE"/>
+                </a:solidFill>
+                <a:latin typeface="苹方-简" panose="020B0400000000000000" pitchFamily="34" charset="-128"/>
+                <a:ea typeface="苹方-简" panose="020B0400000000000000" pitchFamily="34" charset="-128"/>
+              </a:rPr>
+              <a:t>4</a:t>
+            </a:r>
+            <a:endParaRPr lang="zh-CN" altLang="en-US" dirty="0">
+              <a:solidFill>
+                <a:srgbClr val="75CEDE"/>
+              </a:solidFill>
+              <a:latin typeface="苹方-简" panose="020B0400000000000000" pitchFamily="34" charset="-128"/>
+              <a:ea typeface="苹方-简" panose="020B0400000000000000" pitchFamily="34" charset="-128"/>
+            </a:endParaRPr>
+          </a:p>
+        </p:txBody>
+      </p:sp>
+    </p:spTree>
+    <p:extLst>
+      <p:ext uri="{BB962C8B-B14F-4D97-AF65-F5344CB8AC3E}">
+        <p14:creationId xmlns:p14="http://schemas.microsoft.com/office/powerpoint/2010/main" val="3842796499"/>
+      </p:ext>
+    </p:extLst>
+  </p:cSld>
+  <p:clrMapOvr>
+    <a:masterClrMapping/>
+  </p:clrMapOvr>
+</p:sld>
+</file>
+
+<file path=ppt/slides/slide11.xml><?xml version="1.0" encoding="utf-8"?>
+<p:sld xmlns:a="http://schemas.openxmlformats.org/drawingml/2006/main" xmlns:r="http://schemas.openxmlformats.org/officeDocument/2006/relationships" xmlns:p="http://schemas.openxmlformats.org/presentationml/2006/main">
+  <p:cSld>
+    <p:bg>
+      <p:bgPr>
+        <a:solidFill>
+          <a:srgbClr val="E2E7EB"/>
+        </a:solidFill>
+        <a:effectLst/>
+      </p:bgPr>
+    </p:bg>
+    <p:spTree>
+      <p:nvGrpSpPr>
+        <p:cNvPr id="1" name=""/>
+        <p:cNvGrpSpPr/>
+        <p:nvPr/>
+      </p:nvGrpSpPr>
+      <p:grpSpPr>
+        <a:xfrm>
+          <a:off x="0" y="0"/>
+          <a:ext cx="0" cy="0"/>
+          <a:chOff x="0" y="0"/>
+          <a:chExt cx="0" cy="0"/>
+        </a:xfrm>
+      </p:grpSpPr>
+      <p:sp>
+        <p:nvSpPr>
           <p:cNvPr id="2" name="文本框 1">
             <a:extLst>
               <a:ext uri="{FF2B5EF4-FFF2-40B4-BE49-F238E27FC236}">
@@ -4919,7 +6969,7 @@
 </p:sld>
 </file>
 
-<file path=ppt/slides/slide11.xml><?xml version="1.0" encoding="utf-8"?>
+<file path=ppt/slides/slide12.xml><?xml version="1.0" encoding="utf-8"?>
 <p:sld xmlns:a="http://schemas.openxmlformats.org/drawingml/2006/main" xmlns:r="http://schemas.openxmlformats.org/officeDocument/2006/relationships" xmlns:p="http://schemas.openxmlformats.org/presentationml/2006/main">
   <p:cSld>
     <p:bg>
@@ -6206,7 +8256,7 @@
 </p:sld>
 </file>
 
-<file path=ppt/slides/slide12.xml><?xml version="1.0" encoding="utf-8"?>
+<file path=ppt/slides/slide13.xml><?xml version="1.0" encoding="utf-8"?>
 <p:sld xmlns:a="http://schemas.openxmlformats.org/drawingml/2006/main" xmlns:r="http://schemas.openxmlformats.org/officeDocument/2006/relationships" xmlns:p="http://schemas.openxmlformats.org/presentationml/2006/main">
   <p:cSld>
     <p:bg>
@@ -7092,7 +9142,7 @@
 </p:sld>
 </file>
 
-<file path=ppt/slides/slide13.xml><?xml version="1.0" encoding="utf-8"?>
+<file path=ppt/slides/slide14.xml><?xml version="1.0" encoding="utf-8"?>
 <p:sld xmlns:a="http://schemas.openxmlformats.org/drawingml/2006/main" xmlns:r="http://schemas.openxmlformats.org/officeDocument/2006/relationships" xmlns:p="http://schemas.openxmlformats.org/presentationml/2006/main">
   <p:cSld>
     <p:bg>
@@ -7219,7 +9269,7 @@
 </p:sld>
 </file>
 
-<file path=ppt/slides/slide14.xml><?xml version="1.0" encoding="utf-8"?>
+<file path=ppt/slides/slide15.xml><?xml version="1.0" encoding="utf-8"?>
 <p:sld xmlns:a="http://schemas.openxmlformats.org/drawingml/2006/main" xmlns:r="http://schemas.openxmlformats.org/officeDocument/2006/relationships" xmlns:p="http://schemas.openxmlformats.org/presentationml/2006/main">
   <p:cSld>
     <p:bg>
@@ -10042,8 +12092,8 @@
         </p:nvSpPr>
         <p:spPr>
           <a:xfrm>
-            <a:off x="716691" y="630194"/>
-            <a:ext cx="4460790" cy="584775"/>
+            <a:off x="195549" y="1060385"/>
+            <a:ext cx="2693774" cy="1077218"/>
           </a:xfrm>
           <a:prstGeom prst="rect">
             <a:avLst/>
@@ -10061,25 +12111,27 @@
                 <a:solidFill>
                   <a:srgbClr val="00B050"/>
                 </a:solidFill>
-                <a:latin typeface="!!Helvetica" pitchFamily="2" charset="0"/>
+                <a:latin typeface="思源黑体 CN Normal" panose="020B0400000000000000" pitchFamily="34" charset="-122"/>
+                <a:ea typeface="思源黑体 CN Normal" panose="020B0400000000000000" pitchFamily="34" charset="-122"/>
               </a:rPr>
               <a:t>解析简书全站</a:t>
             </a:r>
-            <a:r>
-              <a:rPr lang="en-US" altLang="zh-CN" sz="3200" b="1" dirty="0">
-                <a:solidFill>
-                  <a:srgbClr val="00B050"/>
-                </a:solidFill>
-                <a:latin typeface="!!Helvetica" pitchFamily="2" charset="0"/>
-              </a:rPr>
-              <a:t>, </a:t>
-            </a:r>
+            <a:endParaRPr lang="en-US" altLang="zh-CN" sz="3200" b="1" dirty="0">
+              <a:solidFill>
+                <a:srgbClr val="00B050"/>
+              </a:solidFill>
+              <a:latin typeface="思源黑体 CN Normal" panose="020B0400000000000000" pitchFamily="34" charset="-122"/>
+              <a:ea typeface="思源黑体 CN Normal" panose="020B0400000000000000" pitchFamily="34" charset="-122"/>
+            </a:endParaRPr>
+          </a:p>
+          <a:p>
             <a:r>
               <a:rPr lang="zh-CN" altLang="en-US" sz="3200" b="1" dirty="0">
                 <a:solidFill>
                   <a:srgbClr val="00B050"/>
                 </a:solidFill>
-                <a:latin typeface="!!Helvetica" pitchFamily="2" charset="0"/>
+                <a:latin typeface="思源黑体 CN Normal" panose="020B0400000000000000" pitchFamily="34" charset="-122"/>
+                <a:ea typeface="思源黑体 CN Normal" panose="020B0400000000000000" pitchFamily="34" charset="-122"/>
               </a:rPr>
               <a:t>生成 </a:t>
             </a:r>
@@ -10088,7 +12140,8 @@
                 <a:solidFill>
                   <a:srgbClr val="00B050"/>
                 </a:solidFill>
-                <a:latin typeface="!!Helvetica" pitchFamily="2" charset="0"/>
+                <a:latin typeface="思源黑体 CN Normal" panose="020B0400000000000000" pitchFamily="34" charset="-122"/>
+                <a:ea typeface="思源黑体 CN Normal" panose="020B0400000000000000" pitchFamily="34" charset="-122"/>
               </a:rPr>
               <a:t>API</a:t>
             </a:r>
@@ -10096,77 +12149,9 @@
               <a:solidFill>
                 <a:srgbClr val="00B050"/>
               </a:solidFill>
-              <a:latin typeface="!!Helvetica" pitchFamily="2" charset="0"/>
+              <a:latin typeface="思源黑体 CN Normal" panose="020B0400000000000000" pitchFamily="34" charset="-122"/>
+              <a:ea typeface="思源黑体 CN Normal" panose="020B0400000000000000" pitchFamily="34" charset="-122"/>
             </a:endParaRPr>
-          </a:p>
-        </p:txBody>
-      </p:sp>
-      <p:sp>
-        <p:nvSpPr>
-          <p:cNvPr id="3" name="矩形: 圆角 2">
-            <a:extLst>
-              <a:ext uri="{FF2B5EF4-FFF2-40B4-BE49-F238E27FC236}">
-                <a16:creationId xmlns:a16="http://schemas.microsoft.com/office/drawing/2014/main" id="{80711143-DFF2-4471-B84E-F9B3C4B29511}"/>
-              </a:ext>
-            </a:extLst>
-          </p:cNvPr>
-          <p:cNvSpPr/>
-          <p:nvPr/>
-        </p:nvSpPr>
-        <p:spPr>
-          <a:xfrm>
-            <a:off x="840259" y="1470454"/>
-            <a:ext cx="15754865" cy="6820930"/>
-          </a:xfrm>
-          <a:prstGeom prst="roundRect">
-            <a:avLst>
-              <a:gd name="adj" fmla="val 2537"/>
-            </a:avLst>
-          </a:prstGeom>
-          <a:blipFill>
-            <a:blip r:embed="rId2"/>
-            <a:stretch>
-              <a:fillRect/>
-            </a:stretch>
-          </a:blipFill>
-          <a:ln>
-            <a:solidFill>
-              <a:schemeClr val="bg2">
-                <a:lumMod val="90000"/>
-              </a:schemeClr>
-            </a:solidFill>
-          </a:ln>
-          <a:effectLst>
-            <a:outerShdw sx="101000" sy="101000" algn="ctr" rotWithShape="0">
-              <a:schemeClr val="bg1">
-                <a:lumMod val="95000"/>
-                <a:alpha val="20000"/>
-              </a:schemeClr>
-            </a:outerShdw>
-          </a:effectLst>
-        </p:spPr>
-        <p:style>
-          <a:lnRef idx="2">
-            <a:schemeClr val="accent1">
-              <a:shade val="50000"/>
-            </a:schemeClr>
-          </a:lnRef>
-          <a:fillRef idx="1">
-            <a:schemeClr val="accent1"/>
-          </a:fillRef>
-          <a:effectRef idx="0">
-            <a:schemeClr val="accent1"/>
-          </a:effectRef>
-          <a:fontRef idx="minor">
-            <a:schemeClr val="lt1"/>
-          </a:fontRef>
-        </p:style>
-        <p:txBody>
-          <a:bodyPr rtlCol="0" anchor="ctr"/>
-          <a:lstStyle/>
-          <a:p>
-            <a:pPr algn="ctr"/>
-            <a:endParaRPr lang="zh-CN" altLang="en-US"/>
           </a:p>
         </p:txBody>
       </p:sp>
@@ -10185,7 +12170,7 @@
           <p:nvPr/>
         </p:nvPicPr>
         <p:blipFill>
-          <a:blip r:embed="rId3"/>
+          <a:blip r:embed="rId2"/>
           <a:stretch>
             <a:fillRect/>
           </a:stretch>
@@ -10549,6 +12534,36 @@
           </a:p>
         </p:txBody>
       </p:sp>
+      <p:pic>
+        <p:nvPicPr>
+          <p:cNvPr id="6" name="图片 5">
+            <a:extLst>
+              <a:ext uri="{FF2B5EF4-FFF2-40B4-BE49-F238E27FC236}">
+                <a16:creationId xmlns:a16="http://schemas.microsoft.com/office/drawing/2014/main" id="{29450F12-59AA-48A1-AD39-C98A572E617A}"/>
+              </a:ext>
+            </a:extLst>
+          </p:cNvPr>
+          <p:cNvPicPr>
+            <a:picLocks noChangeAspect="1"/>
+          </p:cNvPicPr>
+          <p:nvPr/>
+        </p:nvPicPr>
+        <p:blipFill>
+          <a:blip r:embed="rId3"/>
+          <a:stretch>
+            <a:fillRect/>
+          </a:stretch>
+        </p:blipFill>
+        <p:spPr>
+          <a:xfrm>
+            <a:off x="3571768" y="1060385"/>
+            <a:ext cx="13708170" cy="7939839"/>
+          </a:xfrm>
+          <a:prstGeom prst="rect">
+            <a:avLst/>
+          </a:prstGeom>
+        </p:spPr>
+      </p:pic>
     </p:spTree>
     <p:extLst>
       <p:ext uri="{BB962C8B-B14F-4D97-AF65-F5344CB8AC3E}">
@@ -10601,8 +12616,8 @@
         </p:nvSpPr>
         <p:spPr>
           <a:xfrm>
-            <a:off x="716691" y="630194"/>
-            <a:ext cx="4460790" cy="584775"/>
+            <a:off x="500209" y="1198249"/>
+            <a:ext cx="2811402" cy="1077218"/>
           </a:xfrm>
           <a:prstGeom prst="rect">
             <a:avLst/>
@@ -10620,25 +12635,37 @@
                 <a:solidFill>
                   <a:srgbClr val="00B050"/>
                 </a:solidFill>
-                <a:latin typeface="!!Helvetica" pitchFamily="2" charset="0"/>
+                <a:latin typeface="思源黑体 CN Normal" panose="020B0400000000000000" pitchFamily="34" charset="-122"/>
+                <a:ea typeface="思源黑体 CN Normal" panose="020B0400000000000000" pitchFamily="34" charset="-122"/>
               </a:rPr>
               <a:t>命令行工具</a:t>
             </a:r>
+            <a:endParaRPr lang="en-US" altLang="zh-CN" sz="3200" b="1" dirty="0">
+              <a:solidFill>
+                <a:srgbClr val="00B050"/>
+              </a:solidFill>
+              <a:latin typeface="思源黑体 CN Normal" panose="020B0400000000000000" pitchFamily="34" charset="-122"/>
+              <a:ea typeface="思源黑体 CN Normal" panose="020B0400000000000000" pitchFamily="34" charset="-122"/>
+            </a:endParaRPr>
+          </a:p>
+          <a:p>
             <a:r>
               <a:rPr lang="en-US" altLang="zh-CN" sz="3200" b="1" dirty="0">
                 <a:solidFill>
                   <a:srgbClr val="00B050"/>
                 </a:solidFill>
-                <a:latin typeface="!!Helvetica" pitchFamily="2" charset="0"/>
+                <a:latin typeface="思源黑体 CN Normal" panose="020B0400000000000000" pitchFamily="34" charset="-122"/>
+                <a:ea typeface="思源黑体 CN Normal" panose="020B0400000000000000" pitchFamily="34" charset="-122"/>
               </a:rPr>
-              <a:t>: </a:t>
+              <a:t> </a:t>
             </a:r>
             <a:r>
               <a:rPr lang="en-US" altLang="zh-CN" sz="3200" b="1" dirty="0" err="1">
                 <a:solidFill>
                   <a:srgbClr val="00B050"/>
                 </a:solidFill>
-                <a:latin typeface="!!Helvetica" pitchFamily="2" charset="0"/>
+                <a:latin typeface="思源黑体 CN Normal" panose="020B0400000000000000" pitchFamily="34" charset="-122"/>
+                <a:ea typeface="思源黑体 CN Normal" panose="020B0400000000000000" pitchFamily="34" charset="-122"/>
               </a:rPr>
               <a:t>YiYi</a:t>
             </a:r>
@@ -10646,77 +12673,9 @@
               <a:solidFill>
                 <a:srgbClr val="00B050"/>
               </a:solidFill>
-              <a:latin typeface="!!Helvetica" pitchFamily="2" charset="0"/>
+              <a:latin typeface="思源黑体 CN Normal" panose="020B0400000000000000" pitchFamily="34" charset="-122"/>
+              <a:ea typeface="思源黑体 CN Normal" panose="020B0400000000000000" pitchFamily="34" charset="-122"/>
             </a:endParaRPr>
-          </a:p>
-        </p:txBody>
-      </p:sp>
-      <p:sp>
-        <p:nvSpPr>
-          <p:cNvPr id="3" name="矩形: 圆角 2">
-            <a:extLst>
-              <a:ext uri="{FF2B5EF4-FFF2-40B4-BE49-F238E27FC236}">
-                <a16:creationId xmlns:a16="http://schemas.microsoft.com/office/drawing/2014/main" id="{77CD59D5-6E51-470C-B607-E65B617C6475}"/>
-              </a:ext>
-            </a:extLst>
-          </p:cNvPr>
-          <p:cNvSpPr/>
-          <p:nvPr/>
-        </p:nvSpPr>
-        <p:spPr>
-          <a:xfrm>
-            <a:off x="840259" y="1470454"/>
-            <a:ext cx="15754865" cy="6820930"/>
-          </a:xfrm>
-          <a:prstGeom prst="roundRect">
-            <a:avLst>
-              <a:gd name="adj" fmla="val 2537"/>
-            </a:avLst>
-          </a:prstGeom>
-          <a:blipFill>
-            <a:blip r:embed="rId2"/>
-            <a:stretch>
-              <a:fillRect/>
-            </a:stretch>
-          </a:blipFill>
-          <a:ln>
-            <a:solidFill>
-              <a:schemeClr val="bg2">
-                <a:lumMod val="75000"/>
-              </a:schemeClr>
-            </a:solidFill>
-          </a:ln>
-          <a:effectLst>
-            <a:outerShdw blurRad="25400" sx="101000" sy="101000" algn="ctr" rotWithShape="0">
-              <a:schemeClr val="bg1">
-                <a:lumMod val="95000"/>
-                <a:alpha val="18000"/>
-              </a:schemeClr>
-            </a:outerShdw>
-          </a:effectLst>
-        </p:spPr>
-        <p:style>
-          <a:lnRef idx="2">
-            <a:schemeClr val="accent1">
-              <a:shade val="50000"/>
-            </a:schemeClr>
-          </a:lnRef>
-          <a:fillRef idx="1">
-            <a:schemeClr val="accent1"/>
-          </a:fillRef>
-          <a:effectRef idx="0">
-            <a:schemeClr val="accent1"/>
-          </a:effectRef>
-          <a:fontRef idx="minor">
-            <a:schemeClr val="lt1"/>
-          </a:fontRef>
-        </p:style>
-        <p:txBody>
-          <a:bodyPr rtlCol="0" anchor="ctr"/>
-          <a:lstStyle/>
-          <a:p>
-            <a:pPr algn="ctr"/>
-            <a:endParaRPr lang="zh-CN" altLang="en-US"/>
           </a:p>
         </p:txBody>
       </p:sp>
@@ -11066,6 +13025,36 @@
           </a:p>
         </p:txBody>
       </p:sp>
+      <p:pic>
+        <p:nvPicPr>
+          <p:cNvPr id="11" name="图片 10">
+            <a:extLst>
+              <a:ext uri="{FF2B5EF4-FFF2-40B4-BE49-F238E27FC236}">
+                <a16:creationId xmlns:a16="http://schemas.microsoft.com/office/drawing/2014/main" id="{CC44BC2B-A16E-4235-8D58-24E0F9A68684}"/>
+              </a:ext>
+            </a:extLst>
+          </p:cNvPr>
+          <p:cNvPicPr>
+            <a:picLocks noChangeAspect="1"/>
+          </p:cNvPicPr>
+          <p:nvPr/>
+        </p:nvPicPr>
+        <p:blipFill>
+          <a:blip r:embed="rId2"/>
+          <a:stretch>
+            <a:fillRect/>
+          </a:stretch>
+        </p:blipFill>
+        <p:spPr>
+          <a:xfrm>
+            <a:off x="4206637" y="1310564"/>
+            <a:ext cx="13073300" cy="7689699"/>
+          </a:xfrm>
+          <a:prstGeom prst="rect">
+            <a:avLst/>
+          </a:prstGeom>
+        </p:spPr>
+      </p:pic>
     </p:spTree>
     <p:extLst>
       <p:ext uri="{BB962C8B-B14F-4D97-AF65-F5344CB8AC3E}">
@@ -11106,10 +13095,65 @@
       </p:grpSpPr>
       <p:sp>
         <p:nvSpPr>
-          <p:cNvPr id="3" name="圆: 空心 2">
+          <p:cNvPr id="2" name="文本框 1">
             <a:extLst>
               <a:ext uri="{FF2B5EF4-FFF2-40B4-BE49-F238E27FC236}">
-                <a16:creationId xmlns:a16="http://schemas.microsoft.com/office/drawing/2014/main" id="{BD2640D6-75ED-483C-BF16-F16F3755924A}"/>
+                <a16:creationId xmlns:a16="http://schemas.microsoft.com/office/drawing/2014/main" id="{5B301F14-AA95-4046-BCBE-A281233147DF}"/>
+              </a:ext>
+            </a:extLst>
+          </p:cNvPr>
+          <p:cNvSpPr txBox="1"/>
+          <p:nvPr/>
+        </p:nvSpPr>
+        <p:spPr>
+          <a:xfrm>
+            <a:off x="195549" y="1049806"/>
+            <a:ext cx="3312504" cy="584775"/>
+          </a:xfrm>
+          <a:prstGeom prst="rect">
+            <a:avLst/>
+          </a:prstGeom>
+          <a:noFill/>
+        </p:spPr>
+        <p:txBody>
+          <a:bodyPr wrap="square" rtlCol="0">
+            <a:spAutoFit/>
+          </a:bodyPr>
+          <a:lstStyle/>
+          <a:p>
+            <a:r>
+              <a:rPr lang="en-US" altLang="zh-CN" sz="3200" b="1" dirty="0">
+                <a:solidFill>
+                  <a:srgbClr val="00B050"/>
+                </a:solidFill>
+                <a:latin typeface="!!Helvetica" pitchFamily="2" charset="0"/>
+              </a:rPr>
+              <a:t>Fake-</a:t>
+            </a:r>
+            <a:r>
+              <a:rPr lang="en-US" altLang="zh-CN" sz="3200" b="1" dirty="0" err="1">
+                <a:solidFill>
+                  <a:srgbClr val="00B050"/>
+                </a:solidFill>
+                <a:latin typeface="!!Helvetica" pitchFamily="2" charset="0"/>
+              </a:rPr>
+              <a:t>UserAgent</a:t>
+            </a:r>
+            <a:endParaRPr lang="zh-CN" altLang="en-US" sz="3200" dirty="0">
+              <a:solidFill>
+                <a:srgbClr val="00B050"/>
+              </a:solidFill>
+              <a:latin typeface="!!Helvetica" pitchFamily="2" charset="0"/>
+            </a:endParaRPr>
+          </a:p>
+        </p:txBody>
+      </p:sp>
+      <p:sp>
+        <p:nvSpPr>
+          <p:cNvPr id="4" name="矩形 3">
+            <a:extLst>
+              <a:ext uri="{FF2B5EF4-FFF2-40B4-BE49-F238E27FC236}">
+                <a16:creationId xmlns:a16="http://schemas.microsoft.com/office/drawing/2014/main" id="{C1146B86-5BA0-4A8D-A69C-898800E482B7}"/>
               </a:ext>
             </a:extLst>
           </p:cNvPr>
@@ -11118,27 +13162,20 @@
         </p:nvSpPr>
         <p:spPr>
           <a:xfrm>
-            <a:off x="7918449" y="4138611"/>
-            <a:ext cx="1440000" cy="1440000"/>
-          </a:xfrm>
-          <a:prstGeom prst="donut">
-            <a:avLst>
-              <a:gd name="adj" fmla="val 20837"/>
-            </a:avLst>
+            <a:off x="-1" y="9000263"/>
+            <a:ext cx="17279938" cy="720000"/>
+          </a:xfrm>
+          <a:prstGeom prst="rect">
+            <a:avLst/>
           </a:prstGeom>
           <a:solidFill>
-            <a:srgbClr val="00B050"/>
+            <a:srgbClr val="75CEDE">
+              <a:alpha val="50000"/>
+            </a:srgbClr>
           </a:solidFill>
           <a:ln>
             <a:noFill/>
           </a:ln>
-          <a:effectLst>
-            <a:outerShdw blurRad="50800" dist="38100" dir="5400000" algn="t" rotWithShape="0">
-              <a:prstClr val="black">
-                <a:alpha val="40000"/>
-              </a:prstClr>
-            </a:outerShdw>
-          </a:effectLst>
         </p:spPr>
         <p:style>
           <a:lnRef idx="2">
@@ -11161,20 +13198,240 @@
           <a:lstStyle/>
           <a:p>
             <a:pPr algn="ctr"/>
-            <a:endParaRPr lang="zh-CN" altLang="en-US">
-              <a:solidFill>
-                <a:schemeClr val="tx1"/>
-              </a:solidFill>
-            </a:endParaRPr>
-          </a:p>
-        </p:txBody>
-      </p:sp>
-      <p:sp>
-        <p:nvSpPr>
-          <p:cNvPr id="6" name="等腰三角形 5">
+            <a:endParaRPr lang="zh-CN" altLang="en-US"/>
+          </a:p>
+        </p:txBody>
+      </p:sp>
+      <p:grpSp>
+        <p:nvGrpSpPr>
+          <p:cNvPr id="5" name="组合 4">
             <a:extLst>
               <a:ext uri="{FF2B5EF4-FFF2-40B4-BE49-F238E27FC236}">
-                <a16:creationId xmlns:a16="http://schemas.microsoft.com/office/drawing/2014/main" id="{89C43405-58BE-48AC-9E1F-CEC38DE62DBC}"/>
+                <a16:creationId xmlns:a16="http://schemas.microsoft.com/office/drawing/2014/main" id="{18CCF2DE-84D2-4A2D-9651-07DCC3D7C9E2}"/>
+              </a:ext>
+            </a:extLst>
+          </p:cNvPr>
+          <p:cNvGrpSpPr/>
+          <p:nvPr/>
+        </p:nvGrpSpPr>
+        <p:grpSpPr>
+          <a:xfrm>
+            <a:off x="195549" y="8862379"/>
+            <a:ext cx="1042283" cy="995768"/>
+            <a:chOff x="195549" y="8862379"/>
+            <a:chExt cx="1042283" cy="995768"/>
+          </a:xfrm>
+        </p:grpSpPr>
+        <p:sp>
+          <p:nvSpPr>
+            <p:cNvPr id="6" name="椭圆 5">
+              <a:extLst>
+                <a:ext uri="{FF2B5EF4-FFF2-40B4-BE49-F238E27FC236}">
+                  <a16:creationId xmlns:a16="http://schemas.microsoft.com/office/drawing/2014/main" id="{830D56EF-E131-474F-942B-4DDA69253B13}"/>
+                </a:ext>
+              </a:extLst>
+            </p:cNvPr>
+            <p:cNvSpPr/>
+            <p:nvPr/>
+          </p:nvSpPr>
+          <p:spPr>
+            <a:xfrm>
+              <a:off x="451603" y="9095839"/>
+              <a:ext cx="512109" cy="512109"/>
+            </a:xfrm>
+            <a:prstGeom prst="ellipse">
+              <a:avLst/>
+            </a:prstGeom>
+            <a:solidFill>
+              <a:schemeClr val="bg1">
+                <a:alpha val="55000"/>
+              </a:schemeClr>
+            </a:solidFill>
+            <a:ln>
+              <a:noFill/>
+            </a:ln>
+          </p:spPr>
+          <p:style>
+            <a:lnRef idx="2">
+              <a:schemeClr val="accent1">
+                <a:shade val="50000"/>
+              </a:schemeClr>
+            </a:lnRef>
+            <a:fillRef idx="1">
+              <a:schemeClr val="accent1"/>
+            </a:fillRef>
+            <a:effectRef idx="0">
+              <a:schemeClr val="accent1"/>
+            </a:effectRef>
+            <a:fontRef idx="minor">
+              <a:schemeClr val="lt1"/>
+            </a:fontRef>
+          </p:style>
+          <p:txBody>
+            <a:bodyPr rtlCol="0" anchor="ctr"/>
+            <a:lstStyle/>
+            <a:p>
+              <a:pPr algn="ctr"/>
+              <a:endParaRPr lang="zh-CN" altLang="en-US"/>
+            </a:p>
+          </p:txBody>
+        </p:sp>
+        <p:sp>
+          <p:nvSpPr>
+            <p:cNvPr id="7" name="弧形 6">
+              <a:extLst>
+                <a:ext uri="{FF2B5EF4-FFF2-40B4-BE49-F238E27FC236}">
+                  <a16:creationId xmlns:a16="http://schemas.microsoft.com/office/drawing/2014/main" id="{55973D03-7EEB-43C3-A6DB-6BFB545940BD}"/>
+                </a:ext>
+              </a:extLst>
+            </p:cNvPr>
+            <p:cNvSpPr/>
+            <p:nvPr/>
+          </p:nvSpPr>
+          <p:spPr>
+            <a:xfrm>
+              <a:off x="195549" y="9346038"/>
+              <a:ext cx="512109" cy="512109"/>
+            </a:xfrm>
+            <a:prstGeom prst="arc">
+              <a:avLst/>
+            </a:prstGeom>
+            <a:ln>
+              <a:solidFill>
+                <a:schemeClr val="bg1"/>
+              </a:solidFill>
+            </a:ln>
+          </p:spPr>
+          <p:style>
+            <a:lnRef idx="1">
+              <a:schemeClr val="accent1"/>
+            </a:lnRef>
+            <a:fillRef idx="0">
+              <a:schemeClr val="accent1"/>
+            </a:fillRef>
+            <a:effectRef idx="0">
+              <a:schemeClr val="accent1"/>
+            </a:effectRef>
+            <a:fontRef idx="minor">
+              <a:schemeClr val="tx1"/>
+            </a:fontRef>
+          </p:style>
+          <p:txBody>
+            <a:bodyPr rtlCol="0" anchor="ctr"/>
+            <a:lstStyle/>
+            <a:p>
+              <a:pPr algn="ctr"/>
+              <a:endParaRPr lang="zh-CN" altLang="en-US"/>
+            </a:p>
+          </p:txBody>
+        </p:sp>
+        <p:sp>
+          <p:nvSpPr>
+            <p:cNvPr id="8" name="弧形 7">
+              <a:extLst>
+                <a:ext uri="{FF2B5EF4-FFF2-40B4-BE49-F238E27FC236}">
+                  <a16:creationId xmlns:a16="http://schemas.microsoft.com/office/drawing/2014/main" id="{A9E738F5-4D3A-4C85-B633-6C22873CE2FA}"/>
+                </a:ext>
+              </a:extLst>
+            </p:cNvPr>
+            <p:cNvSpPr/>
+            <p:nvPr/>
+          </p:nvSpPr>
+          <p:spPr>
+            <a:xfrm rot="11032779">
+              <a:off x="725723" y="8862379"/>
+              <a:ext cx="512109" cy="512109"/>
+            </a:xfrm>
+            <a:prstGeom prst="arc">
+              <a:avLst/>
+            </a:prstGeom>
+            <a:ln>
+              <a:solidFill>
+                <a:schemeClr val="bg1"/>
+              </a:solidFill>
+            </a:ln>
+          </p:spPr>
+          <p:style>
+            <a:lnRef idx="1">
+              <a:schemeClr val="accent1"/>
+            </a:lnRef>
+            <a:fillRef idx="0">
+              <a:schemeClr val="accent1"/>
+            </a:fillRef>
+            <a:effectRef idx="0">
+              <a:schemeClr val="accent1"/>
+            </a:effectRef>
+            <a:fontRef idx="minor">
+              <a:schemeClr val="tx1"/>
+            </a:fontRef>
+          </p:style>
+          <p:txBody>
+            <a:bodyPr rtlCol="0" anchor="ctr"/>
+            <a:lstStyle/>
+            <a:p>
+              <a:pPr algn="ctr"/>
+              <a:endParaRPr lang="zh-CN" altLang="en-US"/>
+            </a:p>
+          </p:txBody>
+        </p:sp>
+      </p:grpSp>
+      <p:sp>
+        <p:nvSpPr>
+          <p:cNvPr id="9" name="文本框 8">
+            <a:extLst>
+              <a:ext uri="{FF2B5EF4-FFF2-40B4-BE49-F238E27FC236}">
+                <a16:creationId xmlns:a16="http://schemas.microsoft.com/office/drawing/2014/main" id="{237DDBFE-C8CB-4C2D-B42E-9DE5CFA7912A}"/>
+              </a:ext>
+            </a:extLst>
+          </p:cNvPr>
+          <p:cNvSpPr txBox="1"/>
+          <p:nvPr/>
+        </p:nvSpPr>
+        <p:spPr>
+          <a:xfrm>
+            <a:off x="1088957" y="9217191"/>
+            <a:ext cx="1749197" cy="338554"/>
+          </a:xfrm>
+          <a:prstGeom prst="rect">
+            <a:avLst/>
+          </a:prstGeom>
+          <a:noFill/>
+        </p:spPr>
+        <p:txBody>
+          <a:bodyPr wrap="none" rtlCol="0">
+            <a:spAutoFit/>
+          </a:bodyPr>
+          <a:lstStyle/>
+          <a:p>
+            <a:r>
+              <a:rPr lang="en-US" altLang="zh-CN" sz="1600" dirty="0">
+                <a:solidFill>
+                  <a:schemeClr val="bg1"/>
+                </a:solidFill>
+                <a:latin typeface="苹方-简" panose="020B0400000000000000" pitchFamily="34" charset="-128"/>
+                <a:ea typeface="苹方-简" panose="020B0400000000000000" pitchFamily="34" charset="-128"/>
+              </a:rPr>
+              <a:t>Golang </a:t>
+            </a:r>
+            <a:r>
+              <a:rPr lang="zh-CN" altLang="en-US" sz="1600" dirty="0">
+                <a:solidFill>
+                  <a:schemeClr val="bg1"/>
+                </a:solidFill>
+                <a:latin typeface="苹方-简" panose="020B0400000000000000" pitchFamily="34" charset="-128"/>
+                <a:ea typeface="苹方-简" panose="020B0400000000000000" pitchFamily="34" charset="-128"/>
+              </a:rPr>
+              <a:t>学习专栏</a:t>
+            </a:r>
+          </a:p>
+        </p:txBody>
+      </p:sp>
+      <p:sp>
+        <p:nvSpPr>
+          <p:cNvPr id="10" name="椭圆 9">
+            <a:extLst>
+              <a:ext uri="{FF2B5EF4-FFF2-40B4-BE49-F238E27FC236}">
+                <a16:creationId xmlns:a16="http://schemas.microsoft.com/office/drawing/2014/main" id="{2F4CC4AC-E4ED-4531-9E75-E7DED73F9EF9}"/>
               </a:ext>
             </a:extLst>
           </p:cNvPr>
@@ -11182,26 +13439,19 @@
           <p:nvPr/>
         </p:nvSpPr>
         <p:spPr>
-          <a:xfrm rot="5400000">
-            <a:off x="8536519" y="4716925"/>
-            <a:ext cx="288000" cy="288000"/>
-          </a:xfrm>
-          <a:prstGeom prst="triangle">
+          <a:xfrm>
+            <a:off x="16379124" y="9170092"/>
+            <a:ext cx="432000" cy="432000"/>
+          </a:xfrm>
+          <a:prstGeom prst="ellipse">
             <a:avLst/>
           </a:prstGeom>
           <a:solidFill>
-            <a:srgbClr val="00B050"/>
+            <a:schemeClr val="bg1"/>
           </a:solidFill>
           <a:ln>
             <a:noFill/>
           </a:ln>
-          <a:effectLst>
-            <a:outerShdw blurRad="50800" dist="38100" dir="5400000" algn="t" rotWithShape="0">
-              <a:prstClr val="black">
-                <a:alpha val="40000"/>
-              </a:prstClr>
-            </a:outerShdw>
-          </a:effectLst>
         </p:spPr>
         <p:style>
           <a:lnRef idx="2">
@@ -11224,14 +13474,93 @@
           <a:lstStyle/>
           <a:p>
             <a:pPr algn="ctr"/>
-            <a:endParaRPr lang="zh-CN" altLang="en-US">
+            <a:r>
+              <a:rPr lang="en-US" altLang="zh-CN" dirty="0">
+                <a:solidFill>
+                  <a:srgbClr val="75CEDE"/>
+                </a:solidFill>
+                <a:latin typeface="苹方-简" panose="020B0400000000000000" pitchFamily="34" charset="-128"/>
+                <a:ea typeface="苹方-简" panose="020B0400000000000000" pitchFamily="34" charset="-128"/>
+              </a:rPr>
+              <a:t>2</a:t>
+            </a:r>
+            <a:endParaRPr lang="zh-CN" altLang="en-US" dirty="0">
               <a:solidFill>
-                <a:srgbClr val="00B050"/>
+                <a:srgbClr val="75CEDE"/>
               </a:solidFill>
+              <a:latin typeface="苹方-简" panose="020B0400000000000000" pitchFamily="34" charset="-128"/>
+              <a:ea typeface="苹方-简" panose="020B0400000000000000" pitchFamily="34" charset="-128"/>
             </a:endParaRPr>
           </a:p>
         </p:txBody>
       </p:sp>
+      <p:pic>
+        <p:nvPicPr>
+          <p:cNvPr id="11" name="图片 10">
+            <a:extLst>
+              <a:ext uri="{FF2B5EF4-FFF2-40B4-BE49-F238E27FC236}">
+                <a16:creationId xmlns:a16="http://schemas.microsoft.com/office/drawing/2014/main" id="{0A4977E6-B447-4F7F-814A-19B447F2CA22}"/>
+              </a:ext>
+            </a:extLst>
+          </p:cNvPr>
+          <p:cNvPicPr>
+            <a:picLocks noChangeAspect="1"/>
+          </p:cNvPicPr>
+          <p:nvPr/>
+        </p:nvPicPr>
+        <p:blipFill rotWithShape="1">
+          <a:blip r:embed="rId2"/>
+          <a:srcRect r="1497"/>
+          <a:stretch/>
+        </p:blipFill>
+        <p:spPr>
+          <a:xfrm>
+            <a:off x="3934640" y="1167453"/>
+            <a:ext cx="13345297" cy="7832810"/>
+          </a:xfrm>
+          <a:prstGeom prst="rect">
+            <a:avLst/>
+          </a:prstGeom>
+        </p:spPr>
+      </p:pic>
+    </p:spTree>
+    <p:extLst>
+      <p:ext uri="{BB962C8B-B14F-4D97-AF65-F5344CB8AC3E}">
+        <p14:creationId xmlns:p14="http://schemas.microsoft.com/office/powerpoint/2010/main" val="3067572939"/>
+      </p:ext>
+    </p:extLst>
+  </p:cSld>
+  <p:clrMapOvr>
+    <a:masterClrMapping/>
+  </p:clrMapOvr>
+</p:sld>
+</file>
+
+<file path=ppt/slides/slide9.xml><?xml version="1.0" encoding="utf-8"?>
+<p:sld xmlns:a="http://schemas.openxmlformats.org/drawingml/2006/main" xmlns:r="http://schemas.openxmlformats.org/officeDocument/2006/relationships" xmlns:p="http://schemas.openxmlformats.org/presentationml/2006/main">
+  <p:cSld>
+    <p:bg>
+      <p:bgPr>
+        <a:solidFill>
+          <a:srgbClr val="E2E7EB"/>
+        </a:solidFill>
+        <a:effectLst/>
+      </p:bgPr>
+    </p:bg>
+    <p:spTree>
+      <p:nvGrpSpPr>
+        <p:cNvPr id="1" name=""/>
+        <p:cNvGrpSpPr/>
+        <p:nvPr/>
+      </p:nvGrpSpPr>
+      <p:grpSpPr>
+        <a:xfrm>
+          <a:off x="0" y="0"/>
+          <a:ext cx="0" cy="0"/>
+          <a:chOff x="0" y="0"/>
+          <a:chExt cx="0" cy="0"/>
+        </a:xfrm>
+      </p:grpSpPr>
       <p:sp>
         <p:nvSpPr>
           <p:cNvPr id="4" name="矩形 3">
@@ -11578,106 +13907,12 @@
           </a:p>
         </p:txBody>
       </p:sp>
-    </p:spTree>
-    <p:extLst>
-      <p:ext uri="{BB962C8B-B14F-4D97-AF65-F5344CB8AC3E}">
-        <p14:creationId xmlns:p14="http://schemas.microsoft.com/office/powerpoint/2010/main" val="1896630815"/>
-      </p:ext>
-    </p:extLst>
-  </p:cSld>
-  <p:clrMapOvr>
-    <a:masterClrMapping/>
-  </p:clrMapOvr>
-</p:sld>
-</file>
-
-<file path=ppt/slides/slide9.xml><?xml version="1.0" encoding="utf-8"?>
-<p:sld xmlns:a="http://schemas.openxmlformats.org/drawingml/2006/main" xmlns:r="http://schemas.openxmlformats.org/officeDocument/2006/relationships" xmlns:p="http://schemas.openxmlformats.org/presentationml/2006/main">
-  <p:cSld>
-    <p:bg>
-      <p:bgPr>
-        <a:solidFill>
-          <a:srgbClr val="E2E7EB"/>
-        </a:solidFill>
-        <a:effectLst/>
-      </p:bgPr>
-    </p:bg>
-    <p:spTree>
-      <p:nvGrpSpPr>
-        <p:cNvPr id="1" name=""/>
-        <p:cNvGrpSpPr/>
-        <p:nvPr/>
-      </p:nvGrpSpPr>
-      <p:grpSpPr>
-        <a:xfrm>
-          <a:off x="0" y="0"/>
-          <a:ext cx="0" cy="0"/>
-          <a:chOff x="0" y="0"/>
-          <a:chExt cx="0" cy="0"/>
-        </a:xfrm>
-      </p:grpSpPr>
-      <p:sp>
-        <p:nvSpPr>
-          <p:cNvPr id="2" name="矩形 1">
+      <p:sp>
+        <p:nvSpPr>
+          <p:cNvPr id="2" name="文本框 1">
             <a:extLst>
               <a:ext uri="{FF2B5EF4-FFF2-40B4-BE49-F238E27FC236}">
-                <a16:creationId xmlns:a16="http://schemas.microsoft.com/office/drawing/2014/main" id="{DE798F8E-5917-4F2B-97C1-1E7F145243B8}"/>
-              </a:ext>
-            </a:extLst>
-          </p:cNvPr>
-          <p:cNvSpPr/>
-          <p:nvPr/>
-        </p:nvSpPr>
-        <p:spPr>
-          <a:xfrm>
-            <a:off x="1199713" y="732873"/>
-            <a:ext cx="14880512" cy="8256104"/>
-          </a:xfrm>
-          <a:prstGeom prst="rect">
-            <a:avLst/>
-          </a:prstGeom>
-          <a:solidFill>
-            <a:schemeClr val="bg1"/>
-          </a:solidFill>
-          <a:ln>
-            <a:solidFill>
-              <a:schemeClr val="bg2">
-                <a:lumMod val="90000"/>
-              </a:schemeClr>
-            </a:solidFill>
-          </a:ln>
-        </p:spPr>
-        <p:style>
-          <a:lnRef idx="2">
-            <a:schemeClr val="accent1">
-              <a:shade val="50000"/>
-            </a:schemeClr>
-          </a:lnRef>
-          <a:fillRef idx="1">
-            <a:schemeClr val="accent1"/>
-          </a:fillRef>
-          <a:effectRef idx="0">
-            <a:schemeClr val="accent1"/>
-          </a:effectRef>
-          <a:fontRef idx="minor">
-            <a:schemeClr val="lt1"/>
-          </a:fontRef>
-        </p:style>
-        <p:txBody>
-          <a:bodyPr rtlCol="0" anchor="ctr"/>
-          <a:lstStyle/>
-          <a:p>
-            <a:pPr algn="ctr"/>
-            <a:endParaRPr lang="zh-CN" altLang="en-US"/>
-          </a:p>
-        </p:txBody>
-      </p:sp>
-      <p:sp>
-        <p:nvSpPr>
-          <p:cNvPr id="8" name="文本框 7">
-            <a:extLst>
-              <a:ext uri="{FF2B5EF4-FFF2-40B4-BE49-F238E27FC236}">
-                <a16:creationId xmlns:a16="http://schemas.microsoft.com/office/drawing/2014/main" id="{A49A2F36-33A9-4269-9FB4-A11F84E9DDD5}"/>
+                <a16:creationId xmlns:a16="http://schemas.microsoft.com/office/drawing/2014/main" id="{897A61BA-5C5D-488D-8094-E5FEC0938079}"/>
               </a:ext>
             </a:extLst>
           </p:cNvPr>
@@ -11686,8 +13921,8 @@
         </p:nvSpPr>
         <p:spPr>
           <a:xfrm>
-            <a:off x="7393474" y="1129460"/>
-            <a:ext cx="2492990" cy="646331"/>
+            <a:off x="7479233" y="4352299"/>
+            <a:ext cx="2321469" cy="1015663"/>
           </a:xfrm>
           <a:prstGeom prst="rect">
             <a:avLst/>
@@ -11701,1928 +13936,13 @@
           <a:lstStyle/>
           <a:p>
             <a:r>
-              <a:rPr lang="zh-CN" altLang="en-US" sz="3600" dirty="0">
-                <a:solidFill>
-                  <a:schemeClr val="tx1">
-                    <a:lumMod val="65000"/>
-                    <a:lumOff val="35000"/>
-                  </a:schemeClr>
-                </a:solidFill>
-                <a:latin typeface="苹方-简" panose="020B0400000000000000" pitchFamily="34" charset="-128"/>
-                <a:ea typeface="苹方-简" panose="020B0400000000000000" pitchFamily="34" charset="-128"/>
+              <a:rPr lang="en-US" altLang="zh-CN" sz="6000" dirty="0">
+                <a:latin typeface="!!HelveticaBlack" panose="020B0603050302020204" pitchFamily="34" charset="0"/>
               </a:rPr>
-              <a:t>主要的形式</a:t>
-            </a:r>
-          </a:p>
-        </p:txBody>
-      </p:sp>
-      <p:sp>
-        <p:nvSpPr>
-          <p:cNvPr id="12" name="文本框 11">
-            <a:extLst>
-              <a:ext uri="{FF2B5EF4-FFF2-40B4-BE49-F238E27FC236}">
-                <a16:creationId xmlns:a16="http://schemas.microsoft.com/office/drawing/2014/main" id="{EBA3C56A-056C-40ED-965B-B5C5638073AE}"/>
-              </a:ext>
-            </a:extLst>
-          </p:cNvPr>
-          <p:cNvSpPr txBox="1"/>
-          <p:nvPr/>
-        </p:nvSpPr>
-        <p:spPr>
-          <a:xfrm>
-            <a:off x="4142272" y="2986919"/>
-            <a:ext cx="1723549" cy="400110"/>
-          </a:xfrm>
-          <a:prstGeom prst="rect">
-            <a:avLst/>
-          </a:prstGeom>
-          <a:noFill/>
-        </p:spPr>
-        <p:txBody>
-          <a:bodyPr wrap="none" rtlCol="0">
-            <a:spAutoFit/>
-          </a:bodyPr>
-          <a:lstStyle/>
-          <a:p>
-            <a:r>
-              <a:rPr lang="en-US" altLang="zh-CN" sz="2000" dirty="0">
-                <a:solidFill>
-                  <a:srgbClr val="00B050"/>
-                </a:solidFill>
-                <a:latin typeface="苹方-简" panose="020B0400000000000000" pitchFamily="34" charset="-128"/>
-                <a:ea typeface="苹方-简" panose="020B0400000000000000" pitchFamily="34" charset="-128"/>
-              </a:rPr>
-              <a:t>10</a:t>
-            </a:r>
-            <a:r>
-              <a:rPr lang="zh-CN" altLang="en-US" sz="2000" dirty="0">
-                <a:solidFill>
-                  <a:srgbClr val="00B050"/>
-                </a:solidFill>
-                <a:latin typeface="苹方-简" panose="020B0400000000000000" pitchFamily="34" charset="-128"/>
-                <a:ea typeface="苹方-简" panose="020B0400000000000000" pitchFamily="34" charset="-128"/>
-              </a:rPr>
-              <a:t>几分钟一节</a:t>
-            </a:r>
-          </a:p>
-        </p:txBody>
-      </p:sp>
-      <p:sp>
-        <p:nvSpPr>
-          <p:cNvPr id="14" name="文本框 13">
-            <a:extLst>
-              <a:ext uri="{FF2B5EF4-FFF2-40B4-BE49-F238E27FC236}">
-                <a16:creationId xmlns:a16="http://schemas.microsoft.com/office/drawing/2014/main" id="{E8C08F38-E22A-4806-9E13-EC6554091897}"/>
-              </a:ext>
-            </a:extLst>
-          </p:cNvPr>
-          <p:cNvSpPr txBox="1"/>
-          <p:nvPr/>
-        </p:nvSpPr>
-        <p:spPr>
-          <a:xfrm>
-            <a:off x="4142272" y="4660870"/>
-            <a:ext cx="1980029" cy="400110"/>
-          </a:xfrm>
-          <a:prstGeom prst="rect">
-            <a:avLst/>
-          </a:prstGeom>
-          <a:noFill/>
-        </p:spPr>
-        <p:txBody>
-          <a:bodyPr wrap="none" rtlCol="0">
-            <a:spAutoFit/>
-          </a:bodyPr>
-          <a:lstStyle/>
-          <a:p>
-            <a:r>
-              <a:rPr lang="zh-CN" altLang="en-US" sz="2000" dirty="0">
-                <a:solidFill>
-                  <a:srgbClr val="00B050"/>
-                </a:solidFill>
-                <a:latin typeface="苹方-简" panose="020B0400000000000000" pitchFamily="34" charset="-128"/>
-                <a:ea typeface="苹方-简" panose="020B0400000000000000" pitchFamily="34" charset="-128"/>
-              </a:rPr>
-              <a:t>每周更新一两节</a:t>
-            </a:r>
-          </a:p>
-        </p:txBody>
-      </p:sp>
-      <p:sp>
-        <p:nvSpPr>
-          <p:cNvPr id="19" name="文本框 18">
-            <a:extLst>
-              <a:ext uri="{FF2B5EF4-FFF2-40B4-BE49-F238E27FC236}">
-                <a16:creationId xmlns:a16="http://schemas.microsoft.com/office/drawing/2014/main" id="{D0B881E6-FE4B-4224-A7E3-9D1AEC39DA5A}"/>
-              </a:ext>
-            </a:extLst>
-          </p:cNvPr>
-          <p:cNvSpPr txBox="1"/>
-          <p:nvPr/>
-        </p:nvSpPr>
-        <p:spPr>
-          <a:xfrm>
-            <a:off x="4142272" y="6260583"/>
-            <a:ext cx="2287806" cy="400110"/>
-          </a:xfrm>
-          <a:prstGeom prst="rect">
-            <a:avLst/>
-          </a:prstGeom>
-          <a:noFill/>
-        </p:spPr>
-        <p:txBody>
-          <a:bodyPr wrap="none" rtlCol="0">
-            <a:spAutoFit/>
-          </a:bodyPr>
-          <a:lstStyle/>
-          <a:p>
-            <a:r>
-              <a:rPr lang="zh-CN" altLang="en-US" sz="2000" dirty="0">
-                <a:solidFill>
-                  <a:srgbClr val="00B050"/>
-                </a:solidFill>
-                <a:latin typeface="苹方-简" panose="020B0400000000000000" pitchFamily="34" charset="-128"/>
-                <a:ea typeface="苹方-简" panose="020B0400000000000000" pitchFamily="34" charset="-128"/>
-              </a:rPr>
-              <a:t>录制总数大于</a:t>
-            </a:r>
-            <a:r>
-              <a:rPr lang="en-US" altLang="zh-CN" sz="2000" dirty="0">
-                <a:solidFill>
-                  <a:srgbClr val="00B050"/>
-                </a:solidFill>
-                <a:latin typeface="苹方-简" panose="020B0400000000000000" pitchFamily="34" charset="-128"/>
-                <a:ea typeface="苹方-简" panose="020B0400000000000000" pitchFamily="34" charset="-128"/>
-              </a:rPr>
-              <a:t>30</a:t>
-            </a:r>
-            <a:r>
-              <a:rPr lang="zh-CN" altLang="en-US" sz="2000" dirty="0">
-                <a:solidFill>
-                  <a:srgbClr val="00B050"/>
-                </a:solidFill>
-                <a:latin typeface="苹方-简" panose="020B0400000000000000" pitchFamily="34" charset="-128"/>
-                <a:ea typeface="苹方-简" panose="020B0400000000000000" pitchFamily="34" charset="-128"/>
-              </a:rPr>
-              <a:t>节</a:t>
-            </a:r>
-          </a:p>
-        </p:txBody>
-      </p:sp>
-      <p:sp>
-        <p:nvSpPr>
-          <p:cNvPr id="21" name="文本框 20">
-            <a:extLst>
-              <a:ext uri="{FF2B5EF4-FFF2-40B4-BE49-F238E27FC236}">
-                <a16:creationId xmlns:a16="http://schemas.microsoft.com/office/drawing/2014/main" id="{4BAE0FEA-1DE8-400B-B14F-52B13A2415BD}"/>
-              </a:ext>
-            </a:extLst>
-          </p:cNvPr>
-          <p:cNvSpPr txBox="1"/>
-          <p:nvPr/>
-        </p:nvSpPr>
-        <p:spPr>
-          <a:xfrm>
-            <a:off x="11146791" y="2986919"/>
-            <a:ext cx="1467068" cy="400110"/>
-          </a:xfrm>
-          <a:prstGeom prst="rect">
-            <a:avLst/>
-          </a:prstGeom>
-          <a:noFill/>
-        </p:spPr>
-        <p:txBody>
-          <a:bodyPr wrap="none" rtlCol="0">
-            <a:spAutoFit/>
-          </a:bodyPr>
-          <a:lstStyle/>
-          <a:p>
-            <a:r>
-              <a:rPr lang="zh-CN" altLang="en-US" sz="2000" dirty="0">
-                <a:solidFill>
-                  <a:srgbClr val="00B050"/>
-                </a:solidFill>
-                <a:latin typeface="苹方-简" panose="020B0400000000000000" pitchFamily="34" charset="-128"/>
-                <a:ea typeface="苹方-简" panose="020B0400000000000000" pitchFamily="34" charset="-128"/>
-              </a:rPr>
-              <a:t>基本的语法</a:t>
-            </a:r>
-          </a:p>
-        </p:txBody>
-      </p:sp>
-      <p:sp>
-        <p:nvSpPr>
-          <p:cNvPr id="23" name="文本框 22">
-            <a:extLst>
-              <a:ext uri="{FF2B5EF4-FFF2-40B4-BE49-F238E27FC236}">
-                <a16:creationId xmlns:a16="http://schemas.microsoft.com/office/drawing/2014/main" id="{5C7A89A5-1153-4416-A6BA-9A0100D4FEA2}"/>
-              </a:ext>
-            </a:extLst>
-          </p:cNvPr>
-          <p:cNvSpPr txBox="1"/>
-          <p:nvPr/>
-        </p:nvSpPr>
-        <p:spPr>
-          <a:xfrm>
-            <a:off x="11146791" y="4065524"/>
-            <a:ext cx="2236510" cy="400110"/>
-          </a:xfrm>
-          <a:prstGeom prst="rect">
-            <a:avLst/>
-          </a:prstGeom>
-          <a:noFill/>
-        </p:spPr>
-        <p:txBody>
-          <a:bodyPr wrap="none" rtlCol="0">
-            <a:spAutoFit/>
-          </a:bodyPr>
-          <a:lstStyle/>
-          <a:p>
-            <a:r>
-              <a:rPr lang="zh-CN" altLang="en-US" sz="2000" dirty="0">
-                <a:solidFill>
-                  <a:srgbClr val="00B050"/>
-                </a:solidFill>
-                <a:latin typeface="苹方-简" panose="020B0400000000000000" pitchFamily="34" charset="-128"/>
-                <a:ea typeface="苹方-简" panose="020B0400000000000000" pitchFamily="34" charset="-128"/>
-              </a:rPr>
-              <a:t>内置库的讲解使用</a:t>
-            </a:r>
-          </a:p>
-        </p:txBody>
-      </p:sp>
-      <p:sp>
-        <p:nvSpPr>
-          <p:cNvPr id="25" name="文本框 24">
-            <a:extLst>
-              <a:ext uri="{FF2B5EF4-FFF2-40B4-BE49-F238E27FC236}">
-                <a16:creationId xmlns:a16="http://schemas.microsoft.com/office/drawing/2014/main" id="{EC6EE0AB-17CE-466B-80F8-B0D022489EEB}"/>
-              </a:ext>
-            </a:extLst>
-          </p:cNvPr>
-          <p:cNvSpPr txBox="1"/>
-          <p:nvPr/>
-        </p:nvSpPr>
-        <p:spPr>
-          <a:xfrm>
-            <a:off x="11146791" y="5160021"/>
-            <a:ext cx="2749471" cy="400110"/>
-          </a:xfrm>
-          <a:prstGeom prst="rect">
-            <a:avLst/>
-          </a:prstGeom>
-          <a:noFill/>
-        </p:spPr>
-        <p:txBody>
-          <a:bodyPr wrap="none" rtlCol="0">
-            <a:spAutoFit/>
-          </a:bodyPr>
-          <a:lstStyle/>
-          <a:p>
-            <a:r>
-              <a:rPr lang="zh-CN" altLang="en-US" sz="2000" dirty="0">
-                <a:solidFill>
-                  <a:srgbClr val="00B050"/>
-                </a:solidFill>
-                <a:latin typeface="苹方-简" panose="020B0400000000000000" pitchFamily="34" charset="-128"/>
-                <a:ea typeface="苹方-简" panose="020B0400000000000000" pitchFamily="34" charset="-128"/>
-              </a:rPr>
-              <a:t>名库的源码阅读和使用</a:t>
-            </a:r>
-          </a:p>
-        </p:txBody>
-      </p:sp>
-      <p:sp>
-        <p:nvSpPr>
-          <p:cNvPr id="27" name="文本框 26">
-            <a:extLst>
-              <a:ext uri="{FF2B5EF4-FFF2-40B4-BE49-F238E27FC236}">
-                <a16:creationId xmlns:a16="http://schemas.microsoft.com/office/drawing/2014/main" id="{2B58A9E8-5CF5-457D-9E43-6B992C0A59F4}"/>
-              </a:ext>
-            </a:extLst>
-          </p:cNvPr>
-          <p:cNvSpPr txBox="1"/>
-          <p:nvPr/>
-        </p:nvSpPr>
-        <p:spPr>
-          <a:xfrm>
-            <a:off x="11146791" y="6225284"/>
-            <a:ext cx="4269117" cy="400110"/>
-          </a:xfrm>
-          <a:prstGeom prst="rect">
-            <a:avLst/>
-          </a:prstGeom>
-          <a:noFill/>
-        </p:spPr>
-        <p:txBody>
-          <a:bodyPr wrap="none" rtlCol="0">
-            <a:spAutoFit/>
-          </a:bodyPr>
-          <a:lstStyle/>
-          <a:p>
-            <a:r>
-              <a:rPr lang="zh-CN" altLang="en-US" sz="2000" dirty="0">
-                <a:solidFill>
-                  <a:srgbClr val="00B050"/>
-                </a:solidFill>
-                <a:latin typeface="苹方-简" panose="020B0400000000000000" pitchFamily="34" charset="-128"/>
-                <a:ea typeface="苹方-简" panose="020B0400000000000000" pitchFamily="34" charset="-128"/>
-              </a:rPr>
-              <a:t>完整的示例：爬虫、</a:t>
-            </a:r>
-            <a:r>
-              <a:rPr lang="en-US" altLang="zh-CN" sz="2000" dirty="0">
-                <a:solidFill>
-                  <a:srgbClr val="00B050"/>
-                </a:solidFill>
-                <a:latin typeface="苹方-简" panose="020B0400000000000000" pitchFamily="34" charset="-128"/>
-                <a:ea typeface="苹方-简" panose="020B0400000000000000" pitchFamily="34" charset="-128"/>
-              </a:rPr>
-              <a:t>web</a:t>
-            </a:r>
-            <a:r>
-              <a:rPr lang="zh-CN" altLang="en-US" sz="2000" dirty="0">
-                <a:solidFill>
-                  <a:srgbClr val="00B050"/>
-                </a:solidFill>
-                <a:latin typeface="苹方-简" panose="020B0400000000000000" pitchFamily="34" charset="-128"/>
-                <a:ea typeface="苹方-简" panose="020B0400000000000000" pitchFamily="34" charset="-128"/>
-              </a:rPr>
-              <a:t>、命令行</a:t>
-            </a:r>
-            <a:r>
-              <a:rPr lang="en-US" altLang="zh-CN" sz="2000" dirty="0">
-                <a:solidFill>
-                  <a:srgbClr val="00B050"/>
-                </a:solidFill>
-                <a:latin typeface="苹方-简" panose="020B0400000000000000" pitchFamily="34" charset="-128"/>
-                <a:ea typeface="苹方-简" panose="020B0400000000000000" pitchFamily="34" charset="-128"/>
-              </a:rPr>
-              <a:t>…</a:t>
-            </a:r>
-            <a:endParaRPr lang="zh-CN" altLang="en-US" sz="2000" dirty="0">
-              <a:solidFill>
-                <a:srgbClr val="00B050"/>
-              </a:solidFill>
-              <a:latin typeface="苹方-简" panose="020B0400000000000000" pitchFamily="34" charset="-128"/>
-              <a:ea typeface="苹方-简" panose="020B0400000000000000" pitchFamily="34" charset="-128"/>
-            </a:endParaRPr>
-          </a:p>
-        </p:txBody>
-      </p:sp>
-      <p:grpSp>
-        <p:nvGrpSpPr>
-          <p:cNvPr id="29" name="组合 28">
-            <a:extLst>
-              <a:ext uri="{FF2B5EF4-FFF2-40B4-BE49-F238E27FC236}">
-                <a16:creationId xmlns:a16="http://schemas.microsoft.com/office/drawing/2014/main" id="{0F3A8EC3-1625-4446-B763-17152DF1969E}"/>
-              </a:ext>
-            </a:extLst>
-          </p:cNvPr>
-          <p:cNvGrpSpPr/>
-          <p:nvPr/>
-        </p:nvGrpSpPr>
-        <p:grpSpPr>
-          <a:xfrm>
-            <a:off x="2342801" y="2490609"/>
-            <a:ext cx="1465399" cy="1400001"/>
-            <a:chOff x="2307000" y="6578633"/>
-            <a:chExt cx="1465399" cy="1400001"/>
-          </a:xfrm>
-        </p:grpSpPr>
-        <p:sp>
-          <p:nvSpPr>
-            <p:cNvPr id="30" name="椭圆 29">
-              <a:extLst>
-                <a:ext uri="{FF2B5EF4-FFF2-40B4-BE49-F238E27FC236}">
-                  <a16:creationId xmlns:a16="http://schemas.microsoft.com/office/drawing/2014/main" id="{5A36FDEE-457C-4A30-8244-A1266E742F0C}"/>
-                </a:ext>
-              </a:extLst>
-            </p:cNvPr>
-            <p:cNvSpPr/>
-            <p:nvPr/>
-          </p:nvSpPr>
-          <p:spPr>
-            <a:xfrm>
-              <a:off x="2667000" y="6906867"/>
-              <a:ext cx="720000" cy="720000"/>
-            </a:xfrm>
-            <a:prstGeom prst="ellipse">
-              <a:avLst/>
-            </a:prstGeom>
-            <a:solidFill>
-              <a:srgbClr val="00B050">
-                <a:alpha val="55000"/>
-              </a:srgbClr>
-            </a:solidFill>
-            <a:ln>
-              <a:noFill/>
-            </a:ln>
-          </p:spPr>
-          <p:style>
-            <a:lnRef idx="2">
-              <a:schemeClr val="accent1">
-                <a:shade val="50000"/>
-              </a:schemeClr>
-            </a:lnRef>
-            <a:fillRef idx="1">
-              <a:schemeClr val="accent1"/>
-            </a:fillRef>
-            <a:effectRef idx="0">
-              <a:schemeClr val="accent1"/>
-            </a:effectRef>
-            <a:fontRef idx="minor">
-              <a:schemeClr val="lt1"/>
-            </a:fontRef>
-          </p:style>
-          <p:txBody>
-            <a:bodyPr rtlCol="0" anchor="ctr"/>
-            <a:lstStyle/>
-            <a:p>
-              <a:pPr algn="ctr"/>
-              <a:endParaRPr lang="zh-CN" altLang="en-US"/>
-            </a:p>
-          </p:txBody>
-        </p:sp>
-        <p:sp>
-          <p:nvSpPr>
-            <p:cNvPr id="31" name="弧形 30">
-              <a:extLst>
-                <a:ext uri="{FF2B5EF4-FFF2-40B4-BE49-F238E27FC236}">
-                  <a16:creationId xmlns:a16="http://schemas.microsoft.com/office/drawing/2014/main" id="{9ECE7474-6B32-4E2A-BDF1-B17EE994CBBC}"/>
-                </a:ext>
-              </a:extLst>
-            </p:cNvPr>
-            <p:cNvSpPr/>
-            <p:nvPr/>
-          </p:nvSpPr>
-          <p:spPr>
-            <a:xfrm>
-              <a:off x="2307000" y="7258634"/>
-              <a:ext cx="720000" cy="720000"/>
-            </a:xfrm>
-            <a:prstGeom prst="arc">
-              <a:avLst/>
-            </a:prstGeom>
-            <a:ln>
-              <a:solidFill>
-                <a:schemeClr val="bg1"/>
-              </a:solidFill>
-            </a:ln>
-          </p:spPr>
-          <p:style>
-            <a:lnRef idx="1">
-              <a:schemeClr val="accent1"/>
-            </a:lnRef>
-            <a:fillRef idx="0">
-              <a:schemeClr val="accent1"/>
-            </a:fillRef>
-            <a:effectRef idx="0">
-              <a:schemeClr val="accent1"/>
-            </a:effectRef>
-            <a:fontRef idx="minor">
-              <a:schemeClr val="tx1"/>
-            </a:fontRef>
-          </p:style>
-          <p:txBody>
-            <a:bodyPr rtlCol="0" anchor="ctr"/>
-            <a:lstStyle/>
-            <a:p>
-              <a:pPr algn="ctr"/>
-              <a:endParaRPr lang="zh-CN" altLang="en-US"/>
-            </a:p>
-          </p:txBody>
-        </p:sp>
-        <p:sp>
-          <p:nvSpPr>
-            <p:cNvPr id="32" name="弧形 31">
-              <a:extLst>
-                <a:ext uri="{FF2B5EF4-FFF2-40B4-BE49-F238E27FC236}">
-                  <a16:creationId xmlns:a16="http://schemas.microsoft.com/office/drawing/2014/main" id="{B8092113-CA0A-47D5-98A2-D3075086994D}"/>
-                </a:ext>
-              </a:extLst>
-            </p:cNvPr>
-            <p:cNvSpPr/>
-            <p:nvPr/>
-          </p:nvSpPr>
-          <p:spPr>
-            <a:xfrm rot="11032779">
-              <a:off x="3052399" y="6578633"/>
-              <a:ext cx="720000" cy="720000"/>
-            </a:xfrm>
-            <a:prstGeom prst="arc">
-              <a:avLst/>
-            </a:prstGeom>
-            <a:ln>
-              <a:solidFill>
-                <a:schemeClr val="bg1"/>
-              </a:solidFill>
-            </a:ln>
-          </p:spPr>
-          <p:style>
-            <a:lnRef idx="1">
-              <a:schemeClr val="accent1"/>
-            </a:lnRef>
-            <a:fillRef idx="0">
-              <a:schemeClr val="accent1"/>
-            </a:fillRef>
-            <a:effectRef idx="0">
-              <a:schemeClr val="accent1"/>
-            </a:effectRef>
-            <a:fontRef idx="minor">
-              <a:schemeClr val="tx1"/>
-            </a:fontRef>
-          </p:style>
-          <p:txBody>
-            <a:bodyPr rtlCol="0" anchor="ctr"/>
-            <a:lstStyle/>
-            <a:p>
-              <a:pPr algn="ctr"/>
-              <a:endParaRPr lang="zh-CN" altLang="en-US"/>
-            </a:p>
-          </p:txBody>
-        </p:sp>
-      </p:grpSp>
-      <p:grpSp>
-        <p:nvGrpSpPr>
-          <p:cNvPr id="33" name="组合 32">
-            <a:extLst>
-              <a:ext uri="{FF2B5EF4-FFF2-40B4-BE49-F238E27FC236}">
-                <a16:creationId xmlns:a16="http://schemas.microsoft.com/office/drawing/2014/main" id="{5FF46860-44CC-4843-83E0-F51B28619553}"/>
-              </a:ext>
-            </a:extLst>
-          </p:cNvPr>
-          <p:cNvGrpSpPr/>
-          <p:nvPr/>
-        </p:nvGrpSpPr>
-        <p:grpSpPr>
-          <a:xfrm>
-            <a:off x="2361379" y="4160130"/>
-            <a:ext cx="1465399" cy="1400001"/>
-            <a:chOff x="2307000" y="6578633"/>
-            <a:chExt cx="1465399" cy="1400001"/>
-          </a:xfrm>
-        </p:grpSpPr>
-        <p:sp>
-          <p:nvSpPr>
-            <p:cNvPr id="34" name="椭圆 33">
-              <a:extLst>
-                <a:ext uri="{FF2B5EF4-FFF2-40B4-BE49-F238E27FC236}">
-                  <a16:creationId xmlns:a16="http://schemas.microsoft.com/office/drawing/2014/main" id="{F29CBE3C-0162-4E5D-866E-162010A54396}"/>
-                </a:ext>
-              </a:extLst>
-            </p:cNvPr>
-            <p:cNvSpPr/>
-            <p:nvPr/>
-          </p:nvSpPr>
-          <p:spPr>
-            <a:xfrm>
-              <a:off x="2667000" y="6906867"/>
-              <a:ext cx="720000" cy="720000"/>
-            </a:xfrm>
-            <a:prstGeom prst="ellipse">
-              <a:avLst/>
-            </a:prstGeom>
-            <a:solidFill>
-              <a:srgbClr val="00B050">
-                <a:alpha val="55000"/>
-              </a:srgbClr>
-            </a:solidFill>
-            <a:ln>
-              <a:noFill/>
-            </a:ln>
-          </p:spPr>
-          <p:style>
-            <a:lnRef idx="2">
-              <a:schemeClr val="accent1">
-                <a:shade val="50000"/>
-              </a:schemeClr>
-            </a:lnRef>
-            <a:fillRef idx="1">
-              <a:schemeClr val="accent1"/>
-            </a:fillRef>
-            <a:effectRef idx="0">
-              <a:schemeClr val="accent1"/>
-            </a:effectRef>
-            <a:fontRef idx="minor">
-              <a:schemeClr val="lt1"/>
-            </a:fontRef>
-          </p:style>
-          <p:txBody>
-            <a:bodyPr rtlCol="0" anchor="ctr"/>
-            <a:lstStyle/>
-            <a:p>
-              <a:pPr algn="ctr"/>
-              <a:endParaRPr lang="zh-CN" altLang="en-US"/>
-            </a:p>
-          </p:txBody>
-        </p:sp>
-        <p:sp>
-          <p:nvSpPr>
-            <p:cNvPr id="35" name="弧形 34">
-              <a:extLst>
-                <a:ext uri="{FF2B5EF4-FFF2-40B4-BE49-F238E27FC236}">
-                  <a16:creationId xmlns:a16="http://schemas.microsoft.com/office/drawing/2014/main" id="{BCA5273A-A9A6-49CA-AAD0-57CDECD175B6}"/>
-                </a:ext>
-              </a:extLst>
-            </p:cNvPr>
-            <p:cNvSpPr/>
-            <p:nvPr/>
-          </p:nvSpPr>
-          <p:spPr>
-            <a:xfrm>
-              <a:off x="2307000" y="7258634"/>
-              <a:ext cx="720000" cy="720000"/>
-            </a:xfrm>
-            <a:prstGeom prst="arc">
-              <a:avLst/>
-            </a:prstGeom>
-            <a:ln>
-              <a:solidFill>
-                <a:schemeClr val="bg1"/>
-              </a:solidFill>
-            </a:ln>
-          </p:spPr>
-          <p:style>
-            <a:lnRef idx="1">
-              <a:schemeClr val="accent1"/>
-            </a:lnRef>
-            <a:fillRef idx="0">
-              <a:schemeClr val="accent1"/>
-            </a:fillRef>
-            <a:effectRef idx="0">
-              <a:schemeClr val="accent1"/>
-            </a:effectRef>
-            <a:fontRef idx="minor">
-              <a:schemeClr val="tx1"/>
-            </a:fontRef>
-          </p:style>
-          <p:txBody>
-            <a:bodyPr rtlCol="0" anchor="ctr"/>
-            <a:lstStyle/>
-            <a:p>
-              <a:pPr algn="ctr"/>
-              <a:endParaRPr lang="zh-CN" altLang="en-US"/>
-            </a:p>
-          </p:txBody>
-        </p:sp>
-        <p:sp>
-          <p:nvSpPr>
-            <p:cNvPr id="36" name="弧形 35">
-              <a:extLst>
-                <a:ext uri="{FF2B5EF4-FFF2-40B4-BE49-F238E27FC236}">
-                  <a16:creationId xmlns:a16="http://schemas.microsoft.com/office/drawing/2014/main" id="{99134360-3DA0-484E-8169-CF59DF66C1FC}"/>
-                </a:ext>
-              </a:extLst>
-            </p:cNvPr>
-            <p:cNvSpPr/>
-            <p:nvPr/>
-          </p:nvSpPr>
-          <p:spPr>
-            <a:xfrm rot="11032779">
-              <a:off x="3052399" y="6578633"/>
-              <a:ext cx="720000" cy="720000"/>
-            </a:xfrm>
-            <a:prstGeom prst="arc">
-              <a:avLst/>
-            </a:prstGeom>
-            <a:ln>
-              <a:solidFill>
-                <a:schemeClr val="bg1"/>
-              </a:solidFill>
-            </a:ln>
-          </p:spPr>
-          <p:style>
-            <a:lnRef idx="1">
-              <a:schemeClr val="accent1"/>
-            </a:lnRef>
-            <a:fillRef idx="0">
-              <a:schemeClr val="accent1"/>
-            </a:fillRef>
-            <a:effectRef idx="0">
-              <a:schemeClr val="accent1"/>
-            </a:effectRef>
-            <a:fontRef idx="minor">
-              <a:schemeClr val="tx1"/>
-            </a:fontRef>
-          </p:style>
-          <p:txBody>
-            <a:bodyPr rtlCol="0" anchor="ctr"/>
-            <a:lstStyle/>
-            <a:p>
-              <a:pPr algn="ctr"/>
-              <a:endParaRPr lang="zh-CN" altLang="en-US"/>
-            </a:p>
-          </p:txBody>
-        </p:sp>
-      </p:grpSp>
-      <p:grpSp>
-        <p:nvGrpSpPr>
-          <p:cNvPr id="37" name="组合 36">
-            <a:extLst>
-              <a:ext uri="{FF2B5EF4-FFF2-40B4-BE49-F238E27FC236}">
-                <a16:creationId xmlns:a16="http://schemas.microsoft.com/office/drawing/2014/main" id="{E6862533-B4FA-4657-ABB5-230CBCC2EA79}"/>
-              </a:ext>
-            </a:extLst>
-          </p:cNvPr>
-          <p:cNvGrpSpPr/>
-          <p:nvPr/>
-        </p:nvGrpSpPr>
-        <p:grpSpPr>
-          <a:xfrm>
-            <a:off x="2388815" y="5780637"/>
-            <a:ext cx="1465399" cy="1400001"/>
-            <a:chOff x="2307000" y="6578633"/>
-            <a:chExt cx="1465399" cy="1400001"/>
-          </a:xfrm>
-        </p:grpSpPr>
-        <p:sp>
-          <p:nvSpPr>
-            <p:cNvPr id="38" name="椭圆 37">
-              <a:extLst>
-                <a:ext uri="{FF2B5EF4-FFF2-40B4-BE49-F238E27FC236}">
-                  <a16:creationId xmlns:a16="http://schemas.microsoft.com/office/drawing/2014/main" id="{6F29B822-0468-4F98-8EC1-CC164699FAE1}"/>
-                </a:ext>
-              </a:extLst>
-            </p:cNvPr>
-            <p:cNvSpPr/>
-            <p:nvPr/>
-          </p:nvSpPr>
-          <p:spPr>
-            <a:xfrm>
-              <a:off x="2667000" y="6906867"/>
-              <a:ext cx="720000" cy="720000"/>
-            </a:xfrm>
-            <a:prstGeom prst="ellipse">
-              <a:avLst/>
-            </a:prstGeom>
-            <a:solidFill>
-              <a:srgbClr val="00B050">
-                <a:alpha val="55000"/>
-              </a:srgbClr>
-            </a:solidFill>
-            <a:ln>
-              <a:noFill/>
-            </a:ln>
-          </p:spPr>
-          <p:style>
-            <a:lnRef idx="2">
-              <a:schemeClr val="accent1">
-                <a:shade val="50000"/>
-              </a:schemeClr>
-            </a:lnRef>
-            <a:fillRef idx="1">
-              <a:schemeClr val="accent1"/>
-            </a:fillRef>
-            <a:effectRef idx="0">
-              <a:schemeClr val="accent1"/>
-            </a:effectRef>
-            <a:fontRef idx="minor">
-              <a:schemeClr val="lt1"/>
-            </a:fontRef>
-          </p:style>
-          <p:txBody>
-            <a:bodyPr rtlCol="0" anchor="ctr"/>
-            <a:lstStyle/>
-            <a:p>
-              <a:pPr algn="ctr"/>
-              <a:endParaRPr lang="zh-CN" altLang="en-US"/>
-            </a:p>
-          </p:txBody>
-        </p:sp>
-        <p:sp>
-          <p:nvSpPr>
-            <p:cNvPr id="39" name="弧形 38">
-              <a:extLst>
-                <a:ext uri="{FF2B5EF4-FFF2-40B4-BE49-F238E27FC236}">
-                  <a16:creationId xmlns:a16="http://schemas.microsoft.com/office/drawing/2014/main" id="{D0D5FD0C-D66C-45AA-AB9B-0610D7BE5FC1}"/>
-                </a:ext>
-              </a:extLst>
-            </p:cNvPr>
-            <p:cNvSpPr/>
-            <p:nvPr/>
-          </p:nvSpPr>
-          <p:spPr>
-            <a:xfrm>
-              <a:off x="2307000" y="7258634"/>
-              <a:ext cx="720000" cy="720000"/>
-            </a:xfrm>
-            <a:prstGeom prst="arc">
-              <a:avLst/>
-            </a:prstGeom>
-            <a:ln>
-              <a:solidFill>
-                <a:schemeClr val="bg1"/>
-              </a:solidFill>
-            </a:ln>
-          </p:spPr>
-          <p:style>
-            <a:lnRef idx="1">
-              <a:schemeClr val="accent1"/>
-            </a:lnRef>
-            <a:fillRef idx="0">
-              <a:schemeClr val="accent1"/>
-            </a:fillRef>
-            <a:effectRef idx="0">
-              <a:schemeClr val="accent1"/>
-            </a:effectRef>
-            <a:fontRef idx="minor">
-              <a:schemeClr val="tx1"/>
-            </a:fontRef>
-          </p:style>
-          <p:txBody>
-            <a:bodyPr rtlCol="0" anchor="ctr"/>
-            <a:lstStyle/>
-            <a:p>
-              <a:pPr algn="ctr"/>
-              <a:endParaRPr lang="zh-CN" altLang="en-US"/>
-            </a:p>
-          </p:txBody>
-        </p:sp>
-        <p:sp>
-          <p:nvSpPr>
-            <p:cNvPr id="40" name="弧形 39">
-              <a:extLst>
-                <a:ext uri="{FF2B5EF4-FFF2-40B4-BE49-F238E27FC236}">
-                  <a16:creationId xmlns:a16="http://schemas.microsoft.com/office/drawing/2014/main" id="{E4BBE871-B8F8-4D1C-BCBE-CAE839F289FD}"/>
-                </a:ext>
-              </a:extLst>
-            </p:cNvPr>
-            <p:cNvSpPr/>
-            <p:nvPr/>
-          </p:nvSpPr>
-          <p:spPr>
-            <a:xfrm rot="11032779">
-              <a:off x="3052399" y="6578633"/>
-              <a:ext cx="720000" cy="720000"/>
-            </a:xfrm>
-            <a:prstGeom prst="arc">
-              <a:avLst/>
-            </a:prstGeom>
-            <a:ln>
-              <a:solidFill>
-                <a:schemeClr val="bg1"/>
-              </a:solidFill>
-            </a:ln>
-          </p:spPr>
-          <p:style>
-            <a:lnRef idx="1">
-              <a:schemeClr val="accent1"/>
-            </a:lnRef>
-            <a:fillRef idx="0">
-              <a:schemeClr val="accent1"/>
-            </a:fillRef>
-            <a:effectRef idx="0">
-              <a:schemeClr val="accent1"/>
-            </a:effectRef>
-            <a:fontRef idx="minor">
-              <a:schemeClr val="tx1"/>
-            </a:fontRef>
-          </p:style>
-          <p:txBody>
-            <a:bodyPr rtlCol="0" anchor="ctr"/>
-            <a:lstStyle/>
-            <a:p>
-              <a:pPr algn="ctr"/>
-              <a:endParaRPr lang="zh-CN" altLang="en-US"/>
-            </a:p>
-          </p:txBody>
-        </p:sp>
-      </p:grpSp>
-      <p:grpSp>
-        <p:nvGrpSpPr>
-          <p:cNvPr id="41" name="组合 40">
-            <a:extLst>
-              <a:ext uri="{FF2B5EF4-FFF2-40B4-BE49-F238E27FC236}">
-                <a16:creationId xmlns:a16="http://schemas.microsoft.com/office/drawing/2014/main" id="{43F4BE89-BA63-4A68-AD64-0668FECED367}"/>
-              </a:ext>
-            </a:extLst>
-          </p:cNvPr>
-          <p:cNvGrpSpPr/>
-          <p:nvPr/>
-        </p:nvGrpSpPr>
-        <p:grpSpPr>
-          <a:xfrm>
-            <a:off x="9443177" y="2514142"/>
-            <a:ext cx="1465399" cy="1400001"/>
-            <a:chOff x="2307000" y="6578633"/>
-            <a:chExt cx="1465399" cy="1400001"/>
-          </a:xfrm>
-        </p:grpSpPr>
-        <p:sp>
-          <p:nvSpPr>
-            <p:cNvPr id="42" name="椭圆 41">
-              <a:extLst>
-                <a:ext uri="{FF2B5EF4-FFF2-40B4-BE49-F238E27FC236}">
-                  <a16:creationId xmlns:a16="http://schemas.microsoft.com/office/drawing/2014/main" id="{F5EE3D9C-60AC-416D-A6BF-9F1CB92E1333}"/>
-                </a:ext>
-              </a:extLst>
-            </p:cNvPr>
-            <p:cNvSpPr/>
-            <p:nvPr/>
-          </p:nvSpPr>
-          <p:spPr>
-            <a:xfrm>
-              <a:off x="2667000" y="6906867"/>
-              <a:ext cx="720000" cy="720000"/>
-            </a:xfrm>
-            <a:prstGeom prst="ellipse">
-              <a:avLst/>
-            </a:prstGeom>
-            <a:solidFill>
-              <a:srgbClr val="00B050">
-                <a:alpha val="55000"/>
-              </a:srgbClr>
-            </a:solidFill>
-            <a:ln>
-              <a:noFill/>
-            </a:ln>
-          </p:spPr>
-          <p:style>
-            <a:lnRef idx="2">
-              <a:schemeClr val="accent1">
-                <a:shade val="50000"/>
-              </a:schemeClr>
-            </a:lnRef>
-            <a:fillRef idx="1">
-              <a:schemeClr val="accent1"/>
-            </a:fillRef>
-            <a:effectRef idx="0">
-              <a:schemeClr val="accent1"/>
-            </a:effectRef>
-            <a:fontRef idx="minor">
-              <a:schemeClr val="lt1"/>
-            </a:fontRef>
-          </p:style>
-          <p:txBody>
-            <a:bodyPr rtlCol="0" anchor="ctr"/>
-            <a:lstStyle/>
-            <a:p>
-              <a:pPr algn="ctr"/>
-              <a:endParaRPr lang="zh-CN" altLang="en-US"/>
-            </a:p>
-          </p:txBody>
-        </p:sp>
-        <p:sp>
-          <p:nvSpPr>
-            <p:cNvPr id="43" name="弧形 42">
-              <a:extLst>
-                <a:ext uri="{FF2B5EF4-FFF2-40B4-BE49-F238E27FC236}">
-                  <a16:creationId xmlns:a16="http://schemas.microsoft.com/office/drawing/2014/main" id="{B383B52A-3E4F-4EBC-917B-066ADFF516B2}"/>
-                </a:ext>
-              </a:extLst>
-            </p:cNvPr>
-            <p:cNvSpPr/>
-            <p:nvPr/>
-          </p:nvSpPr>
-          <p:spPr>
-            <a:xfrm>
-              <a:off x="2307000" y="7258634"/>
-              <a:ext cx="720000" cy="720000"/>
-            </a:xfrm>
-            <a:prstGeom prst="arc">
-              <a:avLst/>
-            </a:prstGeom>
-            <a:ln>
-              <a:solidFill>
-                <a:schemeClr val="bg1"/>
-              </a:solidFill>
-            </a:ln>
-          </p:spPr>
-          <p:style>
-            <a:lnRef idx="1">
-              <a:schemeClr val="accent1"/>
-            </a:lnRef>
-            <a:fillRef idx="0">
-              <a:schemeClr val="accent1"/>
-            </a:fillRef>
-            <a:effectRef idx="0">
-              <a:schemeClr val="accent1"/>
-            </a:effectRef>
-            <a:fontRef idx="minor">
-              <a:schemeClr val="tx1"/>
-            </a:fontRef>
-          </p:style>
-          <p:txBody>
-            <a:bodyPr rtlCol="0" anchor="ctr"/>
-            <a:lstStyle/>
-            <a:p>
-              <a:pPr algn="ctr"/>
-              <a:endParaRPr lang="zh-CN" altLang="en-US"/>
-            </a:p>
-          </p:txBody>
-        </p:sp>
-        <p:sp>
-          <p:nvSpPr>
-            <p:cNvPr id="44" name="弧形 43">
-              <a:extLst>
-                <a:ext uri="{FF2B5EF4-FFF2-40B4-BE49-F238E27FC236}">
-                  <a16:creationId xmlns:a16="http://schemas.microsoft.com/office/drawing/2014/main" id="{EDAD02FB-F917-4456-9C4B-121B4370D073}"/>
-                </a:ext>
-              </a:extLst>
-            </p:cNvPr>
-            <p:cNvSpPr/>
-            <p:nvPr/>
-          </p:nvSpPr>
-          <p:spPr>
-            <a:xfrm rot="11032779">
-              <a:off x="3052399" y="6578633"/>
-              <a:ext cx="720000" cy="720000"/>
-            </a:xfrm>
-            <a:prstGeom prst="arc">
-              <a:avLst/>
-            </a:prstGeom>
-            <a:ln>
-              <a:solidFill>
-                <a:schemeClr val="bg1"/>
-              </a:solidFill>
-            </a:ln>
-          </p:spPr>
-          <p:style>
-            <a:lnRef idx="1">
-              <a:schemeClr val="accent1"/>
-            </a:lnRef>
-            <a:fillRef idx="0">
-              <a:schemeClr val="accent1"/>
-            </a:fillRef>
-            <a:effectRef idx="0">
-              <a:schemeClr val="accent1"/>
-            </a:effectRef>
-            <a:fontRef idx="minor">
-              <a:schemeClr val="tx1"/>
-            </a:fontRef>
-          </p:style>
-          <p:txBody>
-            <a:bodyPr rtlCol="0" anchor="ctr"/>
-            <a:lstStyle/>
-            <a:p>
-              <a:pPr algn="ctr"/>
-              <a:endParaRPr lang="zh-CN" altLang="en-US"/>
-            </a:p>
-          </p:txBody>
-        </p:sp>
-      </p:grpSp>
-      <p:grpSp>
-        <p:nvGrpSpPr>
-          <p:cNvPr id="45" name="组合 44">
-            <a:extLst>
-              <a:ext uri="{FF2B5EF4-FFF2-40B4-BE49-F238E27FC236}">
-                <a16:creationId xmlns:a16="http://schemas.microsoft.com/office/drawing/2014/main" id="{2E9DD270-685D-4565-8707-BBACDB745745}"/>
-              </a:ext>
-            </a:extLst>
-          </p:cNvPr>
-          <p:cNvGrpSpPr/>
-          <p:nvPr/>
-        </p:nvGrpSpPr>
-        <p:grpSpPr>
-          <a:xfrm>
-            <a:off x="9443177" y="3588463"/>
-            <a:ext cx="1465399" cy="1400001"/>
-            <a:chOff x="2307000" y="6578633"/>
-            <a:chExt cx="1465399" cy="1400001"/>
-          </a:xfrm>
-        </p:grpSpPr>
-        <p:sp>
-          <p:nvSpPr>
-            <p:cNvPr id="46" name="椭圆 45">
-              <a:extLst>
-                <a:ext uri="{FF2B5EF4-FFF2-40B4-BE49-F238E27FC236}">
-                  <a16:creationId xmlns:a16="http://schemas.microsoft.com/office/drawing/2014/main" id="{9203FE0F-773D-4028-AC5F-0E621EC1E6C1}"/>
-                </a:ext>
-              </a:extLst>
-            </p:cNvPr>
-            <p:cNvSpPr/>
-            <p:nvPr/>
-          </p:nvSpPr>
-          <p:spPr>
-            <a:xfrm>
-              <a:off x="2667000" y="6906867"/>
-              <a:ext cx="720000" cy="720000"/>
-            </a:xfrm>
-            <a:prstGeom prst="ellipse">
-              <a:avLst/>
-            </a:prstGeom>
-            <a:solidFill>
-              <a:srgbClr val="00B050">
-                <a:alpha val="55000"/>
-              </a:srgbClr>
-            </a:solidFill>
-            <a:ln>
-              <a:noFill/>
-            </a:ln>
-          </p:spPr>
-          <p:style>
-            <a:lnRef idx="2">
-              <a:schemeClr val="accent1">
-                <a:shade val="50000"/>
-              </a:schemeClr>
-            </a:lnRef>
-            <a:fillRef idx="1">
-              <a:schemeClr val="accent1"/>
-            </a:fillRef>
-            <a:effectRef idx="0">
-              <a:schemeClr val="accent1"/>
-            </a:effectRef>
-            <a:fontRef idx="minor">
-              <a:schemeClr val="lt1"/>
-            </a:fontRef>
-          </p:style>
-          <p:txBody>
-            <a:bodyPr rtlCol="0" anchor="ctr"/>
-            <a:lstStyle/>
-            <a:p>
-              <a:pPr algn="ctr"/>
-              <a:endParaRPr lang="zh-CN" altLang="en-US"/>
-            </a:p>
-          </p:txBody>
-        </p:sp>
-        <p:sp>
-          <p:nvSpPr>
-            <p:cNvPr id="47" name="弧形 46">
-              <a:extLst>
-                <a:ext uri="{FF2B5EF4-FFF2-40B4-BE49-F238E27FC236}">
-                  <a16:creationId xmlns:a16="http://schemas.microsoft.com/office/drawing/2014/main" id="{58B1852A-4603-4087-8C05-9D40CE2D2F20}"/>
-                </a:ext>
-              </a:extLst>
-            </p:cNvPr>
-            <p:cNvSpPr/>
-            <p:nvPr/>
-          </p:nvSpPr>
-          <p:spPr>
-            <a:xfrm>
-              <a:off x="2307000" y="7258634"/>
-              <a:ext cx="720000" cy="720000"/>
-            </a:xfrm>
-            <a:prstGeom prst="arc">
-              <a:avLst/>
-            </a:prstGeom>
-            <a:ln>
-              <a:solidFill>
-                <a:schemeClr val="bg1"/>
-              </a:solidFill>
-            </a:ln>
-          </p:spPr>
-          <p:style>
-            <a:lnRef idx="1">
-              <a:schemeClr val="accent1"/>
-            </a:lnRef>
-            <a:fillRef idx="0">
-              <a:schemeClr val="accent1"/>
-            </a:fillRef>
-            <a:effectRef idx="0">
-              <a:schemeClr val="accent1"/>
-            </a:effectRef>
-            <a:fontRef idx="minor">
-              <a:schemeClr val="tx1"/>
-            </a:fontRef>
-          </p:style>
-          <p:txBody>
-            <a:bodyPr rtlCol="0" anchor="ctr"/>
-            <a:lstStyle/>
-            <a:p>
-              <a:pPr algn="ctr"/>
-              <a:endParaRPr lang="zh-CN" altLang="en-US"/>
-            </a:p>
-          </p:txBody>
-        </p:sp>
-        <p:sp>
-          <p:nvSpPr>
-            <p:cNvPr id="48" name="弧形 47">
-              <a:extLst>
-                <a:ext uri="{FF2B5EF4-FFF2-40B4-BE49-F238E27FC236}">
-                  <a16:creationId xmlns:a16="http://schemas.microsoft.com/office/drawing/2014/main" id="{339C5412-3C1F-42F3-B645-EC209B3AFEF4}"/>
-                </a:ext>
-              </a:extLst>
-            </p:cNvPr>
-            <p:cNvSpPr/>
-            <p:nvPr/>
-          </p:nvSpPr>
-          <p:spPr>
-            <a:xfrm rot="11032779">
-              <a:off x="3052399" y="6578633"/>
-              <a:ext cx="720000" cy="720000"/>
-            </a:xfrm>
-            <a:prstGeom prst="arc">
-              <a:avLst/>
-            </a:prstGeom>
-            <a:ln>
-              <a:solidFill>
-                <a:schemeClr val="bg1"/>
-              </a:solidFill>
-            </a:ln>
-          </p:spPr>
-          <p:style>
-            <a:lnRef idx="1">
-              <a:schemeClr val="accent1"/>
-            </a:lnRef>
-            <a:fillRef idx="0">
-              <a:schemeClr val="accent1"/>
-            </a:fillRef>
-            <a:effectRef idx="0">
-              <a:schemeClr val="accent1"/>
-            </a:effectRef>
-            <a:fontRef idx="minor">
-              <a:schemeClr val="tx1"/>
-            </a:fontRef>
-          </p:style>
-          <p:txBody>
-            <a:bodyPr rtlCol="0" anchor="ctr"/>
-            <a:lstStyle/>
-            <a:p>
-              <a:pPr algn="ctr"/>
-              <a:endParaRPr lang="zh-CN" altLang="en-US"/>
-            </a:p>
-          </p:txBody>
-        </p:sp>
-      </p:grpSp>
-      <p:grpSp>
-        <p:nvGrpSpPr>
-          <p:cNvPr id="49" name="组合 48">
-            <a:extLst>
-              <a:ext uri="{FF2B5EF4-FFF2-40B4-BE49-F238E27FC236}">
-                <a16:creationId xmlns:a16="http://schemas.microsoft.com/office/drawing/2014/main" id="{F757F0CD-B944-41B7-9223-F09EC55D53E5}"/>
-              </a:ext>
-            </a:extLst>
-          </p:cNvPr>
-          <p:cNvGrpSpPr/>
-          <p:nvPr/>
-        </p:nvGrpSpPr>
-        <p:grpSpPr>
-          <a:xfrm>
-            <a:off x="9443177" y="4662784"/>
-            <a:ext cx="1465399" cy="1400001"/>
-            <a:chOff x="2307000" y="6578633"/>
-            <a:chExt cx="1465399" cy="1400001"/>
-          </a:xfrm>
-        </p:grpSpPr>
-        <p:sp>
-          <p:nvSpPr>
-            <p:cNvPr id="50" name="椭圆 49">
-              <a:extLst>
-                <a:ext uri="{FF2B5EF4-FFF2-40B4-BE49-F238E27FC236}">
-                  <a16:creationId xmlns:a16="http://schemas.microsoft.com/office/drawing/2014/main" id="{4348E099-037F-4A42-9E63-F1A860B96B21}"/>
-                </a:ext>
-              </a:extLst>
-            </p:cNvPr>
-            <p:cNvSpPr/>
-            <p:nvPr/>
-          </p:nvSpPr>
-          <p:spPr>
-            <a:xfrm>
-              <a:off x="2667000" y="6906867"/>
-              <a:ext cx="720000" cy="720000"/>
-            </a:xfrm>
-            <a:prstGeom prst="ellipse">
-              <a:avLst/>
-            </a:prstGeom>
-            <a:solidFill>
-              <a:srgbClr val="00B050">
-                <a:alpha val="55000"/>
-              </a:srgbClr>
-            </a:solidFill>
-            <a:ln>
-              <a:noFill/>
-            </a:ln>
-          </p:spPr>
-          <p:style>
-            <a:lnRef idx="2">
-              <a:schemeClr val="accent1">
-                <a:shade val="50000"/>
-              </a:schemeClr>
-            </a:lnRef>
-            <a:fillRef idx="1">
-              <a:schemeClr val="accent1"/>
-            </a:fillRef>
-            <a:effectRef idx="0">
-              <a:schemeClr val="accent1"/>
-            </a:effectRef>
-            <a:fontRef idx="minor">
-              <a:schemeClr val="lt1"/>
-            </a:fontRef>
-          </p:style>
-          <p:txBody>
-            <a:bodyPr rtlCol="0" anchor="ctr"/>
-            <a:lstStyle/>
-            <a:p>
-              <a:pPr algn="ctr"/>
-              <a:endParaRPr lang="zh-CN" altLang="en-US"/>
-            </a:p>
-          </p:txBody>
-        </p:sp>
-        <p:sp>
-          <p:nvSpPr>
-            <p:cNvPr id="51" name="弧形 50">
-              <a:extLst>
-                <a:ext uri="{FF2B5EF4-FFF2-40B4-BE49-F238E27FC236}">
-                  <a16:creationId xmlns:a16="http://schemas.microsoft.com/office/drawing/2014/main" id="{09160FE7-ED80-4A8C-97C4-BAD0DA294DBA}"/>
-                </a:ext>
-              </a:extLst>
-            </p:cNvPr>
-            <p:cNvSpPr/>
-            <p:nvPr/>
-          </p:nvSpPr>
-          <p:spPr>
-            <a:xfrm>
-              <a:off x="2307000" y="7258634"/>
-              <a:ext cx="720000" cy="720000"/>
-            </a:xfrm>
-            <a:prstGeom prst="arc">
-              <a:avLst/>
-            </a:prstGeom>
-            <a:ln>
-              <a:solidFill>
-                <a:schemeClr val="bg1"/>
-              </a:solidFill>
-            </a:ln>
-          </p:spPr>
-          <p:style>
-            <a:lnRef idx="1">
-              <a:schemeClr val="accent1"/>
-            </a:lnRef>
-            <a:fillRef idx="0">
-              <a:schemeClr val="accent1"/>
-            </a:fillRef>
-            <a:effectRef idx="0">
-              <a:schemeClr val="accent1"/>
-            </a:effectRef>
-            <a:fontRef idx="minor">
-              <a:schemeClr val="tx1"/>
-            </a:fontRef>
-          </p:style>
-          <p:txBody>
-            <a:bodyPr rtlCol="0" anchor="ctr"/>
-            <a:lstStyle/>
-            <a:p>
-              <a:pPr algn="ctr"/>
-              <a:endParaRPr lang="zh-CN" altLang="en-US"/>
-            </a:p>
-          </p:txBody>
-        </p:sp>
-        <p:sp>
-          <p:nvSpPr>
-            <p:cNvPr id="52" name="弧形 51">
-              <a:extLst>
-                <a:ext uri="{FF2B5EF4-FFF2-40B4-BE49-F238E27FC236}">
-                  <a16:creationId xmlns:a16="http://schemas.microsoft.com/office/drawing/2014/main" id="{79C5BFF4-3B78-47AD-9B9F-D5BD81F6E353}"/>
-                </a:ext>
-              </a:extLst>
-            </p:cNvPr>
-            <p:cNvSpPr/>
-            <p:nvPr/>
-          </p:nvSpPr>
-          <p:spPr>
-            <a:xfrm rot="11032779">
-              <a:off x="3052399" y="6578633"/>
-              <a:ext cx="720000" cy="720000"/>
-            </a:xfrm>
-            <a:prstGeom prst="arc">
-              <a:avLst/>
-            </a:prstGeom>
-            <a:ln>
-              <a:solidFill>
-                <a:schemeClr val="bg1"/>
-              </a:solidFill>
-            </a:ln>
-          </p:spPr>
-          <p:style>
-            <a:lnRef idx="1">
-              <a:schemeClr val="accent1"/>
-            </a:lnRef>
-            <a:fillRef idx="0">
-              <a:schemeClr val="accent1"/>
-            </a:fillRef>
-            <a:effectRef idx="0">
-              <a:schemeClr val="accent1"/>
-            </a:effectRef>
-            <a:fontRef idx="minor">
-              <a:schemeClr val="tx1"/>
-            </a:fontRef>
-          </p:style>
-          <p:txBody>
-            <a:bodyPr rtlCol="0" anchor="ctr"/>
-            <a:lstStyle/>
-            <a:p>
-              <a:pPr algn="ctr"/>
-              <a:endParaRPr lang="zh-CN" altLang="en-US"/>
-            </a:p>
-          </p:txBody>
-        </p:sp>
-      </p:grpSp>
-      <p:grpSp>
-        <p:nvGrpSpPr>
-          <p:cNvPr id="53" name="组合 52">
-            <a:extLst>
-              <a:ext uri="{FF2B5EF4-FFF2-40B4-BE49-F238E27FC236}">
-                <a16:creationId xmlns:a16="http://schemas.microsoft.com/office/drawing/2014/main" id="{82371EAB-A29A-49A9-8F34-AE406EBE0ED2}"/>
-              </a:ext>
-            </a:extLst>
-          </p:cNvPr>
-          <p:cNvGrpSpPr/>
-          <p:nvPr/>
-        </p:nvGrpSpPr>
-        <p:grpSpPr>
-          <a:xfrm>
-            <a:off x="9443177" y="5737105"/>
-            <a:ext cx="1465399" cy="1400001"/>
-            <a:chOff x="2307000" y="6578633"/>
-            <a:chExt cx="1465399" cy="1400001"/>
-          </a:xfrm>
-        </p:grpSpPr>
-        <p:sp>
-          <p:nvSpPr>
-            <p:cNvPr id="54" name="椭圆 53">
-              <a:extLst>
-                <a:ext uri="{FF2B5EF4-FFF2-40B4-BE49-F238E27FC236}">
-                  <a16:creationId xmlns:a16="http://schemas.microsoft.com/office/drawing/2014/main" id="{F4827DA5-C1F9-4FD8-839C-F70A0D8AA5B6}"/>
-                </a:ext>
-              </a:extLst>
-            </p:cNvPr>
-            <p:cNvSpPr/>
-            <p:nvPr/>
-          </p:nvSpPr>
-          <p:spPr>
-            <a:xfrm>
-              <a:off x="2667000" y="6906867"/>
-              <a:ext cx="720000" cy="720000"/>
-            </a:xfrm>
-            <a:prstGeom prst="ellipse">
-              <a:avLst/>
-            </a:prstGeom>
-            <a:solidFill>
-              <a:srgbClr val="00B050">
-                <a:alpha val="55000"/>
-              </a:srgbClr>
-            </a:solidFill>
-            <a:ln>
-              <a:noFill/>
-            </a:ln>
-          </p:spPr>
-          <p:style>
-            <a:lnRef idx="2">
-              <a:schemeClr val="accent1">
-                <a:shade val="50000"/>
-              </a:schemeClr>
-            </a:lnRef>
-            <a:fillRef idx="1">
-              <a:schemeClr val="accent1"/>
-            </a:fillRef>
-            <a:effectRef idx="0">
-              <a:schemeClr val="accent1"/>
-            </a:effectRef>
-            <a:fontRef idx="minor">
-              <a:schemeClr val="lt1"/>
-            </a:fontRef>
-          </p:style>
-          <p:txBody>
-            <a:bodyPr rtlCol="0" anchor="ctr"/>
-            <a:lstStyle/>
-            <a:p>
-              <a:pPr algn="ctr"/>
-              <a:endParaRPr lang="zh-CN" altLang="en-US"/>
-            </a:p>
-          </p:txBody>
-        </p:sp>
-        <p:sp>
-          <p:nvSpPr>
-            <p:cNvPr id="55" name="弧形 54">
-              <a:extLst>
-                <a:ext uri="{FF2B5EF4-FFF2-40B4-BE49-F238E27FC236}">
-                  <a16:creationId xmlns:a16="http://schemas.microsoft.com/office/drawing/2014/main" id="{0F08E35A-BB1D-4625-BEF3-6132068101C7}"/>
-                </a:ext>
-              </a:extLst>
-            </p:cNvPr>
-            <p:cNvSpPr/>
-            <p:nvPr/>
-          </p:nvSpPr>
-          <p:spPr>
-            <a:xfrm>
-              <a:off x="2307000" y="7258634"/>
-              <a:ext cx="720000" cy="720000"/>
-            </a:xfrm>
-            <a:prstGeom prst="arc">
-              <a:avLst/>
-            </a:prstGeom>
-            <a:ln>
-              <a:solidFill>
-                <a:schemeClr val="bg1"/>
-              </a:solidFill>
-            </a:ln>
-          </p:spPr>
-          <p:style>
-            <a:lnRef idx="1">
-              <a:schemeClr val="accent1"/>
-            </a:lnRef>
-            <a:fillRef idx="0">
-              <a:schemeClr val="accent1"/>
-            </a:fillRef>
-            <a:effectRef idx="0">
-              <a:schemeClr val="accent1"/>
-            </a:effectRef>
-            <a:fontRef idx="minor">
-              <a:schemeClr val="tx1"/>
-            </a:fontRef>
-          </p:style>
-          <p:txBody>
-            <a:bodyPr rtlCol="0" anchor="ctr"/>
-            <a:lstStyle/>
-            <a:p>
-              <a:pPr algn="ctr"/>
-              <a:endParaRPr lang="zh-CN" altLang="en-US"/>
-            </a:p>
-          </p:txBody>
-        </p:sp>
-        <p:sp>
-          <p:nvSpPr>
-            <p:cNvPr id="56" name="弧形 55">
-              <a:extLst>
-                <a:ext uri="{FF2B5EF4-FFF2-40B4-BE49-F238E27FC236}">
-                  <a16:creationId xmlns:a16="http://schemas.microsoft.com/office/drawing/2014/main" id="{B338A189-EA28-4C9E-B2FE-22D5B18EF305}"/>
-                </a:ext>
-              </a:extLst>
-            </p:cNvPr>
-            <p:cNvSpPr/>
-            <p:nvPr/>
-          </p:nvSpPr>
-          <p:spPr>
-            <a:xfrm rot="11032779">
-              <a:off x="3052399" y="6578633"/>
-              <a:ext cx="720000" cy="720000"/>
-            </a:xfrm>
-            <a:prstGeom prst="arc">
-              <a:avLst/>
-            </a:prstGeom>
-            <a:ln>
-              <a:solidFill>
-                <a:schemeClr val="bg1"/>
-              </a:solidFill>
-            </a:ln>
-          </p:spPr>
-          <p:style>
-            <a:lnRef idx="1">
-              <a:schemeClr val="accent1"/>
-            </a:lnRef>
-            <a:fillRef idx="0">
-              <a:schemeClr val="accent1"/>
-            </a:fillRef>
-            <a:effectRef idx="0">
-              <a:schemeClr val="accent1"/>
-            </a:effectRef>
-            <a:fontRef idx="minor">
-              <a:schemeClr val="tx1"/>
-            </a:fontRef>
-          </p:style>
-          <p:txBody>
-            <a:bodyPr rtlCol="0" anchor="ctr"/>
-            <a:lstStyle/>
-            <a:p>
-              <a:pPr algn="ctr"/>
-              <a:endParaRPr lang="zh-CN" altLang="en-US"/>
-            </a:p>
-          </p:txBody>
-        </p:sp>
-      </p:grpSp>
-      <p:sp>
-        <p:nvSpPr>
-          <p:cNvPr id="61" name="矩形 60">
-            <a:extLst>
-              <a:ext uri="{FF2B5EF4-FFF2-40B4-BE49-F238E27FC236}">
-                <a16:creationId xmlns:a16="http://schemas.microsoft.com/office/drawing/2014/main" id="{91EB34E5-C8AE-493C-AF9D-657DC7A9A14E}"/>
-              </a:ext>
-            </a:extLst>
-          </p:cNvPr>
-          <p:cNvSpPr/>
-          <p:nvPr/>
-        </p:nvSpPr>
-        <p:spPr>
-          <a:xfrm>
-            <a:off x="-1" y="9000263"/>
-            <a:ext cx="17279938" cy="720000"/>
-          </a:xfrm>
-          <a:prstGeom prst="rect">
-            <a:avLst/>
-          </a:prstGeom>
-          <a:solidFill>
-            <a:srgbClr val="75CEDE">
-              <a:alpha val="50000"/>
-            </a:srgbClr>
-          </a:solidFill>
-          <a:ln>
-            <a:noFill/>
-          </a:ln>
-        </p:spPr>
-        <p:style>
-          <a:lnRef idx="2">
-            <a:schemeClr val="accent1">
-              <a:shade val="50000"/>
-            </a:schemeClr>
-          </a:lnRef>
-          <a:fillRef idx="1">
-            <a:schemeClr val="accent1"/>
-          </a:fillRef>
-          <a:effectRef idx="0">
-            <a:schemeClr val="accent1"/>
-          </a:effectRef>
-          <a:fontRef idx="minor">
-            <a:schemeClr val="lt1"/>
-          </a:fontRef>
-        </p:style>
-        <p:txBody>
-          <a:bodyPr rtlCol="0" anchor="ctr"/>
-          <a:lstStyle/>
-          <a:p>
-            <a:pPr algn="ctr"/>
-            <a:endParaRPr lang="zh-CN" altLang="en-US"/>
-          </a:p>
-        </p:txBody>
-      </p:sp>
-      <p:grpSp>
-        <p:nvGrpSpPr>
-          <p:cNvPr id="62" name="组合 61">
-            <a:extLst>
-              <a:ext uri="{FF2B5EF4-FFF2-40B4-BE49-F238E27FC236}">
-                <a16:creationId xmlns:a16="http://schemas.microsoft.com/office/drawing/2014/main" id="{00873227-C6F8-4361-8279-8F6095908A80}"/>
-              </a:ext>
-            </a:extLst>
-          </p:cNvPr>
-          <p:cNvGrpSpPr/>
-          <p:nvPr/>
-        </p:nvGrpSpPr>
-        <p:grpSpPr>
-          <a:xfrm>
-            <a:off x="195549" y="8862379"/>
-            <a:ext cx="1042283" cy="995768"/>
-            <a:chOff x="195549" y="8862379"/>
-            <a:chExt cx="1042283" cy="995768"/>
-          </a:xfrm>
-        </p:grpSpPr>
-        <p:sp>
-          <p:nvSpPr>
-            <p:cNvPr id="63" name="椭圆 62">
-              <a:extLst>
-                <a:ext uri="{FF2B5EF4-FFF2-40B4-BE49-F238E27FC236}">
-                  <a16:creationId xmlns:a16="http://schemas.microsoft.com/office/drawing/2014/main" id="{40EEDF65-DEE8-4ECE-B45F-1BA3630147AC}"/>
-                </a:ext>
-              </a:extLst>
-            </p:cNvPr>
-            <p:cNvSpPr/>
-            <p:nvPr/>
-          </p:nvSpPr>
-          <p:spPr>
-            <a:xfrm>
-              <a:off x="451603" y="9095839"/>
-              <a:ext cx="512109" cy="512109"/>
-            </a:xfrm>
-            <a:prstGeom prst="ellipse">
-              <a:avLst/>
-            </a:prstGeom>
-            <a:solidFill>
-              <a:schemeClr val="bg1">
-                <a:alpha val="55000"/>
-              </a:schemeClr>
-            </a:solidFill>
-            <a:ln>
-              <a:noFill/>
-            </a:ln>
-          </p:spPr>
-          <p:style>
-            <a:lnRef idx="2">
-              <a:schemeClr val="accent1">
-                <a:shade val="50000"/>
-              </a:schemeClr>
-            </a:lnRef>
-            <a:fillRef idx="1">
-              <a:schemeClr val="accent1"/>
-            </a:fillRef>
-            <a:effectRef idx="0">
-              <a:schemeClr val="accent1"/>
-            </a:effectRef>
-            <a:fontRef idx="minor">
-              <a:schemeClr val="lt1"/>
-            </a:fontRef>
-          </p:style>
-          <p:txBody>
-            <a:bodyPr rtlCol="0" anchor="ctr"/>
-            <a:lstStyle/>
-            <a:p>
-              <a:pPr algn="ctr"/>
-              <a:endParaRPr lang="zh-CN" altLang="en-US"/>
-            </a:p>
-          </p:txBody>
-        </p:sp>
-        <p:sp>
-          <p:nvSpPr>
-            <p:cNvPr id="64" name="弧形 63">
-              <a:extLst>
-                <a:ext uri="{FF2B5EF4-FFF2-40B4-BE49-F238E27FC236}">
-                  <a16:creationId xmlns:a16="http://schemas.microsoft.com/office/drawing/2014/main" id="{1C554878-974D-4894-AF05-00B60A7125F1}"/>
-                </a:ext>
-              </a:extLst>
-            </p:cNvPr>
-            <p:cNvSpPr/>
-            <p:nvPr/>
-          </p:nvSpPr>
-          <p:spPr>
-            <a:xfrm>
-              <a:off x="195549" y="9346038"/>
-              <a:ext cx="512109" cy="512109"/>
-            </a:xfrm>
-            <a:prstGeom prst="arc">
-              <a:avLst/>
-            </a:prstGeom>
-            <a:ln>
-              <a:solidFill>
-                <a:schemeClr val="bg1"/>
-              </a:solidFill>
-            </a:ln>
-          </p:spPr>
-          <p:style>
-            <a:lnRef idx="1">
-              <a:schemeClr val="accent1"/>
-            </a:lnRef>
-            <a:fillRef idx="0">
-              <a:schemeClr val="accent1"/>
-            </a:fillRef>
-            <a:effectRef idx="0">
-              <a:schemeClr val="accent1"/>
-            </a:effectRef>
-            <a:fontRef idx="minor">
-              <a:schemeClr val="tx1"/>
-            </a:fontRef>
-          </p:style>
-          <p:txBody>
-            <a:bodyPr rtlCol="0" anchor="ctr"/>
-            <a:lstStyle/>
-            <a:p>
-              <a:pPr algn="ctr"/>
-              <a:endParaRPr lang="zh-CN" altLang="en-US"/>
-            </a:p>
-          </p:txBody>
-        </p:sp>
-        <p:sp>
-          <p:nvSpPr>
-            <p:cNvPr id="65" name="弧形 64">
-              <a:extLst>
-                <a:ext uri="{FF2B5EF4-FFF2-40B4-BE49-F238E27FC236}">
-                  <a16:creationId xmlns:a16="http://schemas.microsoft.com/office/drawing/2014/main" id="{E4672F39-FEEE-434A-8864-FC17A5EB9D87}"/>
-                </a:ext>
-              </a:extLst>
-            </p:cNvPr>
-            <p:cNvSpPr/>
-            <p:nvPr/>
-          </p:nvSpPr>
-          <p:spPr>
-            <a:xfrm rot="11032779">
-              <a:off x="725723" y="8862379"/>
-              <a:ext cx="512109" cy="512109"/>
-            </a:xfrm>
-            <a:prstGeom prst="arc">
-              <a:avLst/>
-            </a:prstGeom>
-            <a:ln>
-              <a:solidFill>
-                <a:schemeClr val="bg1"/>
-              </a:solidFill>
-            </a:ln>
-          </p:spPr>
-          <p:style>
-            <a:lnRef idx="1">
-              <a:schemeClr val="accent1"/>
-            </a:lnRef>
-            <a:fillRef idx="0">
-              <a:schemeClr val="accent1"/>
-            </a:fillRef>
-            <a:effectRef idx="0">
-              <a:schemeClr val="accent1"/>
-            </a:effectRef>
-            <a:fontRef idx="minor">
-              <a:schemeClr val="tx1"/>
-            </a:fontRef>
-          </p:style>
-          <p:txBody>
-            <a:bodyPr rtlCol="0" anchor="ctr"/>
-            <a:lstStyle/>
-            <a:p>
-              <a:pPr algn="ctr"/>
-              <a:endParaRPr lang="zh-CN" altLang="en-US"/>
-            </a:p>
-          </p:txBody>
-        </p:sp>
-      </p:grpSp>
-      <p:sp>
-        <p:nvSpPr>
-          <p:cNvPr id="66" name="文本框 65">
-            <a:extLst>
-              <a:ext uri="{FF2B5EF4-FFF2-40B4-BE49-F238E27FC236}">
-                <a16:creationId xmlns:a16="http://schemas.microsoft.com/office/drawing/2014/main" id="{E8F5543E-65ED-4C13-A93C-7D2C03D6F624}"/>
-              </a:ext>
-            </a:extLst>
-          </p:cNvPr>
-          <p:cNvSpPr txBox="1"/>
-          <p:nvPr/>
-        </p:nvSpPr>
-        <p:spPr>
-          <a:xfrm>
-            <a:off x="1088957" y="9217191"/>
-            <a:ext cx="1749197" cy="338554"/>
-          </a:xfrm>
-          <a:prstGeom prst="rect">
-            <a:avLst/>
-          </a:prstGeom>
-          <a:noFill/>
-        </p:spPr>
-        <p:txBody>
-          <a:bodyPr wrap="none" rtlCol="0">
-            <a:spAutoFit/>
-          </a:bodyPr>
-          <a:lstStyle/>
-          <a:p>
-            <a:r>
-              <a:rPr lang="en-US" altLang="zh-CN" sz="1600" dirty="0">
-                <a:solidFill>
-                  <a:schemeClr val="bg1"/>
-                </a:solidFill>
-                <a:latin typeface="苹方-简" panose="020B0400000000000000" pitchFamily="34" charset="-128"/>
-                <a:ea typeface="苹方-简" panose="020B0400000000000000" pitchFamily="34" charset="-128"/>
-              </a:rPr>
-              <a:t>Golang </a:t>
-            </a:r>
-            <a:r>
-              <a:rPr lang="zh-CN" altLang="en-US" sz="1600" dirty="0">
-                <a:solidFill>
-                  <a:schemeClr val="bg1"/>
-                </a:solidFill>
-                <a:latin typeface="苹方-简" panose="020B0400000000000000" pitchFamily="34" charset="-128"/>
-                <a:ea typeface="苹方-简" panose="020B0400000000000000" pitchFamily="34" charset="-128"/>
-              </a:rPr>
-              <a:t>学习专栏</a:t>
-            </a:r>
-          </a:p>
-        </p:txBody>
-      </p:sp>
-      <p:sp>
-        <p:nvSpPr>
-          <p:cNvPr id="67" name="椭圆 66">
-            <a:extLst>
-              <a:ext uri="{FF2B5EF4-FFF2-40B4-BE49-F238E27FC236}">
-                <a16:creationId xmlns:a16="http://schemas.microsoft.com/office/drawing/2014/main" id="{1D2ED1A7-FD5B-4627-91CF-77F0BAA7761C}"/>
-              </a:ext>
-            </a:extLst>
-          </p:cNvPr>
-          <p:cNvSpPr/>
-          <p:nvPr/>
-        </p:nvSpPr>
-        <p:spPr>
-          <a:xfrm>
-            <a:off x="16379124" y="9170092"/>
-            <a:ext cx="432000" cy="432000"/>
-          </a:xfrm>
-          <a:prstGeom prst="ellipse">
-            <a:avLst/>
-          </a:prstGeom>
-          <a:solidFill>
-            <a:schemeClr val="bg1"/>
-          </a:solidFill>
-          <a:ln>
-            <a:noFill/>
-          </a:ln>
-        </p:spPr>
-        <p:style>
-          <a:lnRef idx="2">
-            <a:schemeClr val="accent1">
-              <a:shade val="50000"/>
-            </a:schemeClr>
-          </a:lnRef>
-          <a:fillRef idx="1">
-            <a:schemeClr val="accent1"/>
-          </a:fillRef>
-          <a:effectRef idx="0">
-            <a:schemeClr val="accent1"/>
-          </a:effectRef>
-          <a:fontRef idx="minor">
-            <a:schemeClr val="lt1"/>
-          </a:fontRef>
-        </p:style>
-        <p:txBody>
-          <a:bodyPr rtlCol="0" anchor="ctr"/>
-          <a:lstStyle/>
-          <a:p>
-            <a:pPr algn="ctr"/>
-            <a:r>
-              <a:rPr lang="en-US" altLang="zh-CN" dirty="0">
-                <a:solidFill>
-                  <a:srgbClr val="75CEDE"/>
-                </a:solidFill>
-                <a:latin typeface="苹方-简" panose="020B0400000000000000" pitchFamily="34" charset="-128"/>
-                <a:ea typeface="苹方-简" panose="020B0400000000000000" pitchFamily="34" charset="-128"/>
-              </a:rPr>
-              <a:t>4</a:t>
-            </a:r>
-            <a:endParaRPr lang="zh-CN" altLang="en-US" dirty="0">
-              <a:solidFill>
-                <a:srgbClr val="75CEDE"/>
-              </a:solidFill>
-              <a:latin typeface="苹方-简" panose="020B0400000000000000" pitchFamily="34" charset="-128"/>
-              <a:ea typeface="苹方-简" panose="020B0400000000000000" pitchFamily="34" charset="-128"/>
+              <a:t>video</a:t>
+            </a:r>
+            <a:endParaRPr lang="zh-CN" altLang="en-US" sz="6000" dirty="0">
+              <a:latin typeface="!!HelveticaBlack" panose="020B0603050302020204" pitchFamily="34" charset="0"/>
             </a:endParaRPr>
           </a:p>
         </p:txBody>
@@ -13630,7 +13950,7 @@
     </p:spTree>
     <p:extLst>
       <p:ext uri="{BB962C8B-B14F-4D97-AF65-F5344CB8AC3E}">
-        <p14:creationId xmlns:p14="http://schemas.microsoft.com/office/powerpoint/2010/main" val="3842796499"/>
+        <p14:creationId xmlns:p14="http://schemas.microsoft.com/office/powerpoint/2010/main" val="1896630815"/>
       </p:ext>
     </p:extLst>
   </p:cSld>
